--- a/Challenges/Satellite Image Data Set - Challenge 2/Ppt - Satellite Image Dataset Classification Challenge-2.pptx
+++ b/Challenges/Satellite Image Data Set - Challenge 2/Ppt - Satellite Image Dataset Classification Challenge-2.pptx
@@ -7,24 +7,25 @@
     <p:sldMasterId id="2147483999" r:id="rId3"/>
   </p:sldMasterIdLst>
   <p:notesMasterIdLst>
-    <p:notesMasterId r:id="rId16"/>
+    <p:notesMasterId r:id="rId17"/>
   </p:notesMasterIdLst>
   <p:handoutMasterIdLst>
-    <p:handoutMasterId r:id="rId17"/>
+    <p:handoutMasterId r:id="rId18"/>
   </p:handoutMasterIdLst>
   <p:sldIdLst>
     <p:sldId id="256" r:id="rId4"/>
     <p:sldId id="257" r:id="rId5"/>
     <p:sldId id="258" r:id="rId6"/>
     <p:sldId id="259" r:id="rId7"/>
-    <p:sldId id="264" r:id="rId8"/>
-    <p:sldId id="268" r:id="rId9"/>
+    <p:sldId id="268" r:id="rId8"/>
+    <p:sldId id="264" r:id="rId9"/>
     <p:sldId id="261" r:id="rId10"/>
     <p:sldId id="265" r:id="rId11"/>
     <p:sldId id="266" r:id="rId12"/>
     <p:sldId id="262" r:id="rId13"/>
     <p:sldId id="263" r:id="rId14"/>
     <p:sldId id="267" r:id="rId15"/>
+    <p:sldId id="269" r:id="rId16"/>
   </p:sldIdLst>
   <p:sldSz cx="9144000" cy="6858000" type="screen4x3"/>
   <p:notesSz cx="6858000" cy="9144000"/>
@@ -125,7 +126,7 @@
   </p:defaultTextStyle>
   <p:extLst>
     <p:ext uri="{EFAFB233-063F-42B5-8137-9DF3F51BA10A}">
-      <p15:sldGuideLst xmlns:p15="http://schemas.microsoft.com/office/powerpoint/2012/main" xmlns="">
+      <p15:sldGuideLst xmlns="" xmlns:p15="http://schemas.microsoft.com/office/powerpoint/2012/main">
         <p15:guide id="1" orient="horz" pos="2160">
           <p15:clr>
             <a:srgbClr val="A4A3A4"/>
@@ -1288,8 +1289,8 @@
     <dgm:cxn modelId="{B710CF99-B0AF-41C5-93AA-ABAA14EF22C7}" type="presOf" srcId="{63FA2AF9-2D10-497E-9157-EC44F4D7320C}" destId="{0C8C155F-305A-486E-B7B8-7C2CEF130136}" srcOrd="0" destOrd="0" presId="urn:microsoft.com/office/officeart/2005/8/layout/process1"/>
     <dgm:cxn modelId="{38CF61A1-B618-43E1-AFEE-7261E85E92B6}" type="presOf" srcId="{F79A40E6-9D47-4B3F-AAC2-1C27D05703B9}" destId="{FC52A0A9-3A7F-4474-A219-B62CDA5D0786}" srcOrd="0" destOrd="0" presId="urn:microsoft.com/office/officeart/2005/8/layout/process1"/>
     <dgm:cxn modelId="{32C89380-DE10-4538-8904-3076ADF29E4A}" type="presOf" srcId="{29959815-D886-4B58-9DCB-51D7F54461E3}" destId="{5F423820-0B91-439E-A2AC-B466ADF028C1}" srcOrd="0" destOrd="0" presId="urn:microsoft.com/office/officeart/2005/8/layout/process1"/>
+    <dgm:cxn modelId="{EAF7F4FD-8A96-499C-9F04-6B88ADE77E43}" type="presOf" srcId="{B3136396-617E-40DE-94E5-4419C0F89848}" destId="{C8B53646-9373-46A0-9B26-DC49EF75D4F3}" srcOrd="1" destOrd="0" presId="urn:microsoft.com/office/officeart/2005/8/layout/process1"/>
     <dgm:cxn modelId="{DB11EE60-E500-46C9-A55E-B2BEEFBA503B}" type="presOf" srcId="{63FA2AF9-2D10-497E-9157-EC44F4D7320C}" destId="{14F3C660-67D7-400F-8E84-3223E5633361}" srcOrd="1" destOrd="0" presId="urn:microsoft.com/office/officeart/2005/8/layout/process1"/>
-    <dgm:cxn modelId="{EAF7F4FD-8A96-499C-9F04-6B88ADE77E43}" type="presOf" srcId="{B3136396-617E-40DE-94E5-4419C0F89848}" destId="{C8B53646-9373-46A0-9B26-DC49EF75D4F3}" srcOrd="1" destOrd="0" presId="urn:microsoft.com/office/officeart/2005/8/layout/process1"/>
     <dgm:cxn modelId="{72C57326-4377-4842-91B2-38017920D375}" type="presParOf" srcId="{6281DDB5-E61D-4DA4-9045-051E963ECEA9}" destId="{5F423820-0B91-439E-A2AC-B466ADF028C1}" srcOrd="0" destOrd="0" presId="urn:microsoft.com/office/officeart/2005/8/layout/process1"/>
     <dgm:cxn modelId="{D3F0008F-3881-4A2E-BBC8-3E0C48C362DE}" type="presParOf" srcId="{6281DDB5-E61D-4DA4-9045-051E963ECEA9}" destId="{0C8C155F-305A-486E-B7B8-7C2CEF130136}" srcOrd="1" destOrd="0" presId="urn:microsoft.com/office/officeart/2005/8/layout/process1"/>
     <dgm:cxn modelId="{77066002-99FE-4580-B609-E0F12F701300}" type="presParOf" srcId="{0C8C155F-305A-486E-B7B8-7C2CEF130136}" destId="{14F3C660-67D7-400F-8E84-3223E5633361}" srcOrd="0" destOrd="0" presId="urn:microsoft.com/office/officeart/2005/8/layout/process1"/>
@@ -3936,7 +3937,7 @@
           <a:bodyPr/>
           <a:lstStyle/>
           <a:p>
-            <a:fld id="{A6B21E57-2666-49C4-A2F0-E57059236F9B}" type="datetime1">
+            <a:fld id="{12C66A5D-3DFF-4AFE-9026-8E1225C6223B}" type="datetime1">
               <a:rPr lang="en-IN" smtClean="0"/>
               <a:t>29-11-2015</a:t>
             </a:fld>
@@ -3961,7 +3962,7 @@
           <a:p>
             <a:r>
               <a:rPr lang="en-IN" smtClean="0"/>
-              <a:t>Satellite Image Classification - The Outliers</a:t>
+              <a:t>Satellite Image Classification</a:t>
             </a:r>
             <a:endParaRPr lang="en-IN"/>
           </a:p>
@@ -4002,7 +4003,7 @@
   </p:clrMapOvr>
   <p:extLst mod="1">
     <p:ext uri="{DCECCB84-F9BA-43D5-87BE-67443E8EF086}">
-      <p15:sldGuideLst xmlns:p15="http://schemas.microsoft.com/office/powerpoint/2012/main" xmlns=""/>
+      <p15:sldGuideLst xmlns="" xmlns:p15="http://schemas.microsoft.com/office/powerpoint/2012/main"/>
     </p:ext>
   </p:extLst>
 </p:sldLayout>
@@ -4115,7 +4116,7 @@
           <a:bodyPr/>
           <a:lstStyle/>
           <a:p>
-            <a:fld id="{94EA0223-CC7C-433A-A38E-1B0CADD510ED}" type="datetime1">
+            <a:fld id="{E0AC8EB1-FA30-4F77-9D37-E599F78FD528}" type="datetime1">
               <a:rPr lang="en-IN" smtClean="0"/>
               <a:t>29-11-2015</a:t>
             </a:fld>
@@ -4140,7 +4141,7 @@
           <a:p>
             <a:r>
               <a:rPr lang="en-IN" smtClean="0"/>
-              <a:t>Satellite Image Classification - The Outliers</a:t>
+              <a:t>Satellite Image Classification</a:t>
             </a:r>
             <a:endParaRPr lang="en-IN"/>
           </a:p>
@@ -4299,7 +4300,7 @@
           <a:bodyPr/>
           <a:lstStyle/>
           <a:p>
-            <a:fld id="{644EA09F-C62B-4F78-89F4-799B7484A6BF}" type="datetime1">
+            <a:fld id="{16720B39-5616-4A4F-9CDA-9C81C46A2459}" type="datetime1">
               <a:rPr lang="en-IN" smtClean="0"/>
               <a:t>29-11-2015</a:t>
             </a:fld>
@@ -4324,7 +4325,7 @@
           <a:p>
             <a:r>
               <a:rPr lang="en-IN" smtClean="0"/>
-              <a:t>Satellite Image Classification - The Outliers</a:t>
+              <a:t>Satellite Image Classification</a:t>
             </a:r>
             <a:endParaRPr lang="en-IN"/>
           </a:p>
@@ -4365,7 +4366,7 @@
   </p:clrMapOvr>
   <p:extLst mod="1">
     <p:ext uri="{DCECCB84-F9BA-43D5-87BE-67443E8EF086}">
-      <p15:sldGuideLst xmlns:p15="http://schemas.microsoft.com/office/powerpoint/2012/main" xmlns=""/>
+      <p15:sldGuideLst xmlns="" xmlns:p15="http://schemas.microsoft.com/office/powerpoint/2012/main"/>
     </p:ext>
   </p:extLst>
 </p:sldLayout>
@@ -4511,7 +4512,7 @@
           <a:bodyPr/>
           <a:lstStyle/>
           <a:p>
-            <a:fld id="{B1F29004-2FAC-4AC8-9503-D90BE09E6927}" type="datetime1">
+            <a:fld id="{26A808B9-1D6E-4B4C-879B-01BE794C9262}" type="datetime1">
               <a:rPr lang="en-IN" smtClean="0"/>
               <a:t>29-11-2015</a:t>
             </a:fld>
@@ -4536,7 +4537,7 @@
           <a:p>
             <a:r>
               <a:rPr lang="en-IN" smtClean="0"/>
-              <a:t>Satellite Image Classification - The Outliers</a:t>
+              <a:t>Satellite Image Classification</a:t>
             </a:r>
             <a:endParaRPr lang="en-IN"/>
           </a:p>
@@ -4577,7 +4578,7 @@
   </p:clrMapOvr>
   <p:extLst mod="1">
     <p:ext uri="{DCECCB84-F9BA-43D5-87BE-67443E8EF086}">
-      <p15:sldGuideLst xmlns:p15="http://schemas.microsoft.com/office/powerpoint/2012/main" xmlns=""/>
+      <p15:sldGuideLst xmlns="" xmlns:p15="http://schemas.microsoft.com/office/powerpoint/2012/main"/>
     </p:ext>
   </p:extLst>
 </p:sldLayout>
@@ -4690,7 +4691,7 @@
           <a:bodyPr/>
           <a:lstStyle/>
           <a:p>
-            <a:fld id="{4E9210C4-5B31-4D0A-9043-270B03635523}" type="datetime1">
+            <a:fld id="{06C36FEA-6D7D-40C6-9DE4-228CC1D8D95E}" type="datetime1">
               <a:rPr lang="en-IN" smtClean="0"/>
               <a:t>29-11-2015</a:t>
             </a:fld>
@@ -4715,7 +4716,7 @@
           <a:p>
             <a:r>
               <a:rPr lang="en-IN" smtClean="0"/>
-              <a:t>Satellite Image Classification - The Outliers</a:t>
+              <a:t>Satellite Image Classification</a:t>
             </a:r>
             <a:endParaRPr lang="en-IN"/>
           </a:p>
@@ -4945,7 +4946,7 @@
           <a:bodyPr/>
           <a:lstStyle/>
           <a:p>
-            <a:fld id="{7470D5D5-17B8-48C9-8636-901FF1BC2F0E}" type="datetime1">
+            <a:fld id="{091971B1-0A71-4B10-B8A9-A42D28497347}" type="datetime1">
               <a:rPr lang="en-IN" smtClean="0"/>
               <a:t>29-11-2015</a:t>
             </a:fld>
@@ -4970,7 +4971,7 @@
           <a:p>
             <a:r>
               <a:rPr lang="en-IN" smtClean="0"/>
-              <a:t>Satellite Image Classification - The Outliers</a:t>
+              <a:t>Satellite Image Classification</a:t>
             </a:r>
             <a:endParaRPr lang="en-IN"/>
           </a:p>
@@ -5011,7 +5012,7 @@
   </p:clrMapOvr>
   <p:extLst mod="1">
     <p:ext uri="{DCECCB84-F9BA-43D5-87BE-67443E8EF086}">
-      <p15:sldGuideLst xmlns:p15="http://schemas.microsoft.com/office/powerpoint/2012/main" xmlns=""/>
+      <p15:sldGuideLst xmlns="" xmlns:p15="http://schemas.microsoft.com/office/powerpoint/2012/main"/>
     </p:ext>
   </p:extLst>
 </p:sldLayout>
@@ -5186,7 +5187,7 @@
           <a:bodyPr/>
           <a:lstStyle/>
           <a:p>
-            <a:fld id="{F52D966F-B1FB-463D-A966-39B52B0D7338}" type="datetime1">
+            <a:fld id="{DBE49506-2FC6-462E-B394-0FA1DFF3C63D}" type="datetime1">
               <a:rPr lang="en-IN" smtClean="0"/>
               <a:t>29-11-2015</a:t>
             </a:fld>
@@ -5211,7 +5212,7 @@
           <a:p>
             <a:r>
               <a:rPr lang="en-IN" smtClean="0"/>
-              <a:t>Satellite Image Classification - The Outliers</a:t>
+              <a:t>Satellite Image Classification</a:t>
             </a:r>
             <a:endParaRPr lang="en-IN"/>
           </a:p>
@@ -5252,7 +5253,7 @@
   </p:clrMapOvr>
   <p:extLst mod="1">
     <p:ext uri="{DCECCB84-F9BA-43D5-87BE-67443E8EF086}">
-      <p15:sldGuideLst xmlns:p15="http://schemas.microsoft.com/office/powerpoint/2012/main" xmlns=""/>
+      <p15:sldGuideLst xmlns="" xmlns:p15="http://schemas.microsoft.com/office/powerpoint/2012/main"/>
     </p:ext>
   </p:extLst>
 </p:sldLayout>
@@ -5542,7 +5543,7 @@
           <a:bodyPr/>
           <a:lstStyle/>
           <a:p>
-            <a:fld id="{461196C4-2778-4662-BD12-CB2F32F1CCDF}" type="datetime1">
+            <a:fld id="{1C00E727-BB43-4B7F-945C-570AEA4ED059}" type="datetime1">
               <a:rPr lang="en-IN" smtClean="0"/>
               <a:t>29-11-2015</a:t>
             </a:fld>
@@ -5567,7 +5568,7 @@
           <a:p>
             <a:r>
               <a:rPr lang="en-IN" smtClean="0"/>
-              <a:t>Satellite Image Classification - The Outliers</a:t>
+              <a:t>Satellite Image Classification</a:t>
             </a:r>
             <a:endParaRPr lang="en-IN"/>
           </a:p>
@@ -5631,7 +5632,7 @@
   </p:clrMapOvr>
   <p:extLst mod="1">
     <p:ext uri="{DCECCB84-F9BA-43D5-87BE-67443E8EF086}">
-      <p15:sldGuideLst xmlns:p15="http://schemas.microsoft.com/office/powerpoint/2012/main" xmlns=""/>
+      <p15:sldGuideLst xmlns="" xmlns:p15="http://schemas.microsoft.com/office/powerpoint/2012/main"/>
     </p:ext>
   </p:extLst>
 </p:sldLayout>
@@ -5669,7 +5670,7 @@
           <a:bodyPr/>
           <a:lstStyle/>
           <a:p>
-            <a:fld id="{D3C244A4-809E-4A2F-9E31-43F88FCBF34E}" type="datetime1">
+            <a:fld id="{CB7318A5-BDA4-436C-B7B5-5AC39E867B8E}" type="datetime1">
               <a:rPr lang="en-IN" smtClean="0"/>
               <a:t>29-11-2015</a:t>
             </a:fld>
@@ -5694,7 +5695,7 @@
           <a:p>
             <a:r>
               <a:rPr lang="en-IN" smtClean="0"/>
-              <a:t>Satellite Image Classification - The Outliers</a:t>
+              <a:t>Satellite Image Classification</a:t>
             </a:r>
             <a:endParaRPr lang="en-IN"/>
           </a:p>
@@ -5791,7 +5792,7 @@
           <a:bodyPr/>
           <a:lstStyle/>
           <a:p>
-            <a:fld id="{1E1F4BDD-F42C-4BCF-94D6-97A5094D75F2}" type="datetime1">
+            <a:fld id="{E82BB7D3-3793-466E-96A5-9C947B5DD731}" type="datetime1">
               <a:rPr lang="en-IN" smtClean="0"/>
               <a:t>29-11-2015</a:t>
             </a:fld>
@@ -5816,7 +5817,7 @@
           <a:p>
             <a:r>
               <a:rPr lang="en-IN" smtClean="0"/>
-              <a:t>Satellite Image Classification - The Outliers</a:t>
+              <a:t>Satellite Image Classification</a:t>
             </a:r>
             <a:endParaRPr lang="en-IN"/>
           </a:p>
@@ -5857,7 +5858,7 @@
   </p:clrMapOvr>
   <p:extLst mod="1">
     <p:ext uri="{DCECCB84-F9BA-43D5-87BE-67443E8EF086}">
-      <p15:sldGuideLst xmlns:p15="http://schemas.microsoft.com/office/powerpoint/2012/main" xmlns=""/>
+      <p15:sldGuideLst xmlns="" xmlns:p15="http://schemas.microsoft.com/office/powerpoint/2012/main"/>
     </p:ext>
   </p:extLst>
 </p:sldLayout>
@@ -6084,7 +6085,7 @@
           <a:bodyPr/>
           <a:lstStyle/>
           <a:p>
-            <a:fld id="{143B0661-F144-406A-BCFF-CAC1FD35DB57}" type="datetime1">
+            <a:fld id="{2CF69443-A9A2-4351-BCB3-3C0B130AB69F}" type="datetime1">
               <a:rPr lang="en-IN" smtClean="0"/>
               <a:t>29-11-2015</a:t>
             </a:fld>
@@ -6109,7 +6110,7 @@
           <a:p>
             <a:r>
               <a:rPr lang="en-IN" smtClean="0"/>
-              <a:t>Satellite Image Classification - The Outliers</a:t>
+              <a:t>Satellite Image Classification</a:t>
             </a:r>
             <a:endParaRPr lang="en-IN"/>
           </a:p>
@@ -6150,7 +6151,7 @@
   </p:clrMapOvr>
   <p:extLst mod="1">
     <p:ext uri="{DCECCB84-F9BA-43D5-87BE-67443E8EF086}">
-      <p15:sldGuideLst xmlns:p15="http://schemas.microsoft.com/office/powerpoint/2012/main" xmlns=""/>
+      <p15:sldGuideLst xmlns="" xmlns:p15="http://schemas.microsoft.com/office/powerpoint/2012/main"/>
     </p:ext>
   </p:extLst>
 </p:sldLayout>
@@ -6263,7 +6264,7 @@
           <a:bodyPr/>
           <a:lstStyle/>
           <a:p>
-            <a:fld id="{70015D24-5040-41FC-8EF2-6355A0D27F41}" type="datetime1">
+            <a:fld id="{19DAF990-41B6-4F96-A6AE-AECC2BE3D03E}" type="datetime1">
               <a:rPr lang="en-IN" smtClean="0"/>
               <a:t>29-11-2015</a:t>
             </a:fld>
@@ -6288,7 +6289,7 @@
           <a:p>
             <a:r>
               <a:rPr lang="en-IN" smtClean="0"/>
-              <a:t>Satellite Image Classification - The Outliers</a:t>
+              <a:t>Satellite Image Classification</a:t>
             </a:r>
             <a:endParaRPr lang="en-IN"/>
           </a:p>
@@ -6531,7 +6532,7 @@
           <a:bodyPr/>
           <a:lstStyle/>
           <a:p>
-            <a:fld id="{A8957E80-2D52-4A7F-AC7C-B1AAA39647E3}" type="datetime1">
+            <a:fld id="{9F65E42A-F84B-470A-AD70-61D3FC862409}" type="datetime1">
               <a:rPr lang="en-IN" smtClean="0"/>
               <a:t>29-11-2015</a:t>
             </a:fld>
@@ -6556,7 +6557,7 @@
           <a:p>
             <a:r>
               <a:rPr lang="en-IN" smtClean="0"/>
-              <a:t>Satellite Image Classification - The Outliers</a:t>
+              <a:t>Satellite Image Classification</a:t>
             </a:r>
             <a:endParaRPr lang="en-IN"/>
           </a:p>
@@ -6705,7 +6706,7 @@
           <a:bodyPr/>
           <a:lstStyle/>
           <a:p>
-            <a:fld id="{7040F98F-90CF-4BE0-8021-0CA7D4AA43D7}" type="datetime1">
+            <a:fld id="{EC87DC0B-6C8B-4640-B719-A50A4316887D}" type="datetime1">
               <a:rPr lang="en-IN" smtClean="0"/>
               <a:t>29-11-2015</a:t>
             </a:fld>
@@ -6730,7 +6731,7 @@
           <a:p>
             <a:r>
               <a:rPr lang="en-IN" smtClean="0"/>
-              <a:t>Satellite Image Classification - The Outliers</a:t>
+              <a:t>Satellite Image Classification</a:t>
             </a:r>
             <a:endParaRPr lang="en-IN"/>
           </a:p>
@@ -6889,7 +6890,7 @@
           <a:bodyPr/>
           <a:lstStyle/>
           <a:p>
-            <a:fld id="{26AE6F33-E391-47F1-9CB4-05F9336F0522}" type="datetime1">
+            <a:fld id="{347D4913-C17D-4966-B44E-2A5A2C18460D}" type="datetime1">
               <a:rPr lang="en-IN" smtClean="0"/>
               <a:t>29-11-2015</a:t>
             </a:fld>
@@ -6914,7 +6915,7 @@
           <a:p>
             <a:r>
               <a:rPr lang="en-IN" smtClean="0"/>
-              <a:t>Satellite Image Classification - The Outliers</a:t>
+              <a:t>Satellite Image Classification</a:t>
             </a:r>
             <a:endParaRPr lang="en-IN"/>
           </a:p>
@@ -6955,7 +6956,7 @@
   </p:clrMapOvr>
   <p:extLst mod="1">
     <p:ext uri="{DCECCB84-F9BA-43D5-87BE-67443E8EF086}">
-      <p15:sldGuideLst xmlns:p15="http://schemas.microsoft.com/office/powerpoint/2012/main" xmlns=""/>
+      <p15:sldGuideLst xmlns="" xmlns:p15="http://schemas.microsoft.com/office/powerpoint/2012/main"/>
     </p:ext>
   </p:extLst>
 </p:sldLayout>
@@ -7592,7 +7593,7 @@
             </a:lvl1pPr>
           </a:lstStyle>
           <a:p>
-            <a:fld id="{94D67F6E-69A3-400F-8BD6-0376269747B1}" type="datetime1">
+            <a:fld id="{930DC8BE-FE27-4663-8911-B24A320A1000}" type="datetime1">
               <a:rPr lang="en-IN" smtClean="0"/>
               <a:t>29-11-2015</a:t>
             </a:fld>
@@ -7632,7 +7633,7 @@
           <a:p>
             <a:r>
               <a:rPr lang="en-IN" smtClean="0"/>
-              <a:t>Satellite Image Classification - The Outliers</a:t>
+              <a:t>Satellite Image Classification</a:t>
             </a:r>
             <a:endParaRPr lang="en-IN"/>
           </a:p>
@@ -7721,7 +7722,7 @@
   </p:clrMapOvr>
   <p:extLst mod="1">
     <p:ext uri="{DCECCB84-F9BA-43D5-87BE-67443E8EF086}">
-      <p15:sldGuideLst xmlns:p15="http://schemas.microsoft.com/office/powerpoint/2012/main" xmlns=""/>
+      <p15:sldGuideLst xmlns="" xmlns:p15="http://schemas.microsoft.com/office/powerpoint/2012/main"/>
     </p:ext>
   </p:extLst>
 </p:sldLayout>
@@ -7843,7 +7844,7 @@
           <a:bodyPr/>
           <a:lstStyle/>
           <a:p>
-            <a:fld id="{367FB621-6B76-4AAF-950B-88EFB4629063}" type="datetime1">
+            <a:fld id="{6FAA12D3-ABBD-4F30-9BF4-3C1057EA890E}" type="datetime1">
               <a:rPr lang="en-IN" smtClean="0"/>
               <a:t>29-11-2015</a:t>
             </a:fld>
@@ -7868,7 +7869,7 @@
           <a:p>
             <a:r>
               <a:rPr lang="en-IN" smtClean="0"/>
-              <a:t>Satellite Image Classification - The Outliers</a:t>
+              <a:t>Satellite Image Classification</a:t>
             </a:r>
             <a:endParaRPr lang="en-IN"/>
           </a:p>
@@ -8858,7 +8859,7 @@
           <a:bodyPr/>
           <a:lstStyle/>
           <a:p>
-            <a:fld id="{593248A7-D994-4B7C-B002-441EB6DDC89F}" type="datetime1">
+            <a:fld id="{40322064-5E7B-4210-A836-25D1EC3EB4D5}" type="datetime1">
               <a:rPr lang="en-IN" smtClean="0"/>
               <a:t>29-11-2015</a:t>
             </a:fld>
@@ -8883,7 +8884,7 @@
           <a:p>
             <a:r>
               <a:rPr lang="en-IN" smtClean="0"/>
-              <a:t>Satellite Image Classification - The Outliers</a:t>
+              <a:t>Satellite Image Classification</a:t>
             </a:r>
             <a:endParaRPr lang="en-IN"/>
           </a:p>
@@ -8972,7 +8973,7 @@
   </p:clrMapOvr>
   <p:extLst mod="1">
     <p:ext uri="{DCECCB84-F9BA-43D5-87BE-67443E8EF086}">
-      <p15:sldGuideLst xmlns:p15="http://schemas.microsoft.com/office/powerpoint/2012/main" xmlns=""/>
+      <p15:sldGuideLst xmlns="" xmlns:p15="http://schemas.microsoft.com/office/powerpoint/2012/main"/>
     </p:ext>
   </p:extLst>
 </p:sldLayout>
@@ -9151,7 +9152,7 @@
           <a:bodyPr/>
           <a:lstStyle/>
           <a:p>
-            <a:fld id="{B7AA18D0-92D1-4D98-9E10-44002B4F24C8}" type="datetime1">
+            <a:fld id="{9DFEE1F0-25A5-454A-99A1-7917620F9E92}" type="datetime1">
               <a:rPr lang="en-IN" smtClean="0"/>
               <a:t>29-11-2015</a:t>
             </a:fld>
@@ -9176,7 +9177,7 @@
           <a:p>
             <a:r>
               <a:rPr lang="en-IN" smtClean="0"/>
-              <a:t>Satellite Image Classification - The Outliers</a:t>
+              <a:t>Satellite Image Classification</a:t>
             </a:r>
             <a:endParaRPr lang="en-IN"/>
           </a:p>
@@ -9229,7 +9230,7 @@
   </p:clrMapOvr>
   <p:extLst mod="1">
     <p:ext uri="{DCECCB84-F9BA-43D5-87BE-67443E8EF086}">
-      <p15:sldGuideLst xmlns:p15="http://schemas.microsoft.com/office/powerpoint/2012/main" xmlns=""/>
+      <p15:sldGuideLst xmlns="" xmlns:p15="http://schemas.microsoft.com/office/powerpoint/2012/main"/>
     </p:ext>
   </p:extLst>
 </p:sldLayout>
@@ -9560,7 +9561,7 @@
           <a:bodyPr/>
           <a:lstStyle/>
           <a:p>
-            <a:fld id="{127EA722-4AA3-4646-BEC4-676B5625E95F}" type="datetime1">
+            <a:fld id="{EA59078A-671C-4D82-B53C-03E4A8EE5819}" type="datetime1">
               <a:rPr lang="en-IN" smtClean="0"/>
               <a:t>29-11-2015</a:t>
             </a:fld>
@@ -9585,7 +9586,7 @@
           <a:p>
             <a:r>
               <a:rPr lang="en-IN" smtClean="0"/>
-              <a:t>Satellite Image Classification - The Outliers</a:t>
+              <a:t>Satellite Image Classification</a:t>
             </a:r>
             <a:endParaRPr lang="en-IN"/>
           </a:p>
@@ -9638,7 +9639,7 @@
   </p:clrMapOvr>
   <p:extLst mod="1">
     <p:ext uri="{DCECCB84-F9BA-43D5-87BE-67443E8EF086}">
-      <p15:sldGuideLst xmlns:p15="http://schemas.microsoft.com/office/powerpoint/2012/main" xmlns=""/>
+      <p15:sldGuideLst xmlns="" xmlns:p15="http://schemas.microsoft.com/office/powerpoint/2012/main"/>
     </p:ext>
   </p:extLst>
 </p:sldLayout>
@@ -9699,7 +9700,7 @@
           <a:bodyPr/>
           <a:lstStyle/>
           <a:p>
-            <a:fld id="{B548C9B3-939F-4DB3-B3F7-7459D6BD8D2F}" type="datetime1">
+            <a:fld id="{E898D8EE-9D0B-43CD-8E01-EC4F827AF67C}" type="datetime1">
               <a:rPr lang="en-IN" smtClean="0"/>
               <a:t>29-11-2015</a:t>
             </a:fld>
@@ -9724,7 +9725,7 @@
           <a:p>
             <a:r>
               <a:rPr lang="en-IN" smtClean="0"/>
-              <a:t>Satellite Image Classification - The Outliers</a:t>
+              <a:t>Satellite Image Classification</a:t>
             </a:r>
             <a:endParaRPr lang="en-IN"/>
           </a:p>
@@ -9846,7 +9847,7 @@
           <a:bodyPr/>
           <a:lstStyle/>
           <a:p>
-            <a:fld id="{5E9BE550-07E4-4940-B579-1852D95E905B}" type="datetime1">
+            <a:fld id="{E4E1097E-BF89-4B96-AF4C-89AD481FB530}" type="datetime1">
               <a:rPr lang="en-IN" smtClean="0"/>
               <a:t>29-11-2015</a:t>
             </a:fld>
@@ -9871,7 +9872,7 @@
           <a:p>
             <a:r>
               <a:rPr lang="en-IN" smtClean="0"/>
-              <a:t>Satellite Image Classification - The Outliers</a:t>
+              <a:t>Satellite Image Classification</a:t>
             </a:r>
             <a:endParaRPr lang="en-IN"/>
           </a:p>
@@ -10113,7 +10114,7 @@
           <a:bodyPr/>
           <a:lstStyle/>
           <a:p>
-            <a:fld id="{09E8040E-1B40-4277-BD36-E22A7579568C}" type="datetime1">
+            <a:fld id="{15646D05-00DE-4542-8E89-6953C5EA2BD9}" type="datetime1">
               <a:rPr lang="en-IN" smtClean="0"/>
               <a:t>29-11-2015</a:t>
             </a:fld>
@@ -10138,7 +10139,7 @@
           <a:p>
             <a:r>
               <a:rPr lang="en-IN" smtClean="0"/>
-              <a:t>Satellite Image Classification - The Outliers</a:t>
+              <a:t>Satellite Image Classification</a:t>
             </a:r>
             <a:endParaRPr lang="en-IN"/>
           </a:p>
@@ -10179,7 +10180,7 @@
   </p:clrMapOvr>
   <p:extLst mod="1">
     <p:ext uri="{DCECCB84-F9BA-43D5-87BE-67443E8EF086}">
-      <p15:sldGuideLst xmlns:p15="http://schemas.microsoft.com/office/powerpoint/2012/main" xmlns=""/>
+      <p15:sldGuideLst xmlns="" xmlns:p15="http://schemas.microsoft.com/office/powerpoint/2012/main"/>
     </p:ext>
   </p:extLst>
 </p:sldLayout>
@@ -11132,7 +11133,7 @@
           <a:bodyPr/>
           <a:lstStyle/>
           <a:p>
-            <a:fld id="{EF42075A-7163-4DCE-839E-462E2BF33A89}" type="datetime1">
+            <a:fld id="{20367747-FE0C-4DE9-8255-9FE0C5319A8C}" type="datetime1">
               <a:rPr lang="en-IN" smtClean="0"/>
               <a:t>29-11-2015</a:t>
             </a:fld>
@@ -11157,7 +11158,7 @@
           <a:p>
             <a:r>
               <a:rPr lang="en-IN" smtClean="0"/>
-              <a:t>Satellite Image Classification - The Outliers</a:t>
+              <a:t>Satellite Image Classification</a:t>
             </a:r>
             <a:endParaRPr lang="en-IN"/>
           </a:p>
@@ -11246,7 +11247,7 @@
   </p:clrMapOvr>
   <p:extLst mod="1">
     <p:ext uri="{DCECCB84-F9BA-43D5-87BE-67443E8EF086}">
-      <p15:sldGuideLst xmlns:p15="http://schemas.microsoft.com/office/powerpoint/2012/main" xmlns=""/>
+      <p15:sldGuideLst xmlns="" xmlns:p15="http://schemas.microsoft.com/office/powerpoint/2012/main"/>
     </p:ext>
   </p:extLst>
 </p:sldLayout>
@@ -12223,7 +12224,7 @@
           <a:bodyPr/>
           <a:lstStyle/>
           <a:p>
-            <a:fld id="{989180AD-CAEA-44EB-972F-0F2B24D58CBE}" type="datetime1">
+            <a:fld id="{971A836C-7772-46A4-8EB8-E2BC74AD39B2}" type="datetime1">
               <a:rPr lang="en-IN" smtClean="0"/>
               <a:t>29-11-2015</a:t>
             </a:fld>
@@ -12248,7 +12249,7 @@
           <a:p>
             <a:r>
               <a:rPr lang="en-IN" smtClean="0"/>
-              <a:t>Satellite Image Classification - The Outliers</a:t>
+              <a:t>Satellite Image Classification</a:t>
             </a:r>
             <a:endParaRPr lang="en-IN"/>
           </a:p>
@@ -13313,7 +13314,7 @@
           <a:bodyPr/>
           <a:lstStyle/>
           <a:p>
-            <a:fld id="{91E78C33-4171-4488-BE98-3188BC037300}" type="datetime1">
+            <a:fld id="{F9656052-CB00-4357-A3A5-A5DD5207805B}" type="datetime1">
               <a:rPr lang="en-IN" smtClean="0"/>
               <a:t>29-11-2015</a:t>
             </a:fld>
@@ -13338,7 +13339,7 @@
           <a:p>
             <a:r>
               <a:rPr lang="en-IN" smtClean="0"/>
-              <a:t>Satellite Image Classification - The Outliers</a:t>
+              <a:t>Satellite Image Classification</a:t>
             </a:r>
             <a:endParaRPr lang="en-IN"/>
           </a:p>
@@ -14315,7 +14316,7 @@
           <a:bodyPr/>
           <a:lstStyle/>
           <a:p>
-            <a:fld id="{7A9A8126-A02B-4191-B3BD-2BB34B68C591}" type="datetime1">
+            <a:fld id="{DF4815E6-7FAA-4711-B4C0-121730BE24BF}" type="datetime1">
               <a:rPr lang="en-IN" smtClean="0"/>
               <a:t>29-11-2015</a:t>
             </a:fld>
@@ -14340,7 +14341,7 @@
           <a:p>
             <a:r>
               <a:rPr lang="en-IN" smtClean="0"/>
-              <a:t>Satellite Image Classification - The Outliers</a:t>
+              <a:t>Satellite Image Classification</a:t>
             </a:r>
             <a:endParaRPr lang="en-IN"/>
           </a:p>
@@ -15434,7 +15435,7 @@
           <a:bodyPr/>
           <a:lstStyle/>
           <a:p>
-            <a:fld id="{2DBC5870-58B7-4626-ACE8-BF34831300E9}" type="datetime1">
+            <a:fld id="{F3214B7E-85CA-4196-8BE6-C49713C166C9}" type="datetime1">
               <a:rPr lang="en-IN" smtClean="0"/>
               <a:t>29-11-2015</a:t>
             </a:fld>
@@ -15459,7 +15460,7 @@
           <a:p>
             <a:r>
               <a:rPr lang="en-IN" smtClean="0"/>
-              <a:t>Satellite Image Classification - The Outliers</a:t>
+              <a:t>Satellite Image Classification</a:t>
             </a:r>
             <a:endParaRPr lang="en-IN"/>
           </a:p>
@@ -16452,7 +16453,7 @@
           <a:bodyPr/>
           <a:lstStyle/>
           <a:p>
-            <a:fld id="{D87B2A79-E9D7-4C17-BEEC-679EEFFC1EBD}" type="datetime1">
+            <a:fld id="{727B6EAF-1404-4E47-8EED-DAF9CF44B791}" type="datetime1">
               <a:rPr lang="en-IN" smtClean="0"/>
               <a:t>29-11-2015</a:t>
             </a:fld>
@@ -16477,7 +16478,7 @@
           <a:p>
             <a:r>
               <a:rPr lang="en-IN" smtClean="0"/>
-              <a:t>Satellite Image Classification - The Outliers</a:t>
+              <a:t>Satellite Image Classification</a:t>
             </a:r>
             <a:endParaRPr lang="en-IN"/>
           </a:p>
@@ -17128,7 +17129,7 @@
           <a:bodyPr/>
           <a:lstStyle/>
           <a:p>
-            <a:fld id="{26E35FA8-30D2-460A-989D-0A70B2B42DB9}" type="datetime1">
+            <a:fld id="{AA5A2D75-ADF5-4AB7-8803-EC2ABB260EA0}" type="datetime1">
               <a:rPr lang="en-IN" smtClean="0"/>
               <a:t>29-11-2015</a:t>
             </a:fld>
@@ -17153,7 +17154,7 @@
           <a:p>
             <a:r>
               <a:rPr lang="en-IN" smtClean="0"/>
-              <a:t>Satellite Image Classification - The Outliers</a:t>
+              <a:t>Satellite Image Classification</a:t>
             </a:r>
             <a:endParaRPr lang="en-IN"/>
           </a:p>
@@ -18005,7 +18006,7 @@
           <a:bodyPr/>
           <a:lstStyle/>
           <a:p>
-            <a:fld id="{202254FB-B5B7-4B75-B789-67F612C04D2B}" type="datetime1">
+            <a:fld id="{193DF214-1D4A-4B8B-A8E9-7779296A21F2}" type="datetime1">
               <a:rPr lang="en-IN" smtClean="0"/>
               <a:t>29-11-2015</a:t>
             </a:fld>
@@ -18030,7 +18031,7 @@
           <a:p>
             <a:r>
               <a:rPr lang="en-IN" smtClean="0"/>
-              <a:t>Satellite Image Classification - The Outliers</a:t>
+              <a:t>Satellite Image Classification</a:t>
             </a:r>
             <a:endParaRPr lang="en-IN"/>
           </a:p>
@@ -18196,7 +18197,7 @@
           <a:bodyPr/>
           <a:lstStyle/>
           <a:p>
-            <a:fld id="{C3C4CF7F-8AFB-403B-8D9C-87595E6EAC09}" type="datetime1">
+            <a:fld id="{D8C6FFCB-1085-48B0-82C4-F8C4320F36CA}" type="datetime1">
               <a:rPr lang="en-IN" smtClean="0"/>
               <a:t>29-11-2015</a:t>
             </a:fld>
@@ -18226,7 +18227,7 @@
           <a:p>
             <a:r>
               <a:rPr lang="en-IN" smtClean="0"/>
-              <a:t>Satellite Image Classification - The Outliers</a:t>
+              <a:t>Satellite Image Classification</a:t>
             </a:r>
             <a:endParaRPr lang="en-IN"/>
           </a:p>
@@ -19149,7 +19150,7 @@
           <a:bodyPr/>
           <a:lstStyle/>
           <a:p>
-            <a:fld id="{5955EBF3-BA55-41D3-84CF-AFD2F8B8E3BB}" type="datetime1">
+            <a:fld id="{CD25C87E-21F4-4AF7-962C-2068630AC125}" type="datetime1">
               <a:rPr lang="en-IN" smtClean="0"/>
               <a:t>29-11-2015</a:t>
             </a:fld>
@@ -19179,7 +19180,7 @@
           <a:p>
             <a:r>
               <a:rPr lang="en-IN" smtClean="0"/>
-              <a:t>Satellite Image Classification - The Outliers</a:t>
+              <a:t>Satellite Image Classification</a:t>
             </a:r>
             <a:endParaRPr lang="en-IN"/>
           </a:p>
@@ -19268,7 +19269,7 @@
   </p:clrMapOvr>
   <p:extLst mod="1">
     <p:ext uri="{DCECCB84-F9BA-43D5-87BE-67443E8EF086}">
-      <p15:sldGuideLst xmlns:p15="http://schemas.microsoft.com/office/powerpoint/2012/main" xmlns=""/>
+      <p15:sldGuideLst xmlns="" xmlns:p15="http://schemas.microsoft.com/office/powerpoint/2012/main"/>
     </p:ext>
   </p:extLst>
 </p:sldLayout>
@@ -19443,7 +19444,7 @@
           <a:bodyPr/>
           <a:lstStyle/>
           <a:p>
-            <a:fld id="{75FE14C3-BB6D-4FFC-894C-EEC1B5F40D64}" type="datetime1">
+            <a:fld id="{6741FE57-8089-434E-8EA9-F9925D1B552A}" type="datetime1">
               <a:rPr lang="en-IN" smtClean="0"/>
               <a:t>29-11-2015</a:t>
             </a:fld>
@@ -19468,7 +19469,7 @@
           <a:p>
             <a:r>
               <a:rPr lang="en-IN" smtClean="0"/>
-              <a:t>Satellite Image Classification - The Outliers</a:t>
+              <a:t>Satellite Image Classification</a:t>
             </a:r>
             <a:endParaRPr lang="en-IN"/>
           </a:p>
@@ -19509,7 +19510,7 @@
   </p:clrMapOvr>
   <p:extLst mod="1">
     <p:ext uri="{DCECCB84-F9BA-43D5-87BE-67443E8EF086}">
-      <p15:sldGuideLst xmlns:p15="http://schemas.microsoft.com/office/powerpoint/2012/main" xmlns=""/>
+      <p15:sldGuideLst xmlns="" xmlns:p15="http://schemas.microsoft.com/office/powerpoint/2012/main"/>
     </p:ext>
   </p:extLst>
 </p:sldLayout>
@@ -19799,7 +19800,7 @@
           <a:bodyPr/>
           <a:lstStyle/>
           <a:p>
-            <a:fld id="{7D1BE214-0FF8-45E9-9939-2A6CCA94E815}" type="datetime1">
+            <a:fld id="{57544814-1A3F-45F9-8688-36234A300D32}" type="datetime1">
               <a:rPr lang="en-IN" smtClean="0"/>
               <a:t>29-11-2015</a:t>
             </a:fld>
@@ -19824,7 +19825,7 @@
           <a:p>
             <a:r>
               <a:rPr lang="en-IN" smtClean="0"/>
-              <a:t>Satellite Image Classification - The Outliers</a:t>
+              <a:t>Satellite Image Classification</a:t>
             </a:r>
             <a:endParaRPr lang="en-IN"/>
           </a:p>
@@ -19888,7 +19889,7 @@
   </p:clrMapOvr>
   <p:extLst mod="1">
     <p:ext uri="{DCECCB84-F9BA-43D5-87BE-67443E8EF086}">
-      <p15:sldGuideLst xmlns:p15="http://schemas.microsoft.com/office/powerpoint/2012/main" xmlns=""/>
+      <p15:sldGuideLst xmlns="" xmlns:p15="http://schemas.microsoft.com/office/powerpoint/2012/main"/>
     </p:ext>
   </p:extLst>
 </p:sldLayout>
@@ -19926,7 +19927,7 @@
           <a:bodyPr/>
           <a:lstStyle/>
           <a:p>
-            <a:fld id="{C6C0E9C9-00AF-4886-8C28-80C1F7ADB2A5}" type="datetime1">
+            <a:fld id="{7DBA756D-FEBE-4F7B-ADFE-68BC598B5FB8}" type="datetime1">
               <a:rPr lang="en-IN" smtClean="0"/>
               <a:t>29-11-2015</a:t>
             </a:fld>
@@ -19951,7 +19952,7 @@
           <a:p>
             <a:r>
               <a:rPr lang="en-IN" smtClean="0"/>
-              <a:t>Satellite Image Classification - The Outliers</a:t>
+              <a:t>Satellite Image Classification</a:t>
             </a:r>
             <a:endParaRPr lang="en-IN"/>
           </a:p>
@@ -20048,7 +20049,7 @@
           <a:bodyPr/>
           <a:lstStyle/>
           <a:p>
-            <a:fld id="{3FB40C25-5992-4D61-ACDE-12AD1EA077B2}" type="datetime1">
+            <a:fld id="{B852E9F3-4C91-45BD-9CDC-96B8889EDB03}" type="datetime1">
               <a:rPr lang="en-IN" smtClean="0"/>
               <a:t>29-11-2015</a:t>
             </a:fld>
@@ -20073,7 +20074,7 @@
           <a:p>
             <a:r>
               <a:rPr lang="en-IN" smtClean="0"/>
-              <a:t>Satellite Image Classification - The Outliers</a:t>
+              <a:t>Satellite Image Classification</a:t>
             </a:r>
             <a:endParaRPr lang="en-IN"/>
           </a:p>
@@ -20336,7 +20337,7 @@
           <a:bodyPr/>
           <a:lstStyle/>
           <a:p>
-            <a:fld id="{43E4FB50-90DE-47E8-A72A-C4E19DF6458C}" type="datetime1">
+            <a:fld id="{E13FFA93-96B3-4FD0-A7EC-300BEF5F9A99}" type="datetime1">
               <a:rPr lang="en-IN" smtClean="0"/>
               <a:t>29-11-2015</a:t>
             </a:fld>
@@ -20361,7 +20362,7 @@
           <a:p>
             <a:r>
               <a:rPr lang="en-IN" smtClean="0"/>
-              <a:t>Satellite Image Classification - The Outliers</a:t>
+              <a:t>Satellite Image Classification</a:t>
             </a:r>
             <a:endParaRPr lang="en-IN"/>
           </a:p>
@@ -20402,7 +20403,7 @@
   </p:clrMapOvr>
   <p:extLst mod="1">
     <p:ext uri="{DCECCB84-F9BA-43D5-87BE-67443E8EF086}">
-      <p15:sldGuideLst xmlns:p15="http://schemas.microsoft.com/office/powerpoint/2012/main" xmlns=""/>
+      <p15:sldGuideLst xmlns="" xmlns:p15="http://schemas.microsoft.com/office/powerpoint/2012/main"/>
     </p:ext>
   </p:extLst>
 </p:sldLayout>
@@ -20609,7 +20610,7 @@
           <a:bodyPr/>
           <a:lstStyle/>
           <a:p>
-            <a:fld id="{1187577D-6AC7-4BBD-9A35-657A3ECCB800}" type="datetime1">
+            <a:fld id="{8B8DF21F-F9F9-43D0-B7B7-A7B045AD4A05}" type="datetime1">
               <a:rPr lang="en-IN" smtClean="0"/>
               <a:t>29-11-2015</a:t>
             </a:fld>
@@ -20634,7 +20635,7 @@
           <a:p>
             <a:r>
               <a:rPr lang="en-IN" smtClean="0"/>
-              <a:t>Satellite Image Classification - The Outliers</a:t>
+              <a:t>Satellite Image Classification</a:t>
             </a:r>
             <a:endParaRPr lang="en-IN"/>
           </a:p>
@@ -20827,7 +20828,7 @@
             </a:lvl1pPr>
           </a:lstStyle>
           <a:p>
-            <a:fld id="{9DBD82F8-46B7-41F2-86DD-B3B067A0B963}" type="datetime1">
+            <a:fld id="{EDAA4FD8-5B3B-4661-8AD7-3EBBBC3E8CC1}" type="datetime1">
               <a:rPr lang="en-IN" smtClean="0"/>
               <a:t>29-11-2015</a:t>
             </a:fld>
@@ -20871,7 +20872,7 @@
           <a:p>
             <a:r>
               <a:rPr lang="en-IN" smtClean="0"/>
-              <a:t>Satellite Image Classification - The Outliers</a:t>
+              <a:t>Satellite Image Classification</a:t>
             </a:r>
             <a:endParaRPr lang="en-IN"/>
           </a:p>
@@ -21210,7 +21211,7 @@
   </p:txStyles>
   <p:extLst mod="1">
     <p:ext uri="{27BBF7A9-308A-43DC-89C8-2F10F3537804}">
-      <p15:sldGuideLst xmlns:p15="http://schemas.microsoft.com/office/powerpoint/2012/main" xmlns=""/>
+      <p15:sldGuideLst xmlns="" xmlns:p15="http://schemas.microsoft.com/office/powerpoint/2012/main"/>
     </p:ext>
   </p:extLst>
 </p:sldMaster>
@@ -21367,7 +21368,7 @@
             </a:lvl1pPr>
           </a:lstStyle>
           <a:p>
-            <a:fld id="{0B1DCCE1-9DFB-4BD9-BF68-8B4D1ACEBD42}" type="datetime1">
+            <a:fld id="{57531EEE-C07F-4A8D-9D1D-E47AC10E1DA1}" type="datetime1">
               <a:rPr lang="en-IN" smtClean="0"/>
               <a:t>29-11-2015</a:t>
             </a:fld>
@@ -21411,7 +21412,7 @@
           <a:p>
             <a:r>
               <a:rPr lang="en-IN" smtClean="0"/>
-              <a:t>Satellite Image Classification - The Outliers</a:t>
+              <a:t>Satellite Image Classification</a:t>
             </a:r>
             <a:endParaRPr lang="en-IN"/>
           </a:p>
@@ -21750,7 +21751,7 @@
   </p:txStyles>
   <p:extLst mod="1">
     <p:ext uri="{27BBF7A9-308A-43DC-89C8-2F10F3537804}">
-      <p15:sldGuideLst xmlns:p15="http://schemas.microsoft.com/office/powerpoint/2012/main" xmlns=""/>
+      <p15:sldGuideLst xmlns="" xmlns:p15="http://schemas.microsoft.com/office/powerpoint/2012/main"/>
     </p:ext>
   </p:extLst>
 </p:sldMaster>
@@ -22619,7 +22620,7 @@
             </a:lvl1pPr>
           </a:lstStyle>
           <a:p>
-            <a:fld id="{243464E9-3FD8-40B2-97AB-7F53ABA93AAA}" type="datetime1">
+            <a:fld id="{52C8D5B6-01B0-4080-B087-EE664ADE7A28}" type="datetime1">
               <a:rPr lang="en-IN" smtClean="0"/>
               <a:t>29-11-2015</a:t>
             </a:fld>
@@ -22660,7 +22661,7 @@
           <a:p>
             <a:r>
               <a:rPr lang="en-IN" smtClean="0"/>
-              <a:t>Satellite Image Classification - The Outliers</a:t>
+              <a:t>Satellite Image Classification</a:t>
             </a:r>
             <a:endParaRPr lang="en-IN"/>
           </a:p>
@@ -23167,7 +23168,7 @@
   </p:txStyles>
   <p:extLst mod="1">
     <p:ext uri="{27BBF7A9-308A-43DC-89C8-2F10F3537804}">
-      <p15:sldGuideLst xmlns:p15="http://schemas.microsoft.com/office/powerpoint/2012/main" xmlns=""/>
+      <p15:sldGuideLst xmlns="" xmlns:p15="http://schemas.microsoft.com/office/powerpoint/2012/main"/>
     </p:ext>
   </p:extLst>
 </p:sldMaster>
@@ -23190,6 +23191,36 @@
           <a:chExt cx="0" cy="0"/>
         </a:xfrm>
       </p:grpSpPr>
+      <p:pic>
+        <p:nvPicPr>
+          <p:cNvPr id="6" name="Picture 5"/>
+          <p:cNvPicPr>
+            <a:picLocks noChangeAspect="1"/>
+          </p:cNvPicPr>
+          <p:nvPr/>
+        </p:nvPicPr>
+        <p:blipFill>
+          <a:blip r:embed="rId3">
+            <a:extLst>
+              <a:ext uri="{28A0092B-C50C-407E-A947-70E740481C1C}">
+                <a14:useLocalDpi xmlns:a14="http://schemas.microsoft.com/office/drawing/2010/main" val="0"/>
+              </a:ext>
+            </a:extLst>
+          </a:blip>
+          <a:stretch>
+            <a:fillRect/>
+          </a:stretch>
+        </p:blipFill>
+        <p:spPr>
+          <a:xfrm>
+            <a:off x="412427" y="476672"/>
+            <a:ext cx="8264029" cy="5976664"/>
+          </a:xfrm>
+          <a:prstGeom prst="rect">
+            <a:avLst/>
+          </a:prstGeom>
+        </p:spPr>
+      </p:pic>
       <p:sp>
         <p:nvSpPr>
           <p:cNvPr id="2" name="Title 1"/>
@@ -23214,26 +23245,14 @@
           <a:p>
             <a:r>
               <a:rPr lang="en-IN" sz="5000" dirty="0" smtClean="0"/>
-              <a:t>Anomaly Detection Challenge </a:t>
-            </a:r>
-            <a:r>
-              <a:rPr lang="en-IN" sz="5000" dirty="0" smtClean="0"/>
-              <a:t>-2</a:t>
-            </a:r>
-            <a:r>
-              <a:rPr lang="en-IN" sz="5000" dirty="0" smtClean="0"/>
-              <a:t/>
+              <a:t>Anomaly Detection Challenge -2</a:t>
             </a:r>
             <a:br>
               <a:rPr lang="en-IN" sz="5000" dirty="0" smtClean="0"/>
             </a:br>
             <a:r>
               <a:rPr lang="en-IN" sz="5000" dirty="0" smtClean="0"/>
-              <a:t>Satellite Image </a:t>
-            </a:r>
-            <a:r>
-              <a:rPr lang="en-IN" sz="5000" dirty="0" smtClean="0"/>
-              <a:t>Data</a:t>
+              <a:t>Satellite Image Data</a:t>
             </a:r>
             <a:endParaRPr lang="en-IN" sz="5000" dirty="0"/>
           </a:p>
@@ -23534,6 +23553,56 @@
               <a:t>“The Outliers” presents</a:t>
             </a:r>
             <a:endParaRPr lang="en-IN" b="1" dirty="0"/>
+          </a:p>
+        </p:txBody>
+      </p:sp>
+      <p:sp>
+        <p:nvSpPr>
+          <p:cNvPr id="7" name="TextBox 6"/>
+          <p:cNvSpPr txBox="1"/>
+          <p:nvPr/>
+        </p:nvSpPr>
+        <p:spPr>
+          <a:xfrm>
+            <a:off x="1115616" y="6453336"/>
+            <a:ext cx="7560840" cy="276999"/>
+          </a:xfrm>
+          <a:prstGeom prst="rect">
+            <a:avLst/>
+          </a:prstGeom>
+          <a:noFill/>
+        </p:spPr>
+        <p:txBody>
+          <a:bodyPr wrap="square" rtlCol="0">
+            <a:spAutoFit/>
+          </a:bodyPr>
+          <a:lstStyle/>
+          <a:p>
+            <a:r>
+              <a:rPr lang="en-IN" sz="1200" dirty="0" smtClean="0"/>
+              <a:t>Picture: Close-up </a:t>
+            </a:r>
+            <a:r>
+              <a:rPr lang="en-IN" sz="1200" dirty="0"/>
+              <a:t>of grandest canyon of all: Valles </a:t>
+            </a:r>
+            <a:r>
+              <a:rPr lang="en-IN" sz="1200" dirty="0" err="1" smtClean="0"/>
+              <a:t>Marineris</a:t>
+            </a:r>
+            <a:r>
+              <a:rPr lang="en-IN" sz="1200" dirty="0" smtClean="0"/>
+              <a:t> from </a:t>
+            </a:r>
+            <a:r>
+              <a:rPr lang="en-IN" sz="1200" dirty="0"/>
+              <a:t>ISRO's Mars </a:t>
+            </a:r>
+            <a:r>
+              <a:rPr lang="en-IN" sz="1200" dirty="0" smtClean="0"/>
+              <a:t>Orbiter</a:t>
+            </a:r>
+            <a:endParaRPr lang="en-IN" sz="1200" dirty="0"/>
           </a:p>
         </p:txBody>
       </p:sp>
@@ -23607,7 +23676,7 @@
             <p:ph idx="1"/>
             <p:extLst>
               <p:ext uri="{D42A27DB-BD31-4B8C-83A1-F6EECF244321}">
-                <p14:modId xmlns:p14="http://schemas.microsoft.com/office/powerpoint/2010/main" val="1670159945"/>
+                <p14:modId xmlns:p14="http://schemas.microsoft.com/office/powerpoint/2010/main" val="390819237"/>
               </p:ext>
             </p:extLst>
           </p:nvPr>
@@ -23623,10 +23692,10 @@
                 <a:tableStyleId>{5C22544A-7EE6-4342-B048-85BDC9FD1C3A}</a:tableStyleId>
               </a:tblPr>
               <a:tblGrid>
-                <a:gridCol w="2520280"/>
-                <a:gridCol w="2160240"/>
-                <a:gridCol w="1872208"/>
-                <a:gridCol w="1584176"/>
+                <a:gridCol w="2376264"/>
+                <a:gridCol w="2304256"/>
+                <a:gridCol w="1800200"/>
+                <a:gridCol w="1656184"/>
               </a:tblGrid>
               <a:tr h="719083">
                 <a:tc>
@@ -23666,12 +23735,16 @@
                     <a:p>
                       <a:pPr algn="ctr"/>
                       <a:r>
+                        <a:rPr lang="en-IN" sz="1400" baseline="0" dirty="0" smtClean="0"/>
+                        <a:t>Classification Accuracy </a:t>
+                      </a:r>
+                      <a:r>
                         <a:rPr lang="en-IN" sz="1400" dirty="0" smtClean="0"/>
-                        <a:t>Public</a:t>
+                        <a:t>(Public</a:t>
                       </a:r>
                       <a:r>
                         <a:rPr lang="en-IN" sz="1400" baseline="0" dirty="0" smtClean="0"/>
-                        <a:t> Score (Classification Accuracy)</a:t>
+                        <a:t> Score) </a:t>
                       </a:r>
                       <a:endParaRPr lang="en-IN" sz="1400" dirty="0"/>
                     </a:p>
@@ -23684,12 +23757,16 @@
                     <a:lstStyle/>
                     <a:p>
                       <a:r>
+                        <a:rPr lang="en-IN" sz="1400" baseline="0" dirty="0" smtClean="0"/>
+                        <a:t>Classification Accuracy (</a:t>
+                      </a:r>
+                      <a:r>
                         <a:rPr lang="en-IN" sz="1400" dirty="0" smtClean="0"/>
                         <a:t>Private</a:t>
                       </a:r>
                       <a:r>
                         <a:rPr lang="en-IN" sz="1400" baseline="0" dirty="0" smtClean="0"/>
-                        <a:t> Score(Classification Accuracy)</a:t>
+                        <a:t> Score)</a:t>
                       </a:r>
                       <a:endParaRPr lang="en-IN" sz="1400" dirty="0"/>
                     </a:p>
@@ -23735,6 +23812,7 @@
                     <a:bodyPr/>
                     <a:lstStyle/>
                     <a:p>
+                      <a:pPr algn="r"/>
                       <a:r>
                         <a:rPr lang="en-IN" sz="1400" b="1" dirty="0" smtClean="0"/>
                         <a:t>0.89800</a:t>
@@ -23749,6 +23827,7 @@
                     <a:bodyPr/>
                     <a:lstStyle/>
                     <a:p>
+                      <a:pPr algn="r"/>
                       <a:endParaRPr lang="en-IN" sz="1400" dirty="0"/>
                     </a:p>
                   </a:txBody>
@@ -23813,6 +23892,7 @@
                     <a:bodyPr/>
                     <a:lstStyle/>
                     <a:p>
+                      <a:pPr algn="r"/>
                       <a:r>
                         <a:rPr lang="en-IN" sz="1400" dirty="0" smtClean="0"/>
                         <a:t>0.89300</a:t>
@@ -23827,6 +23907,7 @@
                     <a:bodyPr/>
                     <a:lstStyle/>
                     <a:p>
+                      <a:pPr algn="r"/>
                       <a:endParaRPr lang="en-IN" sz="1400" dirty="0"/>
                     </a:p>
                   </a:txBody>
@@ -23899,6 +23980,7 @@
                     <a:bodyPr/>
                     <a:lstStyle/>
                     <a:p>
+                      <a:pPr algn="r"/>
                       <a:r>
                         <a:rPr lang="en-IN" sz="1400" b="1" dirty="0" smtClean="0"/>
                         <a:t>0.89200</a:t>
@@ -23917,6 +23999,7 @@
                     <a:bodyPr/>
                     <a:lstStyle/>
                     <a:p>
+                      <a:pPr algn="r"/>
                       <a:endParaRPr lang="en-IN" sz="1400" dirty="0">
                         <a:solidFill>
                           <a:srgbClr val="FF0000"/>
@@ -23961,6 +24044,7 @@
                     <a:bodyPr/>
                     <a:lstStyle/>
                     <a:p>
+                      <a:pPr algn="r"/>
                       <a:r>
                         <a:rPr lang="en-IN" sz="1400" dirty="0" smtClean="0"/>
                         <a:t>0.89000</a:t>
@@ -23975,6 +24059,7 @@
                     <a:bodyPr/>
                     <a:lstStyle/>
                     <a:p>
+                      <a:pPr algn="r"/>
                       <a:endParaRPr lang="en-IN" sz="1400" dirty="0"/>
                     </a:p>
                   </a:txBody>
@@ -24008,7 +24093,6 @@
                         <a:rPr lang="en-IN" sz="1400" dirty="0" smtClean="0"/>
                         <a:t>KNN with 3 neighbours</a:t>
                       </a:r>
-                      <a:endParaRPr lang="en-IN" sz="1400" dirty="0" smtClean="0"/>
                     </a:p>
                   </a:txBody>
                   <a:tcPr/>
@@ -24073,7 +24157,7 @@
                     <a:bodyPr/>
                     <a:lstStyle/>
                     <a:p>
-                      <a:pPr marL="0" marR="0" indent="0" algn="l" defTabSz="914400" rtl="0" eaLnBrk="1" fontAlgn="auto" latinLnBrk="0" hangingPunct="1">
+                      <a:pPr marL="0" marR="0" indent="0" algn="r" defTabSz="914400" rtl="0" eaLnBrk="1" fontAlgn="auto" latinLnBrk="0" hangingPunct="1">
                         <a:lnSpc>
                           <a:spcPct val="100000"/>
                         </a:lnSpc>
@@ -24094,7 +24178,6 @@
                         <a:rPr lang="en-IN" sz="1400" dirty="0" smtClean="0"/>
                         <a:t>0.89000</a:t>
                       </a:r>
-                      <a:endParaRPr lang="en-IN" sz="1400" dirty="0" smtClean="0"/>
                     </a:p>
                   </a:txBody>
                   <a:tcPr/>
@@ -24104,6 +24187,7 @@
                     <a:bodyPr/>
                     <a:lstStyle/>
                     <a:p>
+                      <a:pPr algn="r"/>
                       <a:endParaRPr lang="en-IN" sz="1400" dirty="0"/>
                     </a:p>
                   </a:txBody>
@@ -24137,7 +24221,6 @@
                         <a:rPr lang="en-IN" sz="1400" dirty="0" smtClean="0"/>
                         <a:t>KNN with 3 neighbours </a:t>
                       </a:r>
-                      <a:endParaRPr lang="en-IN" sz="1400" dirty="0" smtClean="0"/>
                     </a:p>
                   </a:txBody>
                   <a:tcPr/>
@@ -24168,7 +24251,6 @@
                         <a:rPr lang="en-IN" sz="1400" dirty="0" smtClean="0"/>
                         <a:t>Column Mean</a:t>
                       </a:r>
-                      <a:endParaRPr lang="en-IN" sz="1400" dirty="0" smtClean="0"/>
                     </a:p>
                   </a:txBody>
                   <a:tcPr/>
@@ -24178,7 +24260,7 @@
                     <a:bodyPr/>
                     <a:lstStyle/>
                     <a:p>
-                      <a:pPr marL="0" marR="0" indent="0" algn="l" defTabSz="914400" rtl="0" eaLnBrk="1" fontAlgn="auto" latinLnBrk="0" hangingPunct="1">
+                      <a:pPr marL="0" marR="0" indent="0" algn="r" defTabSz="914400" rtl="0" eaLnBrk="1" fontAlgn="auto" latinLnBrk="0" hangingPunct="1">
                         <a:lnSpc>
                           <a:spcPct val="100000"/>
                         </a:lnSpc>
@@ -24199,7 +24281,6 @@
                         <a:rPr lang="en-IN" sz="1400" dirty="0" smtClean="0"/>
                         <a:t>0.87800 </a:t>
                       </a:r>
-                      <a:endParaRPr lang="en-IN" sz="1400" dirty="0" smtClean="0"/>
                     </a:p>
                   </a:txBody>
                   <a:tcPr/>
@@ -24209,6 +24290,7 @@
                     <a:bodyPr/>
                     <a:lstStyle/>
                     <a:p>
+                      <a:pPr algn="r"/>
                       <a:endParaRPr lang="en-IN" sz="1400" dirty="0"/>
                     </a:p>
                   </a:txBody>
@@ -24273,6 +24355,7 @@
                     <a:bodyPr/>
                     <a:lstStyle/>
                     <a:p>
+                      <a:pPr algn="r"/>
                       <a:r>
                         <a:rPr lang="en-IN" sz="1400" dirty="0" smtClean="0"/>
                         <a:t>0.84000 </a:t>
@@ -24287,6 +24370,7 @@
                     <a:bodyPr/>
                     <a:lstStyle/>
                     <a:p>
+                      <a:pPr algn="r"/>
                       <a:endParaRPr lang="en-IN" sz="1400" dirty="0"/>
                     </a:p>
                   </a:txBody>
@@ -24307,14 +24391,19 @@
             <p:ph type="ftr" sz="quarter" idx="11"/>
           </p:nvPr>
         </p:nvSpPr>
-        <p:spPr/>
+        <p:spPr>
+          <a:xfrm>
+            <a:off x="611560" y="6483137"/>
+            <a:ext cx="3859795" cy="228660"/>
+          </a:xfrm>
+        </p:spPr>
         <p:txBody>
           <a:bodyPr/>
           <a:lstStyle/>
           <a:p>
             <a:r>
               <a:rPr lang="en-IN" dirty="0" smtClean="0"/>
-              <a:t>Satellite Image Classification - The Outliers</a:t>
+              <a:t>Satellite Image Classification</a:t>
             </a:r>
             <a:endParaRPr lang="en-IN" dirty="0"/>
           </a:p>
@@ -24340,6 +24429,154 @@
               <a:t>10</a:t>
             </a:fld>
             <a:endParaRPr lang="en-IN"/>
+          </a:p>
+        </p:txBody>
+      </p:sp>
+      <p:sp>
+        <p:nvSpPr>
+          <p:cNvPr id="6" name="Footer Placeholder 2"/>
+          <p:cNvSpPr txBox="1">
+            <a:spLocks/>
+          </p:cNvSpPr>
+          <p:nvPr/>
+        </p:nvSpPr>
+        <p:spPr>
+          <a:xfrm>
+            <a:off x="5033631" y="6476851"/>
+            <a:ext cx="3859795" cy="228660"/>
+          </a:xfrm>
+          <a:prstGeom prst="rect">
+            <a:avLst/>
+          </a:prstGeom>
+        </p:spPr>
+        <p:txBody>
+          <a:bodyPr vert="horz" lIns="91440" tIns="45720" rIns="91440" bIns="45720" rtlCol="0" anchor="b"/>
+          <a:lstStyle>
+            <a:defPPr>
+              <a:defRPr lang="en-US"/>
+            </a:defPPr>
+            <a:lvl1pPr marL="0" algn="l" defTabSz="914400" rtl="0" eaLnBrk="1" latinLnBrk="0" hangingPunct="1">
+              <a:defRPr sz="900" b="1" i="0" kern="1200">
+                <a:solidFill>
+                  <a:schemeClr val="accent1"/>
+                </a:solidFill>
+                <a:latin typeface="+mn-lt"/>
+                <a:ea typeface="+mn-ea"/>
+                <a:cs typeface="+mn-cs"/>
+              </a:defRPr>
+            </a:lvl1pPr>
+            <a:lvl2pPr marL="457200" algn="l" defTabSz="914400" rtl="0" eaLnBrk="1" latinLnBrk="0" hangingPunct="1">
+              <a:defRPr sz="1800" kern="1200">
+                <a:solidFill>
+                  <a:schemeClr val="tx1"/>
+                </a:solidFill>
+                <a:latin typeface="+mn-lt"/>
+                <a:ea typeface="+mn-ea"/>
+                <a:cs typeface="+mn-cs"/>
+              </a:defRPr>
+            </a:lvl2pPr>
+            <a:lvl3pPr marL="914400" algn="l" defTabSz="914400" rtl="0" eaLnBrk="1" latinLnBrk="0" hangingPunct="1">
+              <a:defRPr sz="1800" kern="1200">
+                <a:solidFill>
+                  <a:schemeClr val="tx1"/>
+                </a:solidFill>
+                <a:latin typeface="+mn-lt"/>
+                <a:ea typeface="+mn-ea"/>
+                <a:cs typeface="+mn-cs"/>
+              </a:defRPr>
+            </a:lvl3pPr>
+            <a:lvl4pPr marL="1371600" algn="l" defTabSz="914400" rtl="0" eaLnBrk="1" latinLnBrk="0" hangingPunct="1">
+              <a:defRPr sz="1800" kern="1200">
+                <a:solidFill>
+                  <a:schemeClr val="tx1"/>
+                </a:solidFill>
+                <a:latin typeface="+mn-lt"/>
+                <a:ea typeface="+mn-ea"/>
+                <a:cs typeface="+mn-cs"/>
+              </a:defRPr>
+            </a:lvl4pPr>
+            <a:lvl5pPr marL="1828800" algn="l" defTabSz="914400" rtl="0" eaLnBrk="1" latinLnBrk="0" hangingPunct="1">
+              <a:defRPr sz="1800" kern="1200">
+                <a:solidFill>
+                  <a:schemeClr val="tx1"/>
+                </a:solidFill>
+                <a:latin typeface="+mn-lt"/>
+                <a:ea typeface="+mn-ea"/>
+                <a:cs typeface="+mn-cs"/>
+              </a:defRPr>
+            </a:lvl5pPr>
+            <a:lvl6pPr marL="2286000" algn="l" defTabSz="914400" rtl="0" eaLnBrk="1" latinLnBrk="0" hangingPunct="1">
+              <a:defRPr sz="1800" kern="1200">
+                <a:solidFill>
+                  <a:schemeClr val="tx1"/>
+                </a:solidFill>
+                <a:latin typeface="+mn-lt"/>
+                <a:ea typeface="+mn-ea"/>
+                <a:cs typeface="+mn-cs"/>
+              </a:defRPr>
+            </a:lvl6pPr>
+            <a:lvl7pPr marL="2743200" algn="l" defTabSz="914400" rtl="0" eaLnBrk="1" latinLnBrk="0" hangingPunct="1">
+              <a:defRPr sz="1800" kern="1200">
+                <a:solidFill>
+                  <a:schemeClr val="tx1"/>
+                </a:solidFill>
+                <a:latin typeface="+mn-lt"/>
+                <a:ea typeface="+mn-ea"/>
+                <a:cs typeface="+mn-cs"/>
+              </a:defRPr>
+            </a:lvl7pPr>
+            <a:lvl8pPr marL="3200400" algn="l" defTabSz="914400" rtl="0" eaLnBrk="1" latinLnBrk="0" hangingPunct="1">
+              <a:defRPr sz="1800" kern="1200">
+                <a:solidFill>
+                  <a:schemeClr val="tx1"/>
+                </a:solidFill>
+                <a:latin typeface="+mn-lt"/>
+                <a:ea typeface="+mn-ea"/>
+                <a:cs typeface="+mn-cs"/>
+              </a:defRPr>
+            </a:lvl8pPr>
+            <a:lvl9pPr marL="3657600" algn="l" defTabSz="914400" rtl="0" eaLnBrk="1" latinLnBrk="0" hangingPunct="1">
+              <a:defRPr sz="1800" kern="1200">
+                <a:solidFill>
+                  <a:schemeClr val="tx1"/>
+                </a:solidFill>
+                <a:latin typeface="+mn-lt"/>
+                <a:ea typeface="+mn-ea"/>
+                <a:cs typeface="+mn-cs"/>
+              </a:defRPr>
+            </a:lvl9pPr>
+          </a:lstStyle>
+          <a:p>
+            <a:pPr algn="r"/>
+            <a:r>
+              <a:rPr lang="en-IN" dirty="0"/>
+              <a:t>The </a:t>
+            </a:r>
+            <a:r>
+              <a:rPr lang="en-IN" dirty="0" smtClean="0"/>
+              <a:t>Outliers - Vishal </a:t>
+            </a:r>
+            <a:r>
+              <a:rPr lang="en-IN" dirty="0" err="1" smtClean="0"/>
+              <a:t>Bhalla</a:t>
+            </a:r>
+            <a:r>
+              <a:rPr lang="en-IN" dirty="0" smtClean="0"/>
+              <a:t> &amp; </a:t>
+            </a:r>
+            <a:r>
+              <a:rPr lang="en-IN" dirty="0" err="1" smtClean="0"/>
+              <a:t>Nithish</a:t>
+            </a:r>
+            <a:r>
+              <a:rPr lang="en-IN" dirty="0" smtClean="0"/>
+              <a:t> </a:t>
+            </a:r>
+            <a:r>
+              <a:rPr lang="en-IN" dirty="0" err="1" smtClean="0"/>
+              <a:t>Raghunandanan</a:t>
+            </a:r>
+            <a:endParaRPr lang="en-IN" dirty="0"/>
           </a:p>
         </p:txBody>
       </p:sp>
@@ -24438,27 +24675,21 @@
             </a:r>
             <a:r>
               <a:rPr lang="en-IN" dirty="0" smtClean="0"/>
-              <a:t>values for missing values</a:t>
-            </a:r>
+              <a:t>values for missing values.</a:t>
+            </a:r>
+          </a:p>
+          <a:p>
+            <a:endParaRPr lang="en-IN" dirty="0"/>
+          </a:p>
+          <a:p>
             <a:r>
               <a:rPr lang="en-IN" dirty="0" smtClean="0"/>
-              <a:t>.</a:t>
-            </a:r>
-            <a:endParaRPr lang="en-IN" dirty="0" smtClean="0"/>
-          </a:p>
-          <a:p>
-            <a:endParaRPr lang="en-IN" dirty="0"/>
-          </a:p>
-          <a:p>
+              <a:t>Replacement of missing values by Row Spectral Median values gave consistently better results across all </a:t>
+            </a:r>
             <a:r>
               <a:rPr lang="en-IN" dirty="0" smtClean="0"/>
-              <a:t>Regularization would help reduce the overfitting, but we couldn’t find the best penalty factor for </a:t>
-            </a:r>
-            <a:r>
-              <a:rPr lang="en-IN" dirty="0" smtClean="0"/>
-              <a:t>any of our models.</a:t>
-            </a:r>
-            <a:endParaRPr lang="en-IN" dirty="0" smtClean="0"/>
+              <a:t>of our models.</a:t>
+            </a:r>
           </a:p>
         </p:txBody>
       </p:sp>
@@ -24479,7 +24710,7 @@
           <a:p>
             <a:r>
               <a:rPr lang="en-IN" smtClean="0"/>
-              <a:t>Satellite Image Classification - The Outliers</a:t>
+              <a:t>Satellite Image Classification</a:t>
             </a:r>
             <a:endParaRPr lang="en-IN"/>
           </a:p>
@@ -24505,6 +24736,154 @@
               <a:t>11</a:t>
             </a:fld>
             <a:endParaRPr lang="en-IN"/>
+          </a:p>
+        </p:txBody>
+      </p:sp>
+      <p:sp>
+        <p:nvSpPr>
+          <p:cNvPr id="6" name="Footer Placeholder 2"/>
+          <p:cNvSpPr txBox="1">
+            <a:spLocks/>
+          </p:cNvSpPr>
+          <p:nvPr/>
+        </p:nvSpPr>
+        <p:spPr>
+          <a:xfrm>
+            <a:off x="5033631" y="6362342"/>
+            <a:ext cx="3859795" cy="228660"/>
+          </a:xfrm>
+          <a:prstGeom prst="rect">
+            <a:avLst/>
+          </a:prstGeom>
+        </p:spPr>
+        <p:txBody>
+          <a:bodyPr vert="horz" lIns="91440" tIns="45720" rIns="91440" bIns="45720" rtlCol="0" anchor="b"/>
+          <a:lstStyle>
+            <a:defPPr>
+              <a:defRPr lang="en-US"/>
+            </a:defPPr>
+            <a:lvl1pPr marL="0" algn="l" defTabSz="914400" rtl="0" eaLnBrk="1" latinLnBrk="0" hangingPunct="1">
+              <a:defRPr sz="900" b="1" i="0" kern="1200">
+                <a:solidFill>
+                  <a:schemeClr val="accent1"/>
+                </a:solidFill>
+                <a:latin typeface="+mn-lt"/>
+                <a:ea typeface="+mn-ea"/>
+                <a:cs typeface="+mn-cs"/>
+              </a:defRPr>
+            </a:lvl1pPr>
+            <a:lvl2pPr marL="457200" algn="l" defTabSz="914400" rtl="0" eaLnBrk="1" latinLnBrk="0" hangingPunct="1">
+              <a:defRPr sz="1800" kern="1200">
+                <a:solidFill>
+                  <a:schemeClr val="tx1"/>
+                </a:solidFill>
+                <a:latin typeface="+mn-lt"/>
+                <a:ea typeface="+mn-ea"/>
+                <a:cs typeface="+mn-cs"/>
+              </a:defRPr>
+            </a:lvl2pPr>
+            <a:lvl3pPr marL="914400" algn="l" defTabSz="914400" rtl="0" eaLnBrk="1" latinLnBrk="0" hangingPunct="1">
+              <a:defRPr sz="1800" kern="1200">
+                <a:solidFill>
+                  <a:schemeClr val="tx1"/>
+                </a:solidFill>
+                <a:latin typeface="+mn-lt"/>
+                <a:ea typeface="+mn-ea"/>
+                <a:cs typeface="+mn-cs"/>
+              </a:defRPr>
+            </a:lvl3pPr>
+            <a:lvl4pPr marL="1371600" algn="l" defTabSz="914400" rtl="0" eaLnBrk="1" latinLnBrk="0" hangingPunct="1">
+              <a:defRPr sz="1800" kern="1200">
+                <a:solidFill>
+                  <a:schemeClr val="tx1"/>
+                </a:solidFill>
+                <a:latin typeface="+mn-lt"/>
+                <a:ea typeface="+mn-ea"/>
+                <a:cs typeface="+mn-cs"/>
+              </a:defRPr>
+            </a:lvl4pPr>
+            <a:lvl5pPr marL="1828800" algn="l" defTabSz="914400" rtl="0" eaLnBrk="1" latinLnBrk="0" hangingPunct="1">
+              <a:defRPr sz="1800" kern="1200">
+                <a:solidFill>
+                  <a:schemeClr val="tx1"/>
+                </a:solidFill>
+                <a:latin typeface="+mn-lt"/>
+                <a:ea typeface="+mn-ea"/>
+                <a:cs typeface="+mn-cs"/>
+              </a:defRPr>
+            </a:lvl5pPr>
+            <a:lvl6pPr marL="2286000" algn="l" defTabSz="914400" rtl="0" eaLnBrk="1" latinLnBrk="0" hangingPunct="1">
+              <a:defRPr sz="1800" kern="1200">
+                <a:solidFill>
+                  <a:schemeClr val="tx1"/>
+                </a:solidFill>
+                <a:latin typeface="+mn-lt"/>
+                <a:ea typeface="+mn-ea"/>
+                <a:cs typeface="+mn-cs"/>
+              </a:defRPr>
+            </a:lvl6pPr>
+            <a:lvl7pPr marL="2743200" algn="l" defTabSz="914400" rtl="0" eaLnBrk="1" latinLnBrk="0" hangingPunct="1">
+              <a:defRPr sz="1800" kern="1200">
+                <a:solidFill>
+                  <a:schemeClr val="tx1"/>
+                </a:solidFill>
+                <a:latin typeface="+mn-lt"/>
+                <a:ea typeface="+mn-ea"/>
+                <a:cs typeface="+mn-cs"/>
+              </a:defRPr>
+            </a:lvl7pPr>
+            <a:lvl8pPr marL="3200400" algn="l" defTabSz="914400" rtl="0" eaLnBrk="1" latinLnBrk="0" hangingPunct="1">
+              <a:defRPr sz="1800" kern="1200">
+                <a:solidFill>
+                  <a:schemeClr val="tx1"/>
+                </a:solidFill>
+                <a:latin typeface="+mn-lt"/>
+                <a:ea typeface="+mn-ea"/>
+                <a:cs typeface="+mn-cs"/>
+              </a:defRPr>
+            </a:lvl8pPr>
+            <a:lvl9pPr marL="3657600" algn="l" defTabSz="914400" rtl="0" eaLnBrk="1" latinLnBrk="0" hangingPunct="1">
+              <a:defRPr sz="1800" kern="1200">
+                <a:solidFill>
+                  <a:schemeClr val="tx1"/>
+                </a:solidFill>
+                <a:latin typeface="+mn-lt"/>
+                <a:ea typeface="+mn-ea"/>
+                <a:cs typeface="+mn-cs"/>
+              </a:defRPr>
+            </a:lvl9pPr>
+          </a:lstStyle>
+          <a:p>
+            <a:pPr algn="r"/>
+            <a:r>
+              <a:rPr lang="en-IN" dirty="0"/>
+              <a:t>The </a:t>
+            </a:r>
+            <a:r>
+              <a:rPr lang="en-IN" dirty="0" smtClean="0"/>
+              <a:t>Outliers - Vishal </a:t>
+            </a:r>
+            <a:r>
+              <a:rPr lang="en-IN" dirty="0" err="1" smtClean="0"/>
+              <a:t>Bhalla</a:t>
+            </a:r>
+            <a:r>
+              <a:rPr lang="en-IN" dirty="0" smtClean="0"/>
+              <a:t> &amp; </a:t>
+            </a:r>
+            <a:r>
+              <a:rPr lang="en-IN" dirty="0" err="1" smtClean="0"/>
+              <a:t>Nithish</a:t>
+            </a:r>
+            <a:r>
+              <a:rPr lang="en-IN" dirty="0" smtClean="0"/>
+              <a:t> </a:t>
+            </a:r>
+            <a:r>
+              <a:rPr lang="en-IN" dirty="0" err="1" smtClean="0"/>
+              <a:t>Raghunandanan</a:t>
+            </a:r>
+            <a:endParaRPr lang="en-IN" dirty="0"/>
           </a:p>
         </p:txBody>
       </p:sp>
@@ -24547,39 +24926,6 @@
       </p:grpSpPr>
       <p:sp>
         <p:nvSpPr>
-          <p:cNvPr id="10" name="Content Placeholder 9"/>
-          <p:cNvSpPr>
-            <a:spLocks noGrp="1"/>
-          </p:cNvSpPr>
-          <p:nvPr>
-            <p:ph idx="1"/>
-          </p:nvPr>
-        </p:nvSpPr>
-        <p:spPr>
-          <a:xfrm>
-            <a:off x="4932040" y="3717032"/>
-            <a:ext cx="3744416" cy="936104"/>
-          </a:xfrm>
-        </p:spPr>
-        <p:txBody>
-          <a:bodyPr>
-            <a:normAutofit/>
-          </a:bodyPr>
-          <a:lstStyle/>
-          <a:p>
-            <a:pPr marL="0" indent="0">
-              <a:buNone/>
-            </a:pPr>
-            <a:r>
-              <a:rPr lang="en-US" sz="5000" b="1" dirty="0" smtClean="0"/>
-              <a:t>Thank You !</a:t>
-            </a:r>
-            <a:endParaRPr lang="en-US" sz="5000" b="1" dirty="0"/>
-          </a:p>
-        </p:txBody>
-      </p:sp>
-      <p:sp>
-        <p:nvSpPr>
           <p:cNvPr id="2" name="Footer Placeholder 1"/>
           <p:cNvSpPr>
             <a:spLocks noGrp="1"/>
@@ -24595,7 +24941,7 @@
           <a:p>
             <a:r>
               <a:rPr lang="en-IN" smtClean="0"/>
-              <a:t>Satellite Image Classification - The Outliers</a:t>
+              <a:t>Satellite Image Classification</a:t>
             </a:r>
             <a:endParaRPr lang="en-IN"/>
           </a:p>
@@ -24621,6 +24967,217 @@
               <a:t>12</a:t>
             </a:fld>
             <a:endParaRPr lang="en-IN"/>
+          </a:p>
+        </p:txBody>
+      </p:sp>
+      <p:sp>
+        <p:nvSpPr>
+          <p:cNvPr id="5" name="Footer Placeholder 2"/>
+          <p:cNvSpPr txBox="1">
+            <a:spLocks/>
+          </p:cNvSpPr>
+          <p:nvPr/>
+        </p:nvSpPr>
+        <p:spPr>
+          <a:xfrm>
+            <a:off x="5033631" y="6362342"/>
+            <a:ext cx="3859795" cy="228660"/>
+          </a:xfrm>
+          <a:prstGeom prst="rect">
+            <a:avLst/>
+          </a:prstGeom>
+        </p:spPr>
+        <p:txBody>
+          <a:bodyPr vert="horz" lIns="91440" tIns="45720" rIns="91440" bIns="45720" rtlCol="0" anchor="b"/>
+          <a:lstStyle>
+            <a:defPPr>
+              <a:defRPr lang="en-US"/>
+            </a:defPPr>
+            <a:lvl1pPr marL="0" algn="l" defTabSz="914400" rtl="0" eaLnBrk="1" latinLnBrk="0" hangingPunct="1">
+              <a:defRPr sz="900" b="1" i="0" kern="1200">
+                <a:solidFill>
+                  <a:schemeClr val="accent1"/>
+                </a:solidFill>
+                <a:latin typeface="+mn-lt"/>
+                <a:ea typeface="+mn-ea"/>
+                <a:cs typeface="+mn-cs"/>
+              </a:defRPr>
+            </a:lvl1pPr>
+            <a:lvl2pPr marL="457200" algn="l" defTabSz="914400" rtl="0" eaLnBrk="1" latinLnBrk="0" hangingPunct="1">
+              <a:defRPr sz="1800" kern="1200">
+                <a:solidFill>
+                  <a:schemeClr val="tx1"/>
+                </a:solidFill>
+                <a:latin typeface="+mn-lt"/>
+                <a:ea typeface="+mn-ea"/>
+                <a:cs typeface="+mn-cs"/>
+              </a:defRPr>
+            </a:lvl2pPr>
+            <a:lvl3pPr marL="914400" algn="l" defTabSz="914400" rtl="0" eaLnBrk="1" latinLnBrk="0" hangingPunct="1">
+              <a:defRPr sz="1800" kern="1200">
+                <a:solidFill>
+                  <a:schemeClr val="tx1"/>
+                </a:solidFill>
+                <a:latin typeface="+mn-lt"/>
+                <a:ea typeface="+mn-ea"/>
+                <a:cs typeface="+mn-cs"/>
+              </a:defRPr>
+            </a:lvl3pPr>
+            <a:lvl4pPr marL="1371600" algn="l" defTabSz="914400" rtl="0" eaLnBrk="1" latinLnBrk="0" hangingPunct="1">
+              <a:defRPr sz="1800" kern="1200">
+                <a:solidFill>
+                  <a:schemeClr val="tx1"/>
+                </a:solidFill>
+                <a:latin typeface="+mn-lt"/>
+                <a:ea typeface="+mn-ea"/>
+                <a:cs typeface="+mn-cs"/>
+              </a:defRPr>
+            </a:lvl4pPr>
+            <a:lvl5pPr marL="1828800" algn="l" defTabSz="914400" rtl="0" eaLnBrk="1" latinLnBrk="0" hangingPunct="1">
+              <a:defRPr sz="1800" kern="1200">
+                <a:solidFill>
+                  <a:schemeClr val="tx1"/>
+                </a:solidFill>
+                <a:latin typeface="+mn-lt"/>
+                <a:ea typeface="+mn-ea"/>
+                <a:cs typeface="+mn-cs"/>
+              </a:defRPr>
+            </a:lvl5pPr>
+            <a:lvl6pPr marL="2286000" algn="l" defTabSz="914400" rtl="0" eaLnBrk="1" latinLnBrk="0" hangingPunct="1">
+              <a:defRPr sz="1800" kern="1200">
+                <a:solidFill>
+                  <a:schemeClr val="tx1"/>
+                </a:solidFill>
+                <a:latin typeface="+mn-lt"/>
+                <a:ea typeface="+mn-ea"/>
+                <a:cs typeface="+mn-cs"/>
+              </a:defRPr>
+            </a:lvl6pPr>
+            <a:lvl7pPr marL="2743200" algn="l" defTabSz="914400" rtl="0" eaLnBrk="1" latinLnBrk="0" hangingPunct="1">
+              <a:defRPr sz="1800" kern="1200">
+                <a:solidFill>
+                  <a:schemeClr val="tx1"/>
+                </a:solidFill>
+                <a:latin typeface="+mn-lt"/>
+                <a:ea typeface="+mn-ea"/>
+                <a:cs typeface="+mn-cs"/>
+              </a:defRPr>
+            </a:lvl7pPr>
+            <a:lvl8pPr marL="3200400" algn="l" defTabSz="914400" rtl="0" eaLnBrk="1" latinLnBrk="0" hangingPunct="1">
+              <a:defRPr sz="1800" kern="1200">
+                <a:solidFill>
+                  <a:schemeClr val="tx1"/>
+                </a:solidFill>
+                <a:latin typeface="+mn-lt"/>
+                <a:ea typeface="+mn-ea"/>
+                <a:cs typeface="+mn-cs"/>
+              </a:defRPr>
+            </a:lvl8pPr>
+            <a:lvl9pPr marL="3657600" algn="l" defTabSz="914400" rtl="0" eaLnBrk="1" latinLnBrk="0" hangingPunct="1">
+              <a:defRPr sz="1800" kern="1200">
+                <a:solidFill>
+                  <a:schemeClr val="tx1"/>
+                </a:solidFill>
+                <a:latin typeface="+mn-lt"/>
+                <a:ea typeface="+mn-ea"/>
+                <a:cs typeface="+mn-cs"/>
+              </a:defRPr>
+            </a:lvl9pPr>
+          </a:lstStyle>
+          <a:p>
+            <a:pPr algn="r"/>
+            <a:r>
+              <a:rPr lang="en-IN" dirty="0"/>
+              <a:t>The </a:t>
+            </a:r>
+            <a:r>
+              <a:rPr lang="en-IN" dirty="0" smtClean="0"/>
+              <a:t>Outliers - Vishal </a:t>
+            </a:r>
+            <a:r>
+              <a:rPr lang="en-IN" dirty="0" err="1" smtClean="0"/>
+              <a:t>Bhalla</a:t>
+            </a:r>
+            <a:r>
+              <a:rPr lang="en-IN" dirty="0" smtClean="0"/>
+              <a:t> &amp; </a:t>
+            </a:r>
+            <a:r>
+              <a:rPr lang="en-IN" dirty="0" err="1" smtClean="0"/>
+              <a:t>Nithish</a:t>
+            </a:r>
+            <a:r>
+              <a:rPr lang="en-IN" dirty="0" smtClean="0"/>
+              <a:t> </a:t>
+            </a:r>
+            <a:r>
+              <a:rPr lang="en-IN" dirty="0" err="1" smtClean="0"/>
+              <a:t>Raghunandanan</a:t>
+            </a:r>
+            <a:endParaRPr lang="en-IN" dirty="0"/>
+          </a:p>
+        </p:txBody>
+      </p:sp>
+      <p:pic>
+        <p:nvPicPr>
+          <p:cNvPr id="4" name="Picture 3"/>
+          <p:cNvPicPr>
+            <a:picLocks noChangeAspect="1"/>
+          </p:cNvPicPr>
+          <p:nvPr/>
+        </p:nvPicPr>
+        <p:blipFill>
+          <a:blip r:embed="rId2">
+            <a:extLst>
+              <a:ext uri="{28A0092B-C50C-407E-A947-70E740481C1C}">
+                <a14:useLocalDpi xmlns:a14="http://schemas.microsoft.com/office/drawing/2010/main" val="0"/>
+              </a:ext>
+            </a:extLst>
+          </a:blip>
+          <a:stretch>
+            <a:fillRect/>
+          </a:stretch>
+        </p:blipFill>
+        <p:spPr>
+          <a:xfrm>
+            <a:off x="467544" y="2257886"/>
+            <a:ext cx="4104456" cy="4104456"/>
+          </a:xfrm>
+          <a:prstGeom prst="rect">
+            <a:avLst/>
+          </a:prstGeom>
+        </p:spPr>
+      </p:pic>
+      <p:sp>
+        <p:nvSpPr>
+          <p:cNvPr id="8" name="Content Placeholder 9"/>
+          <p:cNvSpPr>
+            <a:spLocks noGrp="1"/>
+          </p:cNvSpPr>
+          <p:nvPr>
+            <p:ph idx="1"/>
+          </p:nvPr>
+        </p:nvSpPr>
+        <p:spPr>
+          <a:xfrm>
+            <a:off x="3851920" y="2708920"/>
+            <a:ext cx="3744416" cy="936104"/>
+          </a:xfrm>
+        </p:spPr>
+        <p:txBody>
+          <a:bodyPr>
+            <a:normAutofit/>
+          </a:bodyPr>
+          <a:lstStyle/>
+          <a:p>
+            <a:pPr marL="0" indent="0">
+              <a:buNone/>
+            </a:pPr>
+            <a:r>
+              <a:rPr lang="en-US" sz="5000" b="1" dirty="0" smtClean="0"/>
+              <a:t>Questions?</a:t>
+            </a:r>
+            <a:endParaRPr lang="en-US" sz="5000" b="1" dirty="0"/>
           </a:p>
         </p:txBody>
       </p:sp>
@@ -24634,6 +25191,277 @@
   <p:clrMapOvr>
     <a:masterClrMapping/>
   </p:clrMapOvr>
+  <p:timing>
+    <p:tnLst>
+      <p:par>
+        <p:cTn id="1" dur="indefinite" restart="never" nodeType="tmRoot"/>
+      </p:par>
+    </p:tnLst>
+  </p:timing>
+</p:sld>
+</file>
+
+<file path=ppt/slides/slide13.xml><?xml version="1.0" encoding="utf-8"?>
+<p:sld xmlns:a="http://schemas.openxmlformats.org/drawingml/2006/main" xmlns:r="http://schemas.openxmlformats.org/officeDocument/2006/relationships" xmlns:p="http://schemas.openxmlformats.org/presentationml/2006/main">
+  <p:cSld>
+    <p:spTree>
+      <p:nvGrpSpPr>
+        <p:cNvPr id="1" name=""/>
+        <p:cNvGrpSpPr/>
+        <p:nvPr/>
+      </p:nvGrpSpPr>
+      <p:grpSpPr>
+        <a:xfrm>
+          <a:off x="0" y="0"/>
+          <a:ext cx="0" cy="0"/>
+          <a:chOff x="0" y="0"/>
+          <a:chExt cx="0" cy="0"/>
+        </a:xfrm>
+      </p:grpSpPr>
+      <p:sp>
+        <p:nvSpPr>
+          <p:cNvPr id="10" name="Content Placeholder 9"/>
+          <p:cNvSpPr>
+            <a:spLocks noGrp="1"/>
+          </p:cNvSpPr>
+          <p:nvPr>
+            <p:ph idx="1"/>
+          </p:nvPr>
+        </p:nvSpPr>
+        <p:spPr>
+          <a:xfrm>
+            <a:off x="4932040" y="3717032"/>
+            <a:ext cx="3744416" cy="936104"/>
+          </a:xfrm>
+        </p:spPr>
+        <p:txBody>
+          <a:bodyPr>
+            <a:normAutofit/>
+          </a:bodyPr>
+          <a:lstStyle/>
+          <a:p>
+            <a:pPr marL="0" indent="0">
+              <a:buNone/>
+            </a:pPr>
+            <a:r>
+              <a:rPr lang="en-US" sz="5000" b="1" dirty="0" smtClean="0"/>
+              <a:t>Thank You !</a:t>
+            </a:r>
+            <a:endParaRPr lang="en-US" sz="5000" b="1" dirty="0"/>
+          </a:p>
+        </p:txBody>
+      </p:sp>
+      <p:sp>
+        <p:nvSpPr>
+          <p:cNvPr id="2" name="Footer Placeholder 1"/>
+          <p:cNvSpPr>
+            <a:spLocks noGrp="1"/>
+          </p:cNvSpPr>
+          <p:nvPr>
+            <p:ph type="ftr" sz="quarter" idx="11"/>
+          </p:nvPr>
+        </p:nvSpPr>
+        <p:spPr/>
+        <p:txBody>
+          <a:bodyPr/>
+          <a:lstStyle/>
+          <a:p>
+            <a:r>
+              <a:rPr lang="en-IN" smtClean="0"/>
+              <a:t>Satellite Image Classification</a:t>
+            </a:r>
+            <a:endParaRPr lang="en-IN"/>
+          </a:p>
+        </p:txBody>
+      </p:sp>
+      <p:sp>
+        <p:nvSpPr>
+          <p:cNvPr id="3" name="Slide Number Placeholder 2"/>
+          <p:cNvSpPr>
+            <a:spLocks noGrp="1"/>
+          </p:cNvSpPr>
+          <p:nvPr>
+            <p:ph type="sldNum" sz="quarter" idx="12"/>
+          </p:nvPr>
+        </p:nvSpPr>
+        <p:spPr/>
+        <p:txBody>
+          <a:bodyPr/>
+          <a:lstStyle/>
+          <a:p>
+            <a:fld id="{416BB0C7-6CDD-4B0A-8823-A5D2EB2453E7}" type="slidenum">
+              <a:rPr lang="en-IN" smtClean="0"/>
+              <a:t>13</a:t>
+            </a:fld>
+            <a:endParaRPr lang="en-IN"/>
+          </a:p>
+        </p:txBody>
+      </p:sp>
+      <p:sp>
+        <p:nvSpPr>
+          <p:cNvPr id="5" name="Footer Placeholder 2"/>
+          <p:cNvSpPr txBox="1">
+            <a:spLocks/>
+          </p:cNvSpPr>
+          <p:nvPr/>
+        </p:nvSpPr>
+        <p:spPr>
+          <a:xfrm>
+            <a:off x="5033631" y="6362342"/>
+            <a:ext cx="3859795" cy="228660"/>
+          </a:xfrm>
+          <a:prstGeom prst="rect">
+            <a:avLst/>
+          </a:prstGeom>
+        </p:spPr>
+        <p:txBody>
+          <a:bodyPr vert="horz" lIns="91440" tIns="45720" rIns="91440" bIns="45720" rtlCol="0" anchor="b"/>
+          <a:lstStyle>
+            <a:defPPr>
+              <a:defRPr lang="en-US"/>
+            </a:defPPr>
+            <a:lvl1pPr marL="0" algn="l" defTabSz="914400" rtl="0" eaLnBrk="1" latinLnBrk="0" hangingPunct="1">
+              <a:defRPr sz="900" b="1" i="0" kern="1200">
+                <a:solidFill>
+                  <a:schemeClr val="accent1"/>
+                </a:solidFill>
+                <a:latin typeface="+mn-lt"/>
+                <a:ea typeface="+mn-ea"/>
+                <a:cs typeface="+mn-cs"/>
+              </a:defRPr>
+            </a:lvl1pPr>
+            <a:lvl2pPr marL="457200" algn="l" defTabSz="914400" rtl="0" eaLnBrk="1" latinLnBrk="0" hangingPunct="1">
+              <a:defRPr sz="1800" kern="1200">
+                <a:solidFill>
+                  <a:schemeClr val="tx1"/>
+                </a:solidFill>
+                <a:latin typeface="+mn-lt"/>
+                <a:ea typeface="+mn-ea"/>
+                <a:cs typeface="+mn-cs"/>
+              </a:defRPr>
+            </a:lvl2pPr>
+            <a:lvl3pPr marL="914400" algn="l" defTabSz="914400" rtl="0" eaLnBrk="1" latinLnBrk="0" hangingPunct="1">
+              <a:defRPr sz="1800" kern="1200">
+                <a:solidFill>
+                  <a:schemeClr val="tx1"/>
+                </a:solidFill>
+                <a:latin typeface="+mn-lt"/>
+                <a:ea typeface="+mn-ea"/>
+                <a:cs typeface="+mn-cs"/>
+              </a:defRPr>
+            </a:lvl3pPr>
+            <a:lvl4pPr marL="1371600" algn="l" defTabSz="914400" rtl="0" eaLnBrk="1" latinLnBrk="0" hangingPunct="1">
+              <a:defRPr sz="1800" kern="1200">
+                <a:solidFill>
+                  <a:schemeClr val="tx1"/>
+                </a:solidFill>
+                <a:latin typeface="+mn-lt"/>
+                <a:ea typeface="+mn-ea"/>
+                <a:cs typeface="+mn-cs"/>
+              </a:defRPr>
+            </a:lvl4pPr>
+            <a:lvl5pPr marL="1828800" algn="l" defTabSz="914400" rtl="0" eaLnBrk="1" latinLnBrk="0" hangingPunct="1">
+              <a:defRPr sz="1800" kern="1200">
+                <a:solidFill>
+                  <a:schemeClr val="tx1"/>
+                </a:solidFill>
+                <a:latin typeface="+mn-lt"/>
+                <a:ea typeface="+mn-ea"/>
+                <a:cs typeface="+mn-cs"/>
+              </a:defRPr>
+            </a:lvl5pPr>
+            <a:lvl6pPr marL="2286000" algn="l" defTabSz="914400" rtl="0" eaLnBrk="1" latinLnBrk="0" hangingPunct="1">
+              <a:defRPr sz="1800" kern="1200">
+                <a:solidFill>
+                  <a:schemeClr val="tx1"/>
+                </a:solidFill>
+                <a:latin typeface="+mn-lt"/>
+                <a:ea typeface="+mn-ea"/>
+                <a:cs typeface="+mn-cs"/>
+              </a:defRPr>
+            </a:lvl6pPr>
+            <a:lvl7pPr marL="2743200" algn="l" defTabSz="914400" rtl="0" eaLnBrk="1" latinLnBrk="0" hangingPunct="1">
+              <a:defRPr sz="1800" kern="1200">
+                <a:solidFill>
+                  <a:schemeClr val="tx1"/>
+                </a:solidFill>
+                <a:latin typeface="+mn-lt"/>
+                <a:ea typeface="+mn-ea"/>
+                <a:cs typeface="+mn-cs"/>
+              </a:defRPr>
+            </a:lvl7pPr>
+            <a:lvl8pPr marL="3200400" algn="l" defTabSz="914400" rtl="0" eaLnBrk="1" latinLnBrk="0" hangingPunct="1">
+              <a:defRPr sz="1800" kern="1200">
+                <a:solidFill>
+                  <a:schemeClr val="tx1"/>
+                </a:solidFill>
+                <a:latin typeface="+mn-lt"/>
+                <a:ea typeface="+mn-ea"/>
+                <a:cs typeface="+mn-cs"/>
+              </a:defRPr>
+            </a:lvl8pPr>
+            <a:lvl9pPr marL="3657600" algn="l" defTabSz="914400" rtl="0" eaLnBrk="1" latinLnBrk="0" hangingPunct="1">
+              <a:defRPr sz="1800" kern="1200">
+                <a:solidFill>
+                  <a:schemeClr val="tx1"/>
+                </a:solidFill>
+                <a:latin typeface="+mn-lt"/>
+                <a:ea typeface="+mn-ea"/>
+                <a:cs typeface="+mn-cs"/>
+              </a:defRPr>
+            </a:lvl9pPr>
+          </a:lstStyle>
+          <a:p>
+            <a:pPr algn="r"/>
+            <a:r>
+              <a:rPr lang="en-IN" dirty="0"/>
+              <a:t>The </a:t>
+            </a:r>
+            <a:r>
+              <a:rPr lang="en-IN" dirty="0" smtClean="0"/>
+              <a:t>Outliers - Vishal </a:t>
+            </a:r>
+            <a:r>
+              <a:rPr lang="en-IN" dirty="0" err="1" smtClean="0"/>
+              <a:t>Bhalla</a:t>
+            </a:r>
+            <a:r>
+              <a:rPr lang="en-IN" dirty="0" smtClean="0"/>
+              <a:t> &amp; </a:t>
+            </a:r>
+            <a:r>
+              <a:rPr lang="en-IN" dirty="0" err="1" smtClean="0"/>
+              <a:t>Nithish</a:t>
+            </a:r>
+            <a:r>
+              <a:rPr lang="en-IN" dirty="0" smtClean="0"/>
+              <a:t> </a:t>
+            </a:r>
+            <a:r>
+              <a:rPr lang="en-IN" dirty="0" err="1" smtClean="0"/>
+              <a:t>Raghunandanan</a:t>
+            </a:r>
+            <a:endParaRPr lang="en-IN" dirty="0"/>
+          </a:p>
+        </p:txBody>
+      </p:sp>
+    </p:spTree>
+    <p:extLst>
+      <p:ext uri="{BB962C8B-B14F-4D97-AF65-F5344CB8AC3E}">
+        <p14:creationId xmlns:p14="http://schemas.microsoft.com/office/powerpoint/2010/main" val="1858592129"/>
+      </p:ext>
+    </p:extLst>
+  </p:cSld>
+  <p:clrMapOvr>
+    <a:masterClrMapping/>
+  </p:clrMapOvr>
+  <p:timing>
+    <p:tnLst>
+      <p:par>
+        <p:cTn id="1" dur="indefinite" restart="never" nodeType="tmRoot"/>
+      </p:par>
+    </p:tnLst>
+  </p:timing>
 </p:sld>
 </file>
 
@@ -24711,7 +25539,6 @@
               <a:rPr lang="en-IN" dirty="0" smtClean="0"/>
               <a:t>Rearrangement of the Data</a:t>
             </a:r>
-            <a:endParaRPr lang="en-IN" dirty="0" smtClean="0"/>
           </a:p>
           <a:p>
             <a:pPr lvl="1"/>
@@ -24719,7 +25546,6 @@
               <a:rPr lang="en-IN" dirty="0" smtClean="0"/>
               <a:t>Replacement of Missing Values</a:t>
             </a:r>
-            <a:endParaRPr lang="en-IN" dirty="0" smtClean="0"/>
           </a:p>
           <a:p>
             <a:r>
@@ -24730,11 +25556,7 @@
           <a:p>
             <a:r>
               <a:rPr lang="en-IN" dirty="0" smtClean="0"/>
-              <a:t>Data </a:t>
-            </a:r>
-            <a:r>
-              <a:rPr lang="en-IN" dirty="0" smtClean="0"/>
-              <a:t>Model</a:t>
+              <a:t>Data Model</a:t>
             </a:r>
           </a:p>
           <a:p>
@@ -24749,7 +25571,6 @@
               <a:rPr lang="en-IN" dirty="0" smtClean="0"/>
               <a:t>Results</a:t>
             </a:r>
-            <a:endParaRPr lang="en-IN" dirty="0" smtClean="0"/>
           </a:p>
           <a:p>
             <a:r>
@@ -24776,8 +25597,8 @@
           <a:lstStyle/>
           <a:p>
             <a:r>
-              <a:rPr lang="en-IN" dirty="0" smtClean="0"/>
-              <a:t>Satellite Image Classification - The Outliers</a:t>
+              <a:rPr lang="en-IN" smtClean="0"/>
+              <a:t>Satellite Image Classification</a:t>
             </a:r>
             <a:endParaRPr lang="en-IN" dirty="0"/>
           </a:p>
@@ -24803,6 +25624,154 @@
               <a:t>2</a:t>
             </a:fld>
             <a:endParaRPr lang="en-IN"/>
+          </a:p>
+        </p:txBody>
+      </p:sp>
+      <p:sp>
+        <p:nvSpPr>
+          <p:cNvPr id="6" name="Footer Placeholder 2"/>
+          <p:cNvSpPr txBox="1">
+            <a:spLocks/>
+          </p:cNvSpPr>
+          <p:nvPr/>
+        </p:nvSpPr>
+        <p:spPr>
+          <a:xfrm>
+            <a:off x="5033631" y="6362342"/>
+            <a:ext cx="3859795" cy="228660"/>
+          </a:xfrm>
+          <a:prstGeom prst="rect">
+            <a:avLst/>
+          </a:prstGeom>
+        </p:spPr>
+        <p:txBody>
+          <a:bodyPr vert="horz" lIns="91440" tIns="45720" rIns="91440" bIns="45720" rtlCol="0" anchor="b"/>
+          <a:lstStyle>
+            <a:defPPr>
+              <a:defRPr lang="en-US"/>
+            </a:defPPr>
+            <a:lvl1pPr marL="0" algn="l" defTabSz="914400" rtl="0" eaLnBrk="1" latinLnBrk="0" hangingPunct="1">
+              <a:defRPr sz="900" b="1" i="0" kern="1200">
+                <a:solidFill>
+                  <a:schemeClr val="accent1"/>
+                </a:solidFill>
+                <a:latin typeface="+mn-lt"/>
+                <a:ea typeface="+mn-ea"/>
+                <a:cs typeface="+mn-cs"/>
+              </a:defRPr>
+            </a:lvl1pPr>
+            <a:lvl2pPr marL="457200" algn="l" defTabSz="914400" rtl="0" eaLnBrk="1" latinLnBrk="0" hangingPunct="1">
+              <a:defRPr sz="1800" kern="1200">
+                <a:solidFill>
+                  <a:schemeClr val="tx1"/>
+                </a:solidFill>
+                <a:latin typeface="+mn-lt"/>
+                <a:ea typeface="+mn-ea"/>
+                <a:cs typeface="+mn-cs"/>
+              </a:defRPr>
+            </a:lvl2pPr>
+            <a:lvl3pPr marL="914400" algn="l" defTabSz="914400" rtl="0" eaLnBrk="1" latinLnBrk="0" hangingPunct="1">
+              <a:defRPr sz="1800" kern="1200">
+                <a:solidFill>
+                  <a:schemeClr val="tx1"/>
+                </a:solidFill>
+                <a:latin typeface="+mn-lt"/>
+                <a:ea typeface="+mn-ea"/>
+                <a:cs typeface="+mn-cs"/>
+              </a:defRPr>
+            </a:lvl3pPr>
+            <a:lvl4pPr marL="1371600" algn="l" defTabSz="914400" rtl="0" eaLnBrk="1" latinLnBrk="0" hangingPunct="1">
+              <a:defRPr sz="1800" kern="1200">
+                <a:solidFill>
+                  <a:schemeClr val="tx1"/>
+                </a:solidFill>
+                <a:latin typeface="+mn-lt"/>
+                <a:ea typeface="+mn-ea"/>
+                <a:cs typeface="+mn-cs"/>
+              </a:defRPr>
+            </a:lvl4pPr>
+            <a:lvl5pPr marL="1828800" algn="l" defTabSz="914400" rtl="0" eaLnBrk="1" latinLnBrk="0" hangingPunct="1">
+              <a:defRPr sz="1800" kern="1200">
+                <a:solidFill>
+                  <a:schemeClr val="tx1"/>
+                </a:solidFill>
+                <a:latin typeface="+mn-lt"/>
+                <a:ea typeface="+mn-ea"/>
+                <a:cs typeface="+mn-cs"/>
+              </a:defRPr>
+            </a:lvl5pPr>
+            <a:lvl6pPr marL="2286000" algn="l" defTabSz="914400" rtl="0" eaLnBrk="1" latinLnBrk="0" hangingPunct="1">
+              <a:defRPr sz="1800" kern="1200">
+                <a:solidFill>
+                  <a:schemeClr val="tx1"/>
+                </a:solidFill>
+                <a:latin typeface="+mn-lt"/>
+                <a:ea typeface="+mn-ea"/>
+                <a:cs typeface="+mn-cs"/>
+              </a:defRPr>
+            </a:lvl6pPr>
+            <a:lvl7pPr marL="2743200" algn="l" defTabSz="914400" rtl="0" eaLnBrk="1" latinLnBrk="0" hangingPunct="1">
+              <a:defRPr sz="1800" kern="1200">
+                <a:solidFill>
+                  <a:schemeClr val="tx1"/>
+                </a:solidFill>
+                <a:latin typeface="+mn-lt"/>
+                <a:ea typeface="+mn-ea"/>
+                <a:cs typeface="+mn-cs"/>
+              </a:defRPr>
+            </a:lvl7pPr>
+            <a:lvl8pPr marL="3200400" algn="l" defTabSz="914400" rtl="0" eaLnBrk="1" latinLnBrk="0" hangingPunct="1">
+              <a:defRPr sz="1800" kern="1200">
+                <a:solidFill>
+                  <a:schemeClr val="tx1"/>
+                </a:solidFill>
+                <a:latin typeface="+mn-lt"/>
+                <a:ea typeface="+mn-ea"/>
+                <a:cs typeface="+mn-cs"/>
+              </a:defRPr>
+            </a:lvl8pPr>
+            <a:lvl9pPr marL="3657600" algn="l" defTabSz="914400" rtl="0" eaLnBrk="1" latinLnBrk="0" hangingPunct="1">
+              <a:defRPr sz="1800" kern="1200">
+                <a:solidFill>
+                  <a:schemeClr val="tx1"/>
+                </a:solidFill>
+                <a:latin typeface="+mn-lt"/>
+                <a:ea typeface="+mn-ea"/>
+                <a:cs typeface="+mn-cs"/>
+              </a:defRPr>
+            </a:lvl9pPr>
+          </a:lstStyle>
+          <a:p>
+            <a:pPr algn="r"/>
+            <a:r>
+              <a:rPr lang="en-IN" dirty="0"/>
+              <a:t>The </a:t>
+            </a:r>
+            <a:r>
+              <a:rPr lang="en-IN" dirty="0" smtClean="0"/>
+              <a:t>Outliers - Vishal </a:t>
+            </a:r>
+            <a:r>
+              <a:rPr lang="en-IN" dirty="0" err="1" smtClean="0"/>
+              <a:t>Bhalla</a:t>
+            </a:r>
+            <a:r>
+              <a:rPr lang="en-IN" dirty="0" smtClean="0"/>
+              <a:t> &amp; </a:t>
+            </a:r>
+            <a:r>
+              <a:rPr lang="en-IN" dirty="0" err="1" smtClean="0"/>
+              <a:t>Nithish</a:t>
+            </a:r>
+            <a:r>
+              <a:rPr lang="en-IN" dirty="0" smtClean="0"/>
+              <a:t> </a:t>
+            </a:r>
+            <a:r>
+              <a:rPr lang="en-IN" dirty="0" err="1" smtClean="0"/>
+              <a:t>Raghunandanan</a:t>
+            </a:r>
+            <a:endParaRPr lang="en-IN" dirty="0"/>
           </a:p>
         </p:txBody>
       </p:sp>
@@ -24876,36 +25845,148 @@
             <p:ph idx="1"/>
           </p:nvPr>
         </p:nvSpPr>
-        <p:spPr/>
-        <p:txBody>
-          <a:bodyPr/>
+        <p:spPr>
+          <a:xfrm>
+            <a:off x="864382" y="2489200"/>
+            <a:ext cx="7164002" cy="3530600"/>
+          </a:xfrm>
+        </p:spPr>
+        <p:txBody>
+          <a:bodyPr>
+            <a:noAutofit/>
+          </a:bodyPr>
           <a:lstStyle/>
           <a:p>
+            <a:r>
+              <a:rPr lang="en-IN" sz="1600" dirty="0" smtClean="0"/>
+              <a:t>Aim</a:t>
+            </a:r>
+            <a:r>
+              <a:rPr lang="en-IN" sz="1600" dirty="0" smtClean="0"/>
+              <a:t>: </a:t>
+            </a:r>
+            <a:r>
+              <a:rPr lang="en-IN" sz="1600" dirty="0"/>
+              <a:t> </a:t>
+            </a:r>
+            <a:r>
+              <a:rPr lang="en-IN" sz="1600" dirty="0" smtClean="0"/>
+              <a:t>Classify </a:t>
+            </a:r>
+            <a:r>
+              <a:rPr lang="en-IN" sz="1600" dirty="0" smtClean="0"/>
+              <a:t>the central </a:t>
+            </a:r>
+            <a:r>
+              <a:rPr lang="en-IN" sz="1600" dirty="0"/>
+              <a:t>pixel in 3x3 neighbourhoods </a:t>
+            </a:r>
+            <a:r>
+              <a:rPr lang="en-IN" sz="1600" dirty="0" smtClean="0"/>
+              <a:t>of </a:t>
+            </a:r>
+            <a:r>
+              <a:rPr lang="en-IN" sz="1600" dirty="0"/>
+              <a:t>a multi-spectral satellite </a:t>
+            </a:r>
+            <a:r>
+              <a:rPr lang="en-IN" sz="1600" dirty="0"/>
+              <a:t>image</a:t>
+            </a:r>
+            <a:r>
+              <a:rPr lang="en-IN" sz="1600" dirty="0" smtClean="0"/>
+              <a:t>.</a:t>
+            </a:r>
+          </a:p>
+          <a:p>
+            <a:r>
+              <a:rPr lang="en-IN" sz="1600" dirty="0" smtClean="0"/>
+              <a:t>Problem Type: Multi-class Classification</a:t>
+            </a:r>
+          </a:p>
+          <a:p>
+            <a:r>
+              <a:rPr lang="en-IN" sz="1600" dirty="0" smtClean="0"/>
+              <a:t>Samples</a:t>
+            </a:r>
+          </a:p>
+          <a:p>
+            <a:pPr lvl="1"/>
+            <a:r>
+              <a:rPr lang="en-IN" dirty="0"/>
+              <a:t>T</a:t>
+            </a:r>
+            <a:r>
+              <a:rPr lang="en-IN" dirty="0" smtClean="0"/>
+              <a:t>raining Set: </a:t>
+            </a:r>
+            <a:r>
+              <a:rPr lang="en-IN" dirty="0"/>
+              <a:t>4435 </a:t>
+            </a:r>
             <a:endParaRPr lang="en-IN" dirty="0" smtClean="0"/>
           </a:p>
           <a:p>
+            <a:pPr lvl="1"/>
+            <a:r>
+              <a:rPr lang="en-IN" dirty="0"/>
+              <a:t>T</a:t>
+            </a:r>
             <a:r>
               <a:rPr lang="en-IN" dirty="0" smtClean="0"/>
-              <a:t>Aim: </a:t>
+              <a:t>est Set: </a:t>
             </a:r>
             <a:r>
               <a:rPr lang="en-IN" dirty="0"/>
+              <a:t>2000 </a:t>
+            </a:r>
+            <a:endParaRPr lang="en-IN" dirty="0" smtClean="0"/>
+          </a:p>
+          <a:p>
+            <a:r>
+              <a:rPr lang="en-IN" sz="1600" dirty="0" smtClean="0"/>
+              <a:t>Number of Attributes: 36 (4 </a:t>
+            </a:r>
+            <a:r>
+              <a:rPr lang="en-IN" sz="1600" dirty="0"/>
+              <a:t>spectral bands x 9 pixels in neighbourhood ) </a:t>
+            </a:r>
+            <a:endParaRPr lang="en-IN" sz="1600" dirty="0" smtClean="0"/>
+          </a:p>
+          <a:p>
+            <a:r>
+              <a:rPr lang="en-IN" sz="1600" dirty="0" smtClean="0"/>
+              <a:t>Attributes: </a:t>
+            </a:r>
+            <a:r>
+              <a:rPr lang="en-IN" sz="1600" dirty="0"/>
+              <a:t>The attributes are numerical, in the range 0 to 255</a:t>
+            </a:r>
+            <a:r>
+              <a:rPr lang="en-IN" sz="1600" dirty="0" smtClean="0"/>
+              <a:t>.</a:t>
+            </a:r>
+          </a:p>
+          <a:p>
+            <a:r>
+              <a:rPr lang="en-IN" sz="1600" dirty="0" smtClean="0"/>
+              <a:t>Classification</a:t>
+            </a:r>
+          </a:p>
+          <a:p>
+            <a:pPr lvl="1"/>
+            <a:r>
+              <a:rPr lang="en-IN" dirty="0" smtClean="0"/>
               <a:t> </a:t>
             </a:r>
             <a:r>
-              <a:rPr lang="en-IN" dirty="0" smtClean="0"/>
-              <a:t>Classify </a:t>
-            </a:r>
-            <a:r>
               <a:rPr lang="en-IN" dirty="0"/>
-              <a:t>the given the multi-spectral values in a satellite image</a:t>
+              <a:t>There are 6 decision classes: 1,2,3,4,5 and 7</a:t>
             </a:r>
             <a:r>
               <a:rPr lang="en-IN" dirty="0" smtClean="0"/>
               <a:t>.</a:t>
             </a:r>
-          </a:p>
-          <a:p>
             <a:endParaRPr lang="en-IN" dirty="0"/>
           </a:p>
         </p:txBody>
@@ -24926,8 +26007,8 @@
           <a:lstStyle/>
           <a:p>
             <a:r>
-              <a:rPr lang="en-IN" dirty="0" smtClean="0"/>
-              <a:t>Satellite Image Classification - The Outliers</a:t>
+              <a:rPr lang="en-IN" smtClean="0"/>
+              <a:t>Satellite Image Classification</a:t>
             </a:r>
             <a:endParaRPr lang="en-IN" dirty="0"/>
           </a:p>
@@ -24953,6 +26034,154 @@
               <a:t>3</a:t>
             </a:fld>
             <a:endParaRPr lang="en-IN"/>
+          </a:p>
+        </p:txBody>
+      </p:sp>
+      <p:sp>
+        <p:nvSpPr>
+          <p:cNvPr id="6" name="Footer Placeholder 2"/>
+          <p:cNvSpPr txBox="1">
+            <a:spLocks/>
+          </p:cNvSpPr>
+          <p:nvPr/>
+        </p:nvSpPr>
+        <p:spPr>
+          <a:xfrm>
+            <a:off x="5033631" y="6362342"/>
+            <a:ext cx="3859795" cy="228660"/>
+          </a:xfrm>
+          <a:prstGeom prst="rect">
+            <a:avLst/>
+          </a:prstGeom>
+        </p:spPr>
+        <p:txBody>
+          <a:bodyPr vert="horz" lIns="91440" tIns="45720" rIns="91440" bIns="45720" rtlCol="0" anchor="b"/>
+          <a:lstStyle>
+            <a:defPPr>
+              <a:defRPr lang="en-US"/>
+            </a:defPPr>
+            <a:lvl1pPr marL="0" algn="l" defTabSz="914400" rtl="0" eaLnBrk="1" latinLnBrk="0" hangingPunct="1">
+              <a:defRPr sz="900" b="1" i="0" kern="1200">
+                <a:solidFill>
+                  <a:schemeClr val="accent1"/>
+                </a:solidFill>
+                <a:latin typeface="+mn-lt"/>
+                <a:ea typeface="+mn-ea"/>
+                <a:cs typeface="+mn-cs"/>
+              </a:defRPr>
+            </a:lvl1pPr>
+            <a:lvl2pPr marL="457200" algn="l" defTabSz="914400" rtl="0" eaLnBrk="1" latinLnBrk="0" hangingPunct="1">
+              <a:defRPr sz="1800" kern="1200">
+                <a:solidFill>
+                  <a:schemeClr val="tx1"/>
+                </a:solidFill>
+                <a:latin typeface="+mn-lt"/>
+                <a:ea typeface="+mn-ea"/>
+                <a:cs typeface="+mn-cs"/>
+              </a:defRPr>
+            </a:lvl2pPr>
+            <a:lvl3pPr marL="914400" algn="l" defTabSz="914400" rtl="0" eaLnBrk="1" latinLnBrk="0" hangingPunct="1">
+              <a:defRPr sz="1800" kern="1200">
+                <a:solidFill>
+                  <a:schemeClr val="tx1"/>
+                </a:solidFill>
+                <a:latin typeface="+mn-lt"/>
+                <a:ea typeface="+mn-ea"/>
+                <a:cs typeface="+mn-cs"/>
+              </a:defRPr>
+            </a:lvl3pPr>
+            <a:lvl4pPr marL="1371600" algn="l" defTabSz="914400" rtl="0" eaLnBrk="1" latinLnBrk="0" hangingPunct="1">
+              <a:defRPr sz="1800" kern="1200">
+                <a:solidFill>
+                  <a:schemeClr val="tx1"/>
+                </a:solidFill>
+                <a:latin typeface="+mn-lt"/>
+                <a:ea typeface="+mn-ea"/>
+                <a:cs typeface="+mn-cs"/>
+              </a:defRPr>
+            </a:lvl4pPr>
+            <a:lvl5pPr marL="1828800" algn="l" defTabSz="914400" rtl="0" eaLnBrk="1" latinLnBrk="0" hangingPunct="1">
+              <a:defRPr sz="1800" kern="1200">
+                <a:solidFill>
+                  <a:schemeClr val="tx1"/>
+                </a:solidFill>
+                <a:latin typeface="+mn-lt"/>
+                <a:ea typeface="+mn-ea"/>
+                <a:cs typeface="+mn-cs"/>
+              </a:defRPr>
+            </a:lvl5pPr>
+            <a:lvl6pPr marL="2286000" algn="l" defTabSz="914400" rtl="0" eaLnBrk="1" latinLnBrk="0" hangingPunct="1">
+              <a:defRPr sz="1800" kern="1200">
+                <a:solidFill>
+                  <a:schemeClr val="tx1"/>
+                </a:solidFill>
+                <a:latin typeface="+mn-lt"/>
+                <a:ea typeface="+mn-ea"/>
+                <a:cs typeface="+mn-cs"/>
+              </a:defRPr>
+            </a:lvl6pPr>
+            <a:lvl7pPr marL="2743200" algn="l" defTabSz="914400" rtl="0" eaLnBrk="1" latinLnBrk="0" hangingPunct="1">
+              <a:defRPr sz="1800" kern="1200">
+                <a:solidFill>
+                  <a:schemeClr val="tx1"/>
+                </a:solidFill>
+                <a:latin typeface="+mn-lt"/>
+                <a:ea typeface="+mn-ea"/>
+                <a:cs typeface="+mn-cs"/>
+              </a:defRPr>
+            </a:lvl7pPr>
+            <a:lvl8pPr marL="3200400" algn="l" defTabSz="914400" rtl="0" eaLnBrk="1" latinLnBrk="0" hangingPunct="1">
+              <a:defRPr sz="1800" kern="1200">
+                <a:solidFill>
+                  <a:schemeClr val="tx1"/>
+                </a:solidFill>
+                <a:latin typeface="+mn-lt"/>
+                <a:ea typeface="+mn-ea"/>
+                <a:cs typeface="+mn-cs"/>
+              </a:defRPr>
+            </a:lvl8pPr>
+            <a:lvl9pPr marL="3657600" algn="l" defTabSz="914400" rtl="0" eaLnBrk="1" latinLnBrk="0" hangingPunct="1">
+              <a:defRPr sz="1800" kern="1200">
+                <a:solidFill>
+                  <a:schemeClr val="tx1"/>
+                </a:solidFill>
+                <a:latin typeface="+mn-lt"/>
+                <a:ea typeface="+mn-ea"/>
+                <a:cs typeface="+mn-cs"/>
+              </a:defRPr>
+            </a:lvl9pPr>
+          </a:lstStyle>
+          <a:p>
+            <a:pPr algn="r"/>
+            <a:r>
+              <a:rPr lang="en-IN" dirty="0"/>
+              <a:t>The </a:t>
+            </a:r>
+            <a:r>
+              <a:rPr lang="en-IN" dirty="0" smtClean="0"/>
+              <a:t>Outliers - Vishal </a:t>
+            </a:r>
+            <a:r>
+              <a:rPr lang="en-IN" dirty="0" err="1" smtClean="0"/>
+              <a:t>Bhalla</a:t>
+            </a:r>
+            <a:r>
+              <a:rPr lang="en-IN" dirty="0" smtClean="0"/>
+              <a:t> &amp; </a:t>
+            </a:r>
+            <a:r>
+              <a:rPr lang="en-IN" dirty="0" err="1" smtClean="0"/>
+              <a:t>Nithish</a:t>
+            </a:r>
+            <a:r>
+              <a:rPr lang="en-IN" dirty="0" smtClean="0"/>
+              <a:t> </a:t>
+            </a:r>
+            <a:r>
+              <a:rPr lang="en-IN" dirty="0" err="1" smtClean="0"/>
+              <a:t>Raghunandanan</a:t>
+            </a:r>
+            <a:endParaRPr lang="en-IN" dirty="0"/>
           </a:p>
         </p:txBody>
       </p:sp>
@@ -25026,7 +26255,12 @@
             <p:ph idx="1"/>
           </p:nvPr>
         </p:nvSpPr>
-        <p:spPr/>
+        <p:spPr>
+          <a:xfrm>
+            <a:off x="864381" y="2489200"/>
+            <a:ext cx="7384925" cy="1947912"/>
+          </a:xfrm>
+        </p:spPr>
         <p:txBody>
           <a:bodyPr>
             <a:normAutofit/>
@@ -25057,71 +26291,11 @@
           </a:p>
           <a:p>
             <a:r>
-              <a:rPr lang="en-IN" dirty="0" err="1"/>
-              <a:t>Eg</a:t>
-            </a:r>
-            <a:r>
-              <a:rPr lang="en-IN" dirty="0"/>
-              <a:t>. SD1 </a:t>
-            </a:r>
-            <a:r>
-              <a:rPr lang="en-IN" dirty="0" err="1"/>
-              <a:t>SD1</a:t>
-            </a:r>
-            <a:r>
-              <a:rPr lang="en-IN" dirty="0"/>
-              <a:t> </a:t>
-            </a:r>
-            <a:r>
-              <a:rPr lang="en-IN" dirty="0" err="1"/>
-              <a:t>SD1</a:t>
-            </a:r>
-            <a:r>
-              <a:rPr lang="en-IN" dirty="0"/>
-              <a:t> </a:t>
-            </a:r>
-            <a:r>
-              <a:rPr lang="en-IN" dirty="0" err="1"/>
-              <a:t>SD1</a:t>
-            </a:r>
-            <a:r>
-              <a:rPr lang="en-IN" dirty="0"/>
-              <a:t> SD2 </a:t>
-            </a:r>
-            <a:r>
-              <a:rPr lang="en-IN" dirty="0" err="1"/>
-              <a:t>SD2</a:t>
-            </a:r>
-            <a:r>
-              <a:rPr lang="en-IN" dirty="0"/>
-              <a:t> </a:t>
-            </a:r>
-            <a:r>
-              <a:rPr lang="en-IN" dirty="0" err="1"/>
-              <a:t>SD2</a:t>
-            </a:r>
-            <a:r>
-              <a:rPr lang="en-IN" dirty="0"/>
-              <a:t> </a:t>
-            </a:r>
-            <a:r>
-              <a:rPr lang="en-IN" dirty="0" err="1" smtClean="0"/>
-              <a:t>SD2</a:t>
-            </a:r>
-            <a:r>
               <a:rPr lang="en-IN" dirty="0" smtClean="0"/>
-              <a:t>..</a:t>
-            </a:r>
-          </a:p>
-          <a:p>
-            <a:r>
-              <a:rPr lang="en-IN" dirty="0" smtClean="0"/>
-              <a:t>SD1 SD2 SD3 SD4..</a:t>
-            </a:r>
-            <a:endParaRPr lang="en-IN" dirty="0"/>
-          </a:p>
-          <a:p>
-            <a:pPr lvl="1"/>
+              <a:t>Example</a:t>
+            </a:r>
+          </a:p>
+          <a:p>
             <a:endParaRPr lang="en-IN" dirty="0" smtClean="0"/>
           </a:p>
         </p:txBody>
@@ -25143,7 +26317,7 @@
           <a:p>
             <a:r>
               <a:rPr lang="en-IN" smtClean="0"/>
-              <a:t>Satellite Image Classification - The Outliers</a:t>
+              <a:t>Satellite Image Classification</a:t>
             </a:r>
             <a:endParaRPr lang="en-IN"/>
           </a:p>
@@ -25169,6 +26343,917 @@
               <a:t>4</a:t>
             </a:fld>
             <a:endParaRPr lang="en-IN"/>
+          </a:p>
+        </p:txBody>
+      </p:sp>
+      <p:grpSp>
+        <p:nvGrpSpPr>
+          <p:cNvPr id="32" name="Group 31"/>
+          <p:cNvGrpSpPr/>
+          <p:nvPr/>
+        </p:nvGrpSpPr>
+        <p:grpSpPr>
+          <a:xfrm>
+            <a:off x="1348700" y="4731318"/>
+            <a:ext cx="6967716" cy="1073946"/>
+            <a:chOff x="731853" y="4515841"/>
+            <a:chExt cx="6967716" cy="1073946"/>
+          </a:xfrm>
+        </p:grpSpPr>
+        <p:grpSp>
+          <p:nvGrpSpPr>
+            <p:cNvPr id="16" name="Group 15"/>
+            <p:cNvGrpSpPr/>
+            <p:nvPr/>
+          </p:nvGrpSpPr>
+          <p:grpSpPr>
+            <a:xfrm>
+              <a:off x="4341519" y="4517355"/>
+              <a:ext cx="3358050" cy="433562"/>
+              <a:chOff x="1835696" y="4508424"/>
+              <a:chExt cx="3358050" cy="433562"/>
+            </a:xfrm>
+          </p:grpSpPr>
+          <p:sp>
+            <p:nvSpPr>
+              <p:cNvPr id="11" name="Rectangle 10"/>
+              <p:cNvSpPr/>
+              <p:nvPr/>
+            </p:nvSpPr>
+            <p:spPr>
+              <a:xfrm>
+                <a:off x="1835696" y="4509120"/>
+                <a:ext cx="720080" cy="432048"/>
+              </a:xfrm>
+              <a:prstGeom prst="rect">
+                <a:avLst/>
+              </a:prstGeom>
+            </p:spPr>
+            <p:style>
+              <a:lnRef idx="2">
+                <a:schemeClr val="accent1">
+                  <a:shade val="50000"/>
+                </a:schemeClr>
+              </a:lnRef>
+              <a:fillRef idx="1">
+                <a:schemeClr val="accent1"/>
+              </a:fillRef>
+              <a:effectRef idx="0">
+                <a:schemeClr val="accent1"/>
+              </a:effectRef>
+              <a:fontRef idx="minor">
+                <a:schemeClr val="lt1"/>
+              </a:fontRef>
+            </p:style>
+            <p:txBody>
+              <a:bodyPr rtlCol="0" anchor="ctr"/>
+              <a:lstStyle/>
+              <a:p>
+                <a:pPr algn="ctr"/>
+                <a:r>
+                  <a:rPr lang="en-IN" dirty="0" smtClean="0"/>
+                  <a:t>S1.2</a:t>
+                </a:r>
+              </a:p>
+            </p:txBody>
+          </p:sp>
+          <p:sp>
+            <p:nvSpPr>
+              <p:cNvPr id="12" name="Rectangle 11"/>
+              <p:cNvSpPr/>
+              <p:nvPr/>
+            </p:nvSpPr>
+            <p:spPr>
+              <a:xfrm>
+                <a:off x="3563888" y="4509120"/>
+                <a:ext cx="720080" cy="432048"/>
+              </a:xfrm>
+              <a:prstGeom prst="rect">
+                <a:avLst/>
+              </a:prstGeom>
+            </p:spPr>
+            <p:style>
+              <a:lnRef idx="2">
+                <a:schemeClr val="accent1">
+                  <a:shade val="50000"/>
+                </a:schemeClr>
+              </a:lnRef>
+              <a:fillRef idx="1">
+                <a:schemeClr val="accent1"/>
+              </a:fillRef>
+              <a:effectRef idx="0">
+                <a:schemeClr val="accent1"/>
+              </a:effectRef>
+              <a:fontRef idx="minor">
+                <a:schemeClr val="lt1"/>
+              </a:fontRef>
+            </p:style>
+            <p:txBody>
+              <a:bodyPr rtlCol="0" anchor="ctr"/>
+              <a:lstStyle/>
+              <a:p>
+                <a:pPr algn="ctr"/>
+                <a:r>
+                  <a:rPr lang="en-IN" dirty="0" smtClean="0"/>
+                  <a:t>S3.2</a:t>
+                </a:r>
+              </a:p>
+            </p:txBody>
+          </p:sp>
+          <p:sp>
+            <p:nvSpPr>
+              <p:cNvPr id="13" name="Rectangle 12"/>
+              <p:cNvSpPr/>
+              <p:nvPr/>
+            </p:nvSpPr>
+            <p:spPr>
+              <a:xfrm>
+                <a:off x="4473666" y="4509938"/>
+                <a:ext cx="720080" cy="432048"/>
+              </a:xfrm>
+              <a:prstGeom prst="rect">
+                <a:avLst/>
+              </a:prstGeom>
+            </p:spPr>
+            <p:style>
+              <a:lnRef idx="2">
+                <a:schemeClr val="accent1">
+                  <a:shade val="50000"/>
+                </a:schemeClr>
+              </a:lnRef>
+              <a:fillRef idx="1">
+                <a:schemeClr val="accent1"/>
+              </a:fillRef>
+              <a:effectRef idx="0">
+                <a:schemeClr val="accent1"/>
+              </a:effectRef>
+              <a:fontRef idx="minor">
+                <a:schemeClr val="lt1"/>
+              </a:fontRef>
+            </p:style>
+            <p:txBody>
+              <a:bodyPr rtlCol="0" anchor="ctr"/>
+              <a:lstStyle/>
+              <a:p>
+                <a:pPr algn="ctr"/>
+                <a:r>
+                  <a:rPr lang="en-IN" dirty="0" smtClean="0"/>
+                  <a:t>S4.2</a:t>
+                </a:r>
+              </a:p>
+            </p:txBody>
+          </p:sp>
+          <p:sp>
+            <p:nvSpPr>
+              <p:cNvPr id="14" name="Rectangle 13"/>
+              <p:cNvSpPr/>
+              <p:nvPr/>
+            </p:nvSpPr>
+            <p:spPr>
+              <a:xfrm>
+                <a:off x="2699792" y="4508424"/>
+                <a:ext cx="720080" cy="432048"/>
+              </a:xfrm>
+              <a:prstGeom prst="rect">
+                <a:avLst/>
+              </a:prstGeom>
+            </p:spPr>
+            <p:style>
+              <a:lnRef idx="2">
+                <a:schemeClr val="accent1">
+                  <a:shade val="50000"/>
+                </a:schemeClr>
+              </a:lnRef>
+              <a:fillRef idx="1">
+                <a:schemeClr val="accent1"/>
+              </a:fillRef>
+              <a:effectRef idx="0">
+                <a:schemeClr val="accent1"/>
+              </a:effectRef>
+              <a:fontRef idx="minor">
+                <a:schemeClr val="lt1"/>
+              </a:fontRef>
+            </p:style>
+            <p:txBody>
+              <a:bodyPr rtlCol="0" anchor="ctr"/>
+              <a:lstStyle/>
+              <a:p>
+                <a:pPr algn="ctr"/>
+                <a:r>
+                  <a:rPr lang="en-IN" dirty="0" smtClean="0"/>
+                  <a:t>S2.2</a:t>
+                </a:r>
+              </a:p>
+            </p:txBody>
+          </p:sp>
+        </p:grpSp>
+        <p:grpSp>
+          <p:nvGrpSpPr>
+            <p:cNvPr id="17" name="Group 16"/>
+            <p:cNvGrpSpPr/>
+            <p:nvPr/>
+          </p:nvGrpSpPr>
+          <p:grpSpPr>
+            <a:xfrm>
+              <a:off x="731853" y="5156225"/>
+              <a:ext cx="3358050" cy="433562"/>
+              <a:chOff x="1835696" y="4508424"/>
+              <a:chExt cx="3358050" cy="433562"/>
+            </a:xfrm>
+          </p:grpSpPr>
+          <p:sp>
+            <p:nvSpPr>
+              <p:cNvPr id="18" name="Rectangle 17"/>
+              <p:cNvSpPr/>
+              <p:nvPr/>
+            </p:nvSpPr>
+            <p:spPr>
+              <a:xfrm>
+                <a:off x="1835696" y="4509120"/>
+                <a:ext cx="720080" cy="432048"/>
+              </a:xfrm>
+              <a:prstGeom prst="rect">
+                <a:avLst/>
+              </a:prstGeom>
+            </p:spPr>
+            <p:style>
+              <a:lnRef idx="2">
+                <a:schemeClr val="accent1">
+                  <a:shade val="50000"/>
+                </a:schemeClr>
+              </a:lnRef>
+              <a:fillRef idx="1">
+                <a:schemeClr val="accent1"/>
+              </a:fillRef>
+              <a:effectRef idx="0">
+                <a:schemeClr val="accent1"/>
+              </a:effectRef>
+              <a:fontRef idx="minor">
+                <a:schemeClr val="lt1"/>
+              </a:fontRef>
+            </p:style>
+            <p:txBody>
+              <a:bodyPr rtlCol="0" anchor="ctr"/>
+              <a:lstStyle/>
+              <a:p>
+                <a:pPr algn="ctr"/>
+                <a:r>
+                  <a:rPr lang="en-IN" dirty="0" smtClean="0"/>
+                  <a:t>S1.1</a:t>
+                </a:r>
+              </a:p>
+            </p:txBody>
+          </p:sp>
+          <p:sp>
+            <p:nvSpPr>
+              <p:cNvPr id="19" name="Rectangle 18"/>
+              <p:cNvSpPr/>
+              <p:nvPr/>
+            </p:nvSpPr>
+            <p:spPr>
+              <a:xfrm>
+                <a:off x="3563888" y="4509120"/>
+                <a:ext cx="720080" cy="432048"/>
+              </a:xfrm>
+              <a:prstGeom prst="rect">
+                <a:avLst/>
+              </a:prstGeom>
+            </p:spPr>
+            <p:style>
+              <a:lnRef idx="2">
+                <a:schemeClr val="accent1">
+                  <a:shade val="50000"/>
+                </a:schemeClr>
+              </a:lnRef>
+              <a:fillRef idx="1">
+                <a:schemeClr val="accent1"/>
+              </a:fillRef>
+              <a:effectRef idx="0">
+                <a:schemeClr val="accent1"/>
+              </a:effectRef>
+              <a:fontRef idx="minor">
+                <a:schemeClr val="lt1"/>
+              </a:fontRef>
+            </p:style>
+            <p:txBody>
+              <a:bodyPr rtlCol="0" anchor="ctr"/>
+              <a:lstStyle/>
+              <a:p>
+                <a:pPr algn="ctr"/>
+                <a:r>
+                  <a:rPr lang="en-IN" dirty="0" smtClean="0"/>
+                  <a:t>S2.1</a:t>
+                </a:r>
+              </a:p>
+            </p:txBody>
+          </p:sp>
+          <p:sp>
+            <p:nvSpPr>
+              <p:cNvPr id="20" name="Rectangle 19"/>
+              <p:cNvSpPr/>
+              <p:nvPr/>
+            </p:nvSpPr>
+            <p:spPr>
+              <a:xfrm>
+                <a:off x="4473666" y="4509938"/>
+                <a:ext cx="720080" cy="432048"/>
+              </a:xfrm>
+              <a:prstGeom prst="rect">
+                <a:avLst/>
+              </a:prstGeom>
+            </p:spPr>
+            <p:style>
+              <a:lnRef idx="2">
+                <a:schemeClr val="accent1">
+                  <a:shade val="50000"/>
+                </a:schemeClr>
+              </a:lnRef>
+              <a:fillRef idx="1">
+                <a:schemeClr val="accent1"/>
+              </a:fillRef>
+              <a:effectRef idx="0">
+                <a:schemeClr val="accent1"/>
+              </a:effectRef>
+              <a:fontRef idx="minor">
+                <a:schemeClr val="lt1"/>
+              </a:fontRef>
+            </p:style>
+            <p:txBody>
+              <a:bodyPr rtlCol="0" anchor="ctr"/>
+              <a:lstStyle/>
+              <a:p>
+                <a:pPr algn="ctr"/>
+                <a:r>
+                  <a:rPr lang="en-IN" dirty="0" smtClean="0"/>
+                  <a:t>S2.2</a:t>
+                </a:r>
+              </a:p>
+            </p:txBody>
+          </p:sp>
+          <p:sp>
+            <p:nvSpPr>
+              <p:cNvPr id="21" name="Rectangle 20"/>
+              <p:cNvSpPr/>
+              <p:nvPr/>
+            </p:nvSpPr>
+            <p:spPr>
+              <a:xfrm>
+                <a:off x="2699792" y="4508424"/>
+                <a:ext cx="720080" cy="432048"/>
+              </a:xfrm>
+              <a:prstGeom prst="rect">
+                <a:avLst/>
+              </a:prstGeom>
+            </p:spPr>
+            <p:style>
+              <a:lnRef idx="2">
+                <a:schemeClr val="accent1">
+                  <a:shade val="50000"/>
+                </a:schemeClr>
+              </a:lnRef>
+              <a:fillRef idx="1">
+                <a:schemeClr val="accent1"/>
+              </a:fillRef>
+              <a:effectRef idx="0">
+                <a:schemeClr val="accent1"/>
+              </a:effectRef>
+              <a:fontRef idx="minor">
+                <a:schemeClr val="lt1"/>
+              </a:fontRef>
+            </p:style>
+            <p:txBody>
+              <a:bodyPr rtlCol="0" anchor="ctr"/>
+              <a:lstStyle/>
+              <a:p>
+                <a:pPr algn="ctr"/>
+                <a:r>
+                  <a:rPr lang="en-IN" dirty="0" smtClean="0"/>
+                  <a:t>S1.2</a:t>
+                </a:r>
+              </a:p>
+            </p:txBody>
+          </p:sp>
+        </p:grpSp>
+        <p:grpSp>
+          <p:nvGrpSpPr>
+            <p:cNvPr id="22" name="Group 21"/>
+            <p:cNvGrpSpPr/>
+            <p:nvPr/>
+          </p:nvGrpSpPr>
+          <p:grpSpPr>
+            <a:xfrm>
+              <a:off x="731853" y="4515841"/>
+              <a:ext cx="3358050" cy="433562"/>
+              <a:chOff x="1835696" y="4508424"/>
+              <a:chExt cx="3358050" cy="433562"/>
+            </a:xfrm>
+          </p:grpSpPr>
+          <p:sp>
+            <p:nvSpPr>
+              <p:cNvPr id="23" name="Rectangle 22"/>
+              <p:cNvSpPr/>
+              <p:nvPr/>
+            </p:nvSpPr>
+            <p:spPr>
+              <a:xfrm>
+                <a:off x="1835696" y="4509120"/>
+                <a:ext cx="720080" cy="432048"/>
+              </a:xfrm>
+              <a:prstGeom prst="rect">
+                <a:avLst/>
+              </a:prstGeom>
+            </p:spPr>
+            <p:style>
+              <a:lnRef idx="2">
+                <a:schemeClr val="accent1">
+                  <a:shade val="50000"/>
+                </a:schemeClr>
+              </a:lnRef>
+              <a:fillRef idx="1">
+                <a:schemeClr val="accent1"/>
+              </a:fillRef>
+              <a:effectRef idx="0">
+                <a:schemeClr val="accent1"/>
+              </a:effectRef>
+              <a:fontRef idx="minor">
+                <a:schemeClr val="lt1"/>
+              </a:fontRef>
+            </p:style>
+            <p:txBody>
+              <a:bodyPr rtlCol="0" anchor="ctr"/>
+              <a:lstStyle/>
+              <a:p>
+                <a:pPr algn="ctr"/>
+                <a:r>
+                  <a:rPr lang="en-IN" dirty="0" smtClean="0"/>
+                  <a:t>S1.1</a:t>
+                </a:r>
+              </a:p>
+            </p:txBody>
+          </p:sp>
+          <p:sp>
+            <p:nvSpPr>
+              <p:cNvPr id="24" name="Rectangle 23"/>
+              <p:cNvSpPr/>
+              <p:nvPr/>
+            </p:nvSpPr>
+            <p:spPr>
+              <a:xfrm>
+                <a:off x="3563888" y="4509120"/>
+                <a:ext cx="720080" cy="432048"/>
+              </a:xfrm>
+              <a:prstGeom prst="rect">
+                <a:avLst/>
+              </a:prstGeom>
+            </p:spPr>
+            <p:style>
+              <a:lnRef idx="2">
+                <a:schemeClr val="accent1">
+                  <a:shade val="50000"/>
+                </a:schemeClr>
+              </a:lnRef>
+              <a:fillRef idx="1">
+                <a:schemeClr val="accent1"/>
+              </a:fillRef>
+              <a:effectRef idx="0">
+                <a:schemeClr val="accent1"/>
+              </a:effectRef>
+              <a:fontRef idx="minor">
+                <a:schemeClr val="lt1"/>
+              </a:fontRef>
+            </p:style>
+            <p:txBody>
+              <a:bodyPr rtlCol="0" anchor="ctr"/>
+              <a:lstStyle/>
+              <a:p>
+                <a:pPr algn="ctr"/>
+                <a:r>
+                  <a:rPr lang="en-IN" dirty="0" smtClean="0"/>
+                  <a:t>S3.1</a:t>
+                </a:r>
+              </a:p>
+            </p:txBody>
+          </p:sp>
+          <p:sp>
+            <p:nvSpPr>
+              <p:cNvPr id="25" name="Rectangle 24"/>
+              <p:cNvSpPr/>
+              <p:nvPr/>
+            </p:nvSpPr>
+            <p:spPr>
+              <a:xfrm>
+                <a:off x="4473666" y="4509938"/>
+                <a:ext cx="720080" cy="432048"/>
+              </a:xfrm>
+              <a:prstGeom prst="rect">
+                <a:avLst/>
+              </a:prstGeom>
+            </p:spPr>
+            <p:style>
+              <a:lnRef idx="2">
+                <a:schemeClr val="accent1">
+                  <a:shade val="50000"/>
+                </a:schemeClr>
+              </a:lnRef>
+              <a:fillRef idx="1">
+                <a:schemeClr val="accent1"/>
+              </a:fillRef>
+              <a:effectRef idx="0">
+                <a:schemeClr val="accent1"/>
+              </a:effectRef>
+              <a:fontRef idx="minor">
+                <a:schemeClr val="lt1"/>
+              </a:fontRef>
+            </p:style>
+            <p:txBody>
+              <a:bodyPr rtlCol="0" anchor="ctr"/>
+              <a:lstStyle/>
+              <a:p>
+                <a:pPr algn="ctr"/>
+                <a:r>
+                  <a:rPr lang="en-IN" dirty="0" smtClean="0"/>
+                  <a:t>S4.1</a:t>
+                </a:r>
+              </a:p>
+            </p:txBody>
+          </p:sp>
+          <p:sp>
+            <p:nvSpPr>
+              <p:cNvPr id="26" name="Rectangle 25"/>
+              <p:cNvSpPr/>
+              <p:nvPr/>
+            </p:nvSpPr>
+            <p:spPr>
+              <a:xfrm>
+                <a:off x="2699792" y="4508424"/>
+                <a:ext cx="720080" cy="432048"/>
+              </a:xfrm>
+              <a:prstGeom prst="rect">
+                <a:avLst/>
+              </a:prstGeom>
+            </p:spPr>
+            <p:style>
+              <a:lnRef idx="2">
+                <a:schemeClr val="accent1">
+                  <a:shade val="50000"/>
+                </a:schemeClr>
+              </a:lnRef>
+              <a:fillRef idx="1">
+                <a:schemeClr val="accent1"/>
+              </a:fillRef>
+              <a:effectRef idx="0">
+                <a:schemeClr val="accent1"/>
+              </a:effectRef>
+              <a:fontRef idx="minor">
+                <a:schemeClr val="lt1"/>
+              </a:fontRef>
+            </p:style>
+            <p:txBody>
+              <a:bodyPr rtlCol="0" anchor="ctr"/>
+              <a:lstStyle/>
+              <a:p>
+                <a:pPr algn="ctr"/>
+                <a:r>
+                  <a:rPr lang="en-IN" dirty="0" smtClean="0"/>
+                  <a:t>S2.1</a:t>
+                </a:r>
+              </a:p>
+            </p:txBody>
+          </p:sp>
+        </p:grpSp>
+        <p:grpSp>
+          <p:nvGrpSpPr>
+            <p:cNvPr id="27" name="Group 26"/>
+            <p:cNvGrpSpPr/>
+            <p:nvPr/>
+          </p:nvGrpSpPr>
+          <p:grpSpPr>
+            <a:xfrm>
+              <a:off x="4341519" y="5154711"/>
+              <a:ext cx="3358050" cy="433562"/>
+              <a:chOff x="1835696" y="4508424"/>
+              <a:chExt cx="3358050" cy="433562"/>
+            </a:xfrm>
+          </p:grpSpPr>
+          <p:sp>
+            <p:nvSpPr>
+              <p:cNvPr id="28" name="Rectangle 27"/>
+              <p:cNvSpPr/>
+              <p:nvPr/>
+            </p:nvSpPr>
+            <p:spPr>
+              <a:xfrm>
+                <a:off x="1835696" y="4509120"/>
+                <a:ext cx="720080" cy="432048"/>
+              </a:xfrm>
+              <a:prstGeom prst="rect">
+                <a:avLst/>
+              </a:prstGeom>
+            </p:spPr>
+            <p:style>
+              <a:lnRef idx="2">
+                <a:schemeClr val="accent1">
+                  <a:shade val="50000"/>
+                </a:schemeClr>
+              </a:lnRef>
+              <a:fillRef idx="1">
+                <a:schemeClr val="accent1"/>
+              </a:fillRef>
+              <a:effectRef idx="0">
+                <a:schemeClr val="accent1"/>
+              </a:effectRef>
+              <a:fontRef idx="minor">
+                <a:schemeClr val="lt1"/>
+              </a:fontRef>
+            </p:style>
+            <p:txBody>
+              <a:bodyPr rtlCol="0" anchor="ctr"/>
+              <a:lstStyle/>
+              <a:p>
+                <a:pPr algn="ctr"/>
+                <a:r>
+                  <a:rPr lang="en-IN" dirty="0" smtClean="0"/>
+                  <a:t>S3.1</a:t>
+                </a:r>
+              </a:p>
+            </p:txBody>
+          </p:sp>
+          <p:sp>
+            <p:nvSpPr>
+              <p:cNvPr id="29" name="Rectangle 28"/>
+              <p:cNvSpPr/>
+              <p:nvPr/>
+            </p:nvSpPr>
+            <p:spPr>
+              <a:xfrm>
+                <a:off x="3563888" y="4509120"/>
+                <a:ext cx="720080" cy="432048"/>
+              </a:xfrm>
+              <a:prstGeom prst="rect">
+                <a:avLst/>
+              </a:prstGeom>
+            </p:spPr>
+            <p:style>
+              <a:lnRef idx="2">
+                <a:schemeClr val="accent1">
+                  <a:shade val="50000"/>
+                </a:schemeClr>
+              </a:lnRef>
+              <a:fillRef idx="1">
+                <a:schemeClr val="accent1"/>
+              </a:fillRef>
+              <a:effectRef idx="0">
+                <a:schemeClr val="accent1"/>
+              </a:effectRef>
+              <a:fontRef idx="minor">
+                <a:schemeClr val="lt1"/>
+              </a:fontRef>
+            </p:style>
+            <p:txBody>
+              <a:bodyPr rtlCol="0" anchor="ctr"/>
+              <a:lstStyle/>
+              <a:p>
+                <a:pPr algn="ctr"/>
+                <a:r>
+                  <a:rPr lang="en-IN" dirty="0" smtClean="0"/>
+                  <a:t>S4.1</a:t>
+                </a:r>
+              </a:p>
+            </p:txBody>
+          </p:sp>
+          <p:sp>
+            <p:nvSpPr>
+              <p:cNvPr id="30" name="Rectangle 29"/>
+              <p:cNvSpPr/>
+              <p:nvPr/>
+            </p:nvSpPr>
+            <p:spPr>
+              <a:xfrm>
+                <a:off x="4473666" y="4509938"/>
+                <a:ext cx="720080" cy="432048"/>
+              </a:xfrm>
+              <a:prstGeom prst="rect">
+                <a:avLst/>
+              </a:prstGeom>
+            </p:spPr>
+            <p:style>
+              <a:lnRef idx="2">
+                <a:schemeClr val="accent1">
+                  <a:shade val="50000"/>
+                </a:schemeClr>
+              </a:lnRef>
+              <a:fillRef idx="1">
+                <a:schemeClr val="accent1"/>
+              </a:fillRef>
+              <a:effectRef idx="0">
+                <a:schemeClr val="accent1"/>
+              </a:effectRef>
+              <a:fontRef idx="minor">
+                <a:schemeClr val="lt1"/>
+              </a:fontRef>
+            </p:style>
+            <p:txBody>
+              <a:bodyPr rtlCol="0" anchor="ctr"/>
+              <a:lstStyle/>
+              <a:p>
+                <a:pPr algn="ctr"/>
+                <a:r>
+                  <a:rPr lang="en-IN" dirty="0" smtClean="0"/>
+                  <a:t>S4.2</a:t>
+                </a:r>
+              </a:p>
+            </p:txBody>
+          </p:sp>
+          <p:sp>
+            <p:nvSpPr>
+              <p:cNvPr id="31" name="Rectangle 30"/>
+              <p:cNvSpPr/>
+              <p:nvPr/>
+            </p:nvSpPr>
+            <p:spPr>
+              <a:xfrm>
+                <a:off x="2699792" y="4508424"/>
+                <a:ext cx="720080" cy="432048"/>
+              </a:xfrm>
+              <a:prstGeom prst="rect">
+                <a:avLst/>
+              </a:prstGeom>
+            </p:spPr>
+            <p:style>
+              <a:lnRef idx="2">
+                <a:schemeClr val="accent1">
+                  <a:shade val="50000"/>
+                </a:schemeClr>
+              </a:lnRef>
+              <a:fillRef idx="1">
+                <a:schemeClr val="accent1"/>
+              </a:fillRef>
+              <a:effectRef idx="0">
+                <a:schemeClr val="accent1"/>
+              </a:effectRef>
+              <a:fontRef idx="minor">
+                <a:schemeClr val="lt1"/>
+              </a:fontRef>
+            </p:style>
+            <p:txBody>
+              <a:bodyPr rtlCol="0" anchor="ctr"/>
+              <a:lstStyle/>
+              <a:p>
+                <a:pPr algn="ctr"/>
+                <a:r>
+                  <a:rPr lang="en-IN" dirty="0" smtClean="0"/>
+                  <a:t>S3.2</a:t>
+                </a:r>
+              </a:p>
+            </p:txBody>
+          </p:sp>
+        </p:grpSp>
+      </p:grpSp>
+      <p:sp>
+        <p:nvSpPr>
+          <p:cNvPr id="33" name="Footer Placeholder 2"/>
+          <p:cNvSpPr txBox="1">
+            <a:spLocks/>
+          </p:cNvSpPr>
+          <p:nvPr/>
+        </p:nvSpPr>
+        <p:spPr>
+          <a:xfrm>
+            <a:off x="5033631" y="6362342"/>
+            <a:ext cx="3859795" cy="228660"/>
+          </a:xfrm>
+          <a:prstGeom prst="rect">
+            <a:avLst/>
+          </a:prstGeom>
+        </p:spPr>
+        <p:txBody>
+          <a:bodyPr vert="horz" lIns="91440" tIns="45720" rIns="91440" bIns="45720" rtlCol="0" anchor="b"/>
+          <a:lstStyle>
+            <a:defPPr>
+              <a:defRPr lang="en-US"/>
+            </a:defPPr>
+            <a:lvl1pPr marL="0" algn="l" defTabSz="914400" rtl="0" eaLnBrk="1" latinLnBrk="0" hangingPunct="1">
+              <a:defRPr sz="900" b="1" i="0" kern="1200">
+                <a:solidFill>
+                  <a:schemeClr val="accent1"/>
+                </a:solidFill>
+                <a:latin typeface="+mn-lt"/>
+                <a:ea typeface="+mn-ea"/>
+                <a:cs typeface="+mn-cs"/>
+              </a:defRPr>
+            </a:lvl1pPr>
+            <a:lvl2pPr marL="457200" algn="l" defTabSz="914400" rtl="0" eaLnBrk="1" latinLnBrk="0" hangingPunct="1">
+              <a:defRPr sz="1800" kern="1200">
+                <a:solidFill>
+                  <a:schemeClr val="tx1"/>
+                </a:solidFill>
+                <a:latin typeface="+mn-lt"/>
+                <a:ea typeface="+mn-ea"/>
+                <a:cs typeface="+mn-cs"/>
+              </a:defRPr>
+            </a:lvl2pPr>
+            <a:lvl3pPr marL="914400" algn="l" defTabSz="914400" rtl="0" eaLnBrk="1" latinLnBrk="0" hangingPunct="1">
+              <a:defRPr sz="1800" kern="1200">
+                <a:solidFill>
+                  <a:schemeClr val="tx1"/>
+                </a:solidFill>
+                <a:latin typeface="+mn-lt"/>
+                <a:ea typeface="+mn-ea"/>
+                <a:cs typeface="+mn-cs"/>
+              </a:defRPr>
+            </a:lvl3pPr>
+            <a:lvl4pPr marL="1371600" algn="l" defTabSz="914400" rtl="0" eaLnBrk="1" latinLnBrk="0" hangingPunct="1">
+              <a:defRPr sz="1800" kern="1200">
+                <a:solidFill>
+                  <a:schemeClr val="tx1"/>
+                </a:solidFill>
+                <a:latin typeface="+mn-lt"/>
+                <a:ea typeface="+mn-ea"/>
+                <a:cs typeface="+mn-cs"/>
+              </a:defRPr>
+            </a:lvl4pPr>
+            <a:lvl5pPr marL="1828800" algn="l" defTabSz="914400" rtl="0" eaLnBrk="1" latinLnBrk="0" hangingPunct="1">
+              <a:defRPr sz="1800" kern="1200">
+                <a:solidFill>
+                  <a:schemeClr val="tx1"/>
+                </a:solidFill>
+                <a:latin typeface="+mn-lt"/>
+                <a:ea typeface="+mn-ea"/>
+                <a:cs typeface="+mn-cs"/>
+              </a:defRPr>
+            </a:lvl5pPr>
+            <a:lvl6pPr marL="2286000" algn="l" defTabSz="914400" rtl="0" eaLnBrk="1" latinLnBrk="0" hangingPunct="1">
+              <a:defRPr sz="1800" kern="1200">
+                <a:solidFill>
+                  <a:schemeClr val="tx1"/>
+                </a:solidFill>
+                <a:latin typeface="+mn-lt"/>
+                <a:ea typeface="+mn-ea"/>
+                <a:cs typeface="+mn-cs"/>
+              </a:defRPr>
+            </a:lvl6pPr>
+            <a:lvl7pPr marL="2743200" algn="l" defTabSz="914400" rtl="0" eaLnBrk="1" latinLnBrk="0" hangingPunct="1">
+              <a:defRPr sz="1800" kern="1200">
+                <a:solidFill>
+                  <a:schemeClr val="tx1"/>
+                </a:solidFill>
+                <a:latin typeface="+mn-lt"/>
+                <a:ea typeface="+mn-ea"/>
+                <a:cs typeface="+mn-cs"/>
+              </a:defRPr>
+            </a:lvl7pPr>
+            <a:lvl8pPr marL="3200400" algn="l" defTabSz="914400" rtl="0" eaLnBrk="1" latinLnBrk="0" hangingPunct="1">
+              <a:defRPr sz="1800" kern="1200">
+                <a:solidFill>
+                  <a:schemeClr val="tx1"/>
+                </a:solidFill>
+                <a:latin typeface="+mn-lt"/>
+                <a:ea typeface="+mn-ea"/>
+                <a:cs typeface="+mn-cs"/>
+              </a:defRPr>
+            </a:lvl8pPr>
+            <a:lvl9pPr marL="3657600" algn="l" defTabSz="914400" rtl="0" eaLnBrk="1" latinLnBrk="0" hangingPunct="1">
+              <a:defRPr sz="1800" kern="1200">
+                <a:solidFill>
+                  <a:schemeClr val="tx1"/>
+                </a:solidFill>
+                <a:latin typeface="+mn-lt"/>
+                <a:ea typeface="+mn-ea"/>
+                <a:cs typeface="+mn-cs"/>
+              </a:defRPr>
+            </a:lvl9pPr>
+          </a:lstStyle>
+          <a:p>
+            <a:pPr algn="r"/>
+            <a:r>
+              <a:rPr lang="en-IN" dirty="0"/>
+              <a:t>The </a:t>
+            </a:r>
+            <a:r>
+              <a:rPr lang="en-IN" dirty="0" smtClean="0"/>
+              <a:t>Outliers - Vishal </a:t>
+            </a:r>
+            <a:r>
+              <a:rPr lang="en-IN" dirty="0" err="1" smtClean="0"/>
+              <a:t>Bhalla</a:t>
+            </a:r>
+            <a:r>
+              <a:rPr lang="en-IN" dirty="0" smtClean="0"/>
+              <a:t> &amp; </a:t>
+            </a:r>
+            <a:r>
+              <a:rPr lang="en-IN" dirty="0" err="1" smtClean="0"/>
+              <a:t>Nithish</a:t>
+            </a:r>
+            <a:r>
+              <a:rPr lang="en-IN" dirty="0" smtClean="0"/>
+              <a:t> </a:t>
+            </a:r>
+            <a:r>
+              <a:rPr lang="en-IN" dirty="0" err="1" smtClean="0"/>
+              <a:t>Raghunandanan</a:t>
+            </a:r>
+            <a:endParaRPr lang="en-IN" dirty="0"/>
           </a:p>
         </p:txBody>
       </p:sp>
@@ -25225,14 +27310,14 @@
           <a:lstStyle/>
           <a:p>
             <a:r>
-              <a:rPr lang="en-IN" dirty="0"/>
-              <a:t>Data Pre-processing </a:t>
-            </a:r>
-            <a:r>
               <a:rPr lang="en-IN" dirty="0" smtClean="0"/>
-              <a:t>(2)</a:t>
-            </a:r>
-            <a:endParaRPr lang="en-US" dirty="0"/>
+              <a:t>Data </a:t>
+            </a:r>
+            <a:r>
+              <a:rPr lang="en-IN" dirty="0" smtClean="0"/>
+              <a:t>Pre-processing(2)</a:t>
+            </a:r>
+            <a:endParaRPr lang="en-IN" dirty="0"/>
           </a:p>
         </p:txBody>
       </p:sp>
@@ -25246,84 +27331,109 @@
             <p:ph idx="1"/>
           </p:nvPr>
         </p:nvSpPr>
-        <p:spPr/>
+        <p:spPr>
+          <a:xfrm>
+            <a:off x="864382" y="2489200"/>
+            <a:ext cx="6011874" cy="3316064"/>
+          </a:xfrm>
+        </p:spPr>
         <p:txBody>
           <a:bodyPr>
-            <a:normAutofit lnSpcReduction="10000"/>
+            <a:normAutofit/>
           </a:bodyPr>
           <a:lstStyle/>
           <a:p>
-            <a:r>
-              <a:rPr lang="en-IN" dirty="0" smtClean="0"/>
-              <a:t>Replacement of Missing Values</a:t>
-            </a:r>
-          </a:p>
-          <a:p>
             <a:pPr lvl="1"/>
             <a:r>
-              <a:rPr lang="en-IN" dirty="0" smtClean="0"/>
-              <a:t>Zeros</a:t>
+              <a:rPr lang="en-IN" sz="2000" dirty="0" smtClean="0"/>
+              <a:t>Feature Analysis</a:t>
+            </a:r>
+          </a:p>
+          <a:p>
+            <a:pPr lvl="2">
+              <a:buFont typeface="Wingdings" panose="05000000000000000000" pitchFamily="2" charset="2"/>
+              <a:buChar char="ü"/>
+            </a:pPr>
+            <a:r>
+              <a:rPr lang="en-IN" sz="1800" dirty="0" smtClean="0"/>
+              <a:t>Data </a:t>
+            </a:r>
+            <a:r>
+              <a:rPr lang="en-IN" sz="1800" dirty="0"/>
+              <a:t>i</a:t>
+            </a:r>
+            <a:r>
+              <a:rPr lang="en-IN" sz="1800" dirty="0" smtClean="0"/>
+              <a:t>s in the range of [0,255]</a:t>
+            </a:r>
+          </a:p>
+          <a:p>
+            <a:pPr lvl="2">
+              <a:buFont typeface="Wingdings" panose="05000000000000000000" pitchFamily="2" charset="2"/>
+              <a:buChar char="ü"/>
+            </a:pPr>
+            <a:r>
+              <a:rPr lang="en-IN" sz="1800" dirty="0" smtClean="0"/>
+              <a:t>Normalisation not required</a:t>
             </a:r>
           </a:p>
           <a:p>
             <a:pPr lvl="1"/>
             <a:r>
-              <a:rPr lang="en-IN" dirty="0" smtClean="0"/>
-              <a:t>Column Mean</a:t>
+              <a:rPr lang="en-IN" sz="2000" dirty="0"/>
+              <a:t>Strategies </a:t>
+            </a:r>
+            <a:r>
+              <a:rPr lang="en-IN" sz="2000" dirty="0" smtClean="0"/>
+              <a:t>for Replacement </a:t>
+            </a:r>
+            <a:r>
+              <a:rPr lang="en-IN" sz="2000" dirty="0"/>
+              <a:t>of Missing </a:t>
+            </a:r>
+            <a:r>
+              <a:rPr lang="en-IN" sz="2000" dirty="0" smtClean="0"/>
+              <a:t>Values</a:t>
+            </a:r>
+            <a:endParaRPr lang="en-IN" sz="1800" dirty="0" smtClean="0"/>
+          </a:p>
+          <a:p>
+            <a:pPr lvl="2">
+              <a:buFont typeface="Wingdings" panose="05000000000000000000" pitchFamily="2" charset="2"/>
+              <a:buChar char="ü"/>
+            </a:pPr>
+            <a:r>
+              <a:rPr lang="en-IN" sz="1800" dirty="0"/>
+              <a:t>Row Wise</a:t>
+            </a:r>
+          </a:p>
+          <a:p>
+            <a:pPr lvl="2">
+              <a:buFont typeface="Wingdings" panose="05000000000000000000" pitchFamily="2" charset="2"/>
+              <a:buChar char="ü"/>
+            </a:pPr>
+            <a:r>
+              <a:rPr lang="en-IN" sz="1800" dirty="0"/>
+              <a:t>Column Wise</a:t>
+            </a:r>
+          </a:p>
+          <a:p>
+            <a:pPr lvl="2">
+              <a:buFont typeface="Wingdings" panose="05000000000000000000" pitchFamily="2" charset="2"/>
+              <a:buChar char="ü"/>
+            </a:pPr>
+            <a:r>
+              <a:rPr lang="en-IN" sz="1800" dirty="0"/>
+              <a:t>Spectrum Wise</a:t>
             </a:r>
           </a:p>
           <a:p>
             <a:pPr lvl="1"/>
-            <a:r>
-              <a:rPr lang="en-IN" dirty="0" smtClean="0"/>
-              <a:t>Column Median</a:t>
-            </a:r>
+            <a:endParaRPr lang="en-IN" sz="2000" dirty="0" smtClean="0"/>
           </a:p>
           <a:p>
             <a:pPr lvl="1"/>
-            <a:r>
-              <a:rPr lang="en-IN" dirty="0" smtClean="0"/>
-              <a:t>Row Mean</a:t>
-            </a:r>
-          </a:p>
-          <a:p>
-            <a:pPr lvl="1"/>
-            <a:r>
-              <a:rPr lang="en-IN" dirty="0" smtClean="0"/>
-              <a:t>Row Median</a:t>
-            </a:r>
-          </a:p>
-          <a:p>
-            <a:pPr lvl="1"/>
-            <a:r>
-              <a:rPr lang="en-IN" dirty="0" smtClean="0"/>
-              <a:t>Column Minimum</a:t>
-            </a:r>
-          </a:p>
-          <a:p>
-            <a:pPr lvl="1"/>
-            <a:r>
-              <a:rPr lang="en-IN" dirty="0" smtClean="0"/>
-              <a:t>Column Maximum</a:t>
-            </a:r>
-          </a:p>
-          <a:p>
-            <a:pPr lvl="1"/>
-            <a:r>
-              <a:rPr lang="en-IN" dirty="0"/>
-              <a:t>Row Minimum</a:t>
-            </a:r>
-          </a:p>
-          <a:p>
-            <a:pPr lvl="1"/>
-            <a:r>
-              <a:rPr lang="en-IN" dirty="0"/>
-              <a:t>Row Maximum</a:t>
-            </a:r>
-          </a:p>
-          <a:p>
-            <a:pPr lvl="1"/>
-            <a:endParaRPr lang="en-IN" dirty="0"/>
+            <a:endParaRPr lang="en-IN" sz="2000" dirty="0" smtClean="0"/>
           </a:p>
         </p:txBody>
       </p:sp>
@@ -25344,7 +27454,7 @@
           <a:p>
             <a:r>
               <a:rPr lang="en-IN" smtClean="0"/>
-              <a:t>Satellite Image Classification - The Outliers</a:t>
+              <a:t>Satellite Image Classification</a:t>
             </a:r>
             <a:endParaRPr lang="en-IN"/>
           </a:p>
@@ -25373,10 +27483,158 @@
           </a:p>
         </p:txBody>
       </p:sp>
+      <p:sp>
+        <p:nvSpPr>
+          <p:cNvPr id="6" name="Footer Placeholder 2"/>
+          <p:cNvSpPr txBox="1">
+            <a:spLocks/>
+          </p:cNvSpPr>
+          <p:nvPr/>
+        </p:nvSpPr>
+        <p:spPr>
+          <a:xfrm>
+            <a:off x="5033631" y="6362342"/>
+            <a:ext cx="3859795" cy="228660"/>
+          </a:xfrm>
+          <a:prstGeom prst="rect">
+            <a:avLst/>
+          </a:prstGeom>
+        </p:spPr>
+        <p:txBody>
+          <a:bodyPr vert="horz" lIns="91440" tIns="45720" rIns="91440" bIns="45720" rtlCol="0" anchor="b"/>
+          <a:lstStyle>
+            <a:defPPr>
+              <a:defRPr lang="en-US"/>
+            </a:defPPr>
+            <a:lvl1pPr marL="0" algn="l" defTabSz="914400" rtl="0" eaLnBrk="1" latinLnBrk="0" hangingPunct="1">
+              <a:defRPr sz="900" b="1" i="0" kern="1200">
+                <a:solidFill>
+                  <a:schemeClr val="accent1"/>
+                </a:solidFill>
+                <a:latin typeface="+mn-lt"/>
+                <a:ea typeface="+mn-ea"/>
+                <a:cs typeface="+mn-cs"/>
+              </a:defRPr>
+            </a:lvl1pPr>
+            <a:lvl2pPr marL="457200" algn="l" defTabSz="914400" rtl="0" eaLnBrk="1" latinLnBrk="0" hangingPunct="1">
+              <a:defRPr sz="1800" kern="1200">
+                <a:solidFill>
+                  <a:schemeClr val="tx1"/>
+                </a:solidFill>
+                <a:latin typeface="+mn-lt"/>
+                <a:ea typeface="+mn-ea"/>
+                <a:cs typeface="+mn-cs"/>
+              </a:defRPr>
+            </a:lvl2pPr>
+            <a:lvl3pPr marL="914400" algn="l" defTabSz="914400" rtl="0" eaLnBrk="1" latinLnBrk="0" hangingPunct="1">
+              <a:defRPr sz="1800" kern="1200">
+                <a:solidFill>
+                  <a:schemeClr val="tx1"/>
+                </a:solidFill>
+                <a:latin typeface="+mn-lt"/>
+                <a:ea typeface="+mn-ea"/>
+                <a:cs typeface="+mn-cs"/>
+              </a:defRPr>
+            </a:lvl3pPr>
+            <a:lvl4pPr marL="1371600" algn="l" defTabSz="914400" rtl="0" eaLnBrk="1" latinLnBrk="0" hangingPunct="1">
+              <a:defRPr sz="1800" kern="1200">
+                <a:solidFill>
+                  <a:schemeClr val="tx1"/>
+                </a:solidFill>
+                <a:latin typeface="+mn-lt"/>
+                <a:ea typeface="+mn-ea"/>
+                <a:cs typeface="+mn-cs"/>
+              </a:defRPr>
+            </a:lvl4pPr>
+            <a:lvl5pPr marL="1828800" algn="l" defTabSz="914400" rtl="0" eaLnBrk="1" latinLnBrk="0" hangingPunct="1">
+              <a:defRPr sz="1800" kern="1200">
+                <a:solidFill>
+                  <a:schemeClr val="tx1"/>
+                </a:solidFill>
+                <a:latin typeface="+mn-lt"/>
+                <a:ea typeface="+mn-ea"/>
+                <a:cs typeface="+mn-cs"/>
+              </a:defRPr>
+            </a:lvl5pPr>
+            <a:lvl6pPr marL="2286000" algn="l" defTabSz="914400" rtl="0" eaLnBrk="1" latinLnBrk="0" hangingPunct="1">
+              <a:defRPr sz="1800" kern="1200">
+                <a:solidFill>
+                  <a:schemeClr val="tx1"/>
+                </a:solidFill>
+                <a:latin typeface="+mn-lt"/>
+                <a:ea typeface="+mn-ea"/>
+                <a:cs typeface="+mn-cs"/>
+              </a:defRPr>
+            </a:lvl6pPr>
+            <a:lvl7pPr marL="2743200" algn="l" defTabSz="914400" rtl="0" eaLnBrk="1" latinLnBrk="0" hangingPunct="1">
+              <a:defRPr sz="1800" kern="1200">
+                <a:solidFill>
+                  <a:schemeClr val="tx1"/>
+                </a:solidFill>
+                <a:latin typeface="+mn-lt"/>
+                <a:ea typeface="+mn-ea"/>
+                <a:cs typeface="+mn-cs"/>
+              </a:defRPr>
+            </a:lvl7pPr>
+            <a:lvl8pPr marL="3200400" algn="l" defTabSz="914400" rtl="0" eaLnBrk="1" latinLnBrk="0" hangingPunct="1">
+              <a:defRPr sz="1800" kern="1200">
+                <a:solidFill>
+                  <a:schemeClr val="tx1"/>
+                </a:solidFill>
+                <a:latin typeface="+mn-lt"/>
+                <a:ea typeface="+mn-ea"/>
+                <a:cs typeface="+mn-cs"/>
+              </a:defRPr>
+            </a:lvl8pPr>
+            <a:lvl9pPr marL="3657600" algn="l" defTabSz="914400" rtl="0" eaLnBrk="1" latinLnBrk="0" hangingPunct="1">
+              <a:defRPr sz="1800" kern="1200">
+                <a:solidFill>
+                  <a:schemeClr val="tx1"/>
+                </a:solidFill>
+                <a:latin typeface="+mn-lt"/>
+                <a:ea typeface="+mn-ea"/>
+                <a:cs typeface="+mn-cs"/>
+              </a:defRPr>
+            </a:lvl9pPr>
+          </a:lstStyle>
+          <a:p>
+            <a:pPr algn="r"/>
+            <a:r>
+              <a:rPr lang="en-IN" dirty="0"/>
+              <a:t>The </a:t>
+            </a:r>
+            <a:r>
+              <a:rPr lang="en-IN" dirty="0" smtClean="0"/>
+              <a:t>Outliers - Vishal </a:t>
+            </a:r>
+            <a:r>
+              <a:rPr lang="en-IN" dirty="0" err="1" smtClean="0"/>
+              <a:t>Bhalla</a:t>
+            </a:r>
+            <a:r>
+              <a:rPr lang="en-IN" dirty="0" smtClean="0"/>
+              <a:t> &amp; </a:t>
+            </a:r>
+            <a:r>
+              <a:rPr lang="en-IN" dirty="0" err="1" smtClean="0"/>
+              <a:t>Nithish</a:t>
+            </a:r>
+            <a:r>
+              <a:rPr lang="en-IN" dirty="0" smtClean="0"/>
+              <a:t> </a:t>
+            </a:r>
+            <a:r>
+              <a:rPr lang="en-IN" dirty="0" err="1" smtClean="0"/>
+              <a:t>Raghunandanan</a:t>
+            </a:r>
+            <a:endParaRPr lang="en-IN" dirty="0"/>
+          </a:p>
+        </p:txBody>
+      </p:sp>
     </p:spTree>
     <p:extLst>
       <p:ext uri="{BB962C8B-B14F-4D97-AF65-F5344CB8AC3E}">
-        <p14:creationId xmlns:p14="http://schemas.microsoft.com/office/powerpoint/2010/main" val="3856581288"/>
+        <p14:creationId xmlns:p14="http://schemas.microsoft.com/office/powerpoint/2010/main" val="1706127508"/>
       </p:ext>
     </p:extLst>
   </p:cSld>
@@ -25426,14 +27684,14 @@
           <a:lstStyle/>
           <a:p>
             <a:r>
+              <a:rPr lang="en-IN" dirty="0"/>
+              <a:t>Data Pre-processing </a:t>
+            </a:r>
+            <a:r>
               <a:rPr lang="en-IN" dirty="0" smtClean="0"/>
-              <a:t>Data </a:t>
-            </a:r>
-            <a:r>
-              <a:rPr lang="en-IN" dirty="0" smtClean="0"/>
-              <a:t>Pre-processing(3)</a:t>
-            </a:r>
-            <a:endParaRPr lang="en-IN" dirty="0"/>
+              <a:t>(3)</a:t>
+            </a:r>
+            <a:endParaRPr lang="en-US" dirty="0"/>
           </a:p>
         </p:txBody>
       </p:sp>
@@ -25447,94 +27705,92 @@
             <p:ph idx="1"/>
           </p:nvPr>
         </p:nvSpPr>
-        <p:spPr>
-          <a:xfrm>
-            <a:off x="864382" y="2489200"/>
-            <a:ext cx="6345260" cy="3676104"/>
-          </a:xfrm>
-        </p:spPr>
+        <p:spPr/>
         <p:txBody>
           <a:bodyPr>
             <a:normAutofit/>
           </a:bodyPr>
           <a:lstStyle/>
           <a:p>
-            <a:pPr lvl="1"/>
-            <a:r>
-              <a:rPr lang="en-IN" dirty="0" smtClean="0"/>
-              <a:t>Mid Value</a:t>
-            </a:r>
-          </a:p>
-          <a:p>
-            <a:pPr lvl="1"/>
-            <a:r>
-              <a:rPr lang="en-IN" dirty="0" smtClean="0"/>
-              <a:t>Maximum Value</a:t>
-            </a:r>
-          </a:p>
-          <a:p>
-            <a:pPr lvl="1"/>
-            <a:r>
-              <a:rPr lang="en-IN" dirty="0" smtClean="0"/>
-              <a:t>Minimum Value</a:t>
-            </a:r>
-          </a:p>
-          <a:p>
-            <a:pPr lvl="1"/>
-            <a:r>
-              <a:rPr lang="en-IN" dirty="0" smtClean="0"/>
-              <a:t>Row Spectral Minimum</a:t>
-            </a:r>
-          </a:p>
-          <a:p>
-            <a:pPr lvl="1"/>
-            <a:r>
-              <a:rPr lang="en-IN" dirty="0" smtClean="0"/>
-              <a:t>Row Spectral Maximum</a:t>
-            </a:r>
-          </a:p>
-          <a:p>
-            <a:pPr lvl="1"/>
-            <a:r>
-              <a:rPr lang="en-IN" dirty="0" smtClean="0"/>
-              <a:t>Row Spectral Mean</a:t>
-            </a:r>
-          </a:p>
-          <a:p>
-            <a:pPr lvl="1"/>
-            <a:r>
-              <a:rPr lang="en-IN" dirty="0" smtClean="0"/>
-              <a:t>Row Spectral Median</a:t>
-            </a:r>
-          </a:p>
-          <a:p>
-            <a:pPr lvl="1"/>
-            <a:r>
-              <a:rPr lang="en-IN" dirty="0" smtClean="0"/>
-              <a:t>Row Mode</a:t>
-            </a:r>
-          </a:p>
-          <a:p>
-            <a:pPr lvl="1"/>
-            <a:r>
-              <a:rPr lang="en-IN" dirty="0" smtClean="0"/>
-              <a:t>Column Mode</a:t>
-            </a:r>
-          </a:p>
-          <a:p>
-            <a:pPr lvl="1"/>
-            <a:r>
-              <a:rPr lang="en-IN" dirty="0" smtClean="0"/>
+            <a:r>
+              <a:rPr lang="en-IN" sz="2000" dirty="0" smtClean="0"/>
+              <a:t>Replacement Techniques</a:t>
+            </a:r>
+            <a:endParaRPr lang="en-IN" sz="2000" dirty="0" smtClean="0"/>
+          </a:p>
+          <a:p>
+            <a:pPr lvl="1">
+              <a:buFont typeface="Wingdings" panose="05000000000000000000" pitchFamily="2" charset="2"/>
+              <a:buChar char="ü"/>
+            </a:pPr>
+            <a:r>
+              <a:rPr lang="en-IN" sz="2000" dirty="0"/>
+              <a:t>Zeros &amp; Mid </a:t>
+            </a:r>
+            <a:r>
+              <a:rPr lang="en-IN" sz="2000" dirty="0"/>
+              <a:t> Values</a:t>
+            </a:r>
+          </a:p>
+          <a:p>
+            <a:pPr lvl="1">
+              <a:buFont typeface="Wingdings" panose="05000000000000000000" pitchFamily="2" charset="2"/>
+              <a:buChar char="ü"/>
+            </a:pPr>
+            <a:r>
+              <a:rPr lang="en-IN" sz="2000" dirty="0"/>
+              <a:t>Mean</a:t>
+            </a:r>
+          </a:p>
+          <a:p>
+            <a:pPr lvl="1">
+              <a:buFont typeface="Wingdings" panose="05000000000000000000" pitchFamily="2" charset="2"/>
+              <a:buChar char="ü"/>
+            </a:pPr>
+            <a:r>
+              <a:rPr lang="en-IN" sz="2000" dirty="0"/>
+              <a:t>Median</a:t>
+            </a:r>
+          </a:p>
+          <a:p>
+            <a:pPr lvl="1">
+              <a:buFont typeface="Wingdings" panose="05000000000000000000" pitchFamily="2" charset="2"/>
+              <a:buChar char="ü"/>
+            </a:pPr>
+            <a:r>
+              <a:rPr lang="en-IN" sz="2000" dirty="0"/>
+              <a:t>Mode</a:t>
+            </a:r>
+          </a:p>
+          <a:p>
+            <a:pPr lvl="1">
+              <a:buFont typeface="Wingdings" panose="05000000000000000000" pitchFamily="2" charset="2"/>
+              <a:buChar char="ü"/>
+            </a:pPr>
+            <a:r>
+              <a:rPr lang="en-IN" sz="2000" dirty="0"/>
+              <a:t>Minimum </a:t>
+            </a:r>
+          </a:p>
+          <a:p>
+            <a:pPr lvl="1">
+              <a:buFont typeface="Wingdings" panose="05000000000000000000" pitchFamily="2" charset="2"/>
+              <a:buChar char="ü"/>
+            </a:pPr>
+            <a:r>
+              <a:rPr lang="en-IN" sz="2000" dirty="0"/>
+              <a:t>Maximum </a:t>
+            </a:r>
+          </a:p>
+          <a:p>
+            <a:pPr lvl="1">
+              <a:buFont typeface="Wingdings" panose="05000000000000000000" pitchFamily="2" charset="2"/>
+              <a:buChar char="ü"/>
+            </a:pPr>
+            <a:r>
+              <a:rPr lang="en-IN" sz="2000" dirty="0"/>
               <a:t>Interpolated Values</a:t>
             </a:r>
-          </a:p>
-          <a:p>
-            <a:pPr lvl="1"/>
-            <a:endParaRPr lang="en-IN" dirty="0" smtClean="0"/>
-          </a:p>
-          <a:p>
-            <a:pPr lvl="1"/>
-            <a:endParaRPr lang="en-IN" dirty="0" smtClean="0"/>
           </a:p>
         </p:txBody>
       </p:sp>
@@ -25555,7 +27811,7 @@
           <a:p>
             <a:r>
               <a:rPr lang="en-IN" smtClean="0"/>
-              <a:t>Satellite Image Classification - The Outliers</a:t>
+              <a:t>Satellite Image Classification</a:t>
             </a:r>
             <a:endParaRPr lang="en-IN"/>
           </a:p>
@@ -25584,10 +27840,158 @@
           </a:p>
         </p:txBody>
       </p:sp>
+      <p:sp>
+        <p:nvSpPr>
+          <p:cNvPr id="6" name="Footer Placeholder 2"/>
+          <p:cNvSpPr txBox="1">
+            <a:spLocks/>
+          </p:cNvSpPr>
+          <p:nvPr/>
+        </p:nvSpPr>
+        <p:spPr>
+          <a:xfrm>
+            <a:off x="5033631" y="6362342"/>
+            <a:ext cx="3859795" cy="228660"/>
+          </a:xfrm>
+          <a:prstGeom prst="rect">
+            <a:avLst/>
+          </a:prstGeom>
+        </p:spPr>
+        <p:txBody>
+          <a:bodyPr vert="horz" lIns="91440" tIns="45720" rIns="91440" bIns="45720" rtlCol="0" anchor="b"/>
+          <a:lstStyle>
+            <a:defPPr>
+              <a:defRPr lang="en-US"/>
+            </a:defPPr>
+            <a:lvl1pPr marL="0" algn="l" defTabSz="914400" rtl="0" eaLnBrk="1" latinLnBrk="0" hangingPunct="1">
+              <a:defRPr sz="900" b="1" i="0" kern="1200">
+                <a:solidFill>
+                  <a:schemeClr val="accent1"/>
+                </a:solidFill>
+                <a:latin typeface="+mn-lt"/>
+                <a:ea typeface="+mn-ea"/>
+                <a:cs typeface="+mn-cs"/>
+              </a:defRPr>
+            </a:lvl1pPr>
+            <a:lvl2pPr marL="457200" algn="l" defTabSz="914400" rtl="0" eaLnBrk="1" latinLnBrk="0" hangingPunct="1">
+              <a:defRPr sz="1800" kern="1200">
+                <a:solidFill>
+                  <a:schemeClr val="tx1"/>
+                </a:solidFill>
+                <a:latin typeface="+mn-lt"/>
+                <a:ea typeface="+mn-ea"/>
+                <a:cs typeface="+mn-cs"/>
+              </a:defRPr>
+            </a:lvl2pPr>
+            <a:lvl3pPr marL="914400" algn="l" defTabSz="914400" rtl="0" eaLnBrk="1" latinLnBrk="0" hangingPunct="1">
+              <a:defRPr sz="1800" kern="1200">
+                <a:solidFill>
+                  <a:schemeClr val="tx1"/>
+                </a:solidFill>
+                <a:latin typeface="+mn-lt"/>
+                <a:ea typeface="+mn-ea"/>
+                <a:cs typeface="+mn-cs"/>
+              </a:defRPr>
+            </a:lvl3pPr>
+            <a:lvl4pPr marL="1371600" algn="l" defTabSz="914400" rtl="0" eaLnBrk="1" latinLnBrk="0" hangingPunct="1">
+              <a:defRPr sz="1800" kern="1200">
+                <a:solidFill>
+                  <a:schemeClr val="tx1"/>
+                </a:solidFill>
+                <a:latin typeface="+mn-lt"/>
+                <a:ea typeface="+mn-ea"/>
+                <a:cs typeface="+mn-cs"/>
+              </a:defRPr>
+            </a:lvl4pPr>
+            <a:lvl5pPr marL="1828800" algn="l" defTabSz="914400" rtl="0" eaLnBrk="1" latinLnBrk="0" hangingPunct="1">
+              <a:defRPr sz="1800" kern="1200">
+                <a:solidFill>
+                  <a:schemeClr val="tx1"/>
+                </a:solidFill>
+                <a:latin typeface="+mn-lt"/>
+                <a:ea typeface="+mn-ea"/>
+                <a:cs typeface="+mn-cs"/>
+              </a:defRPr>
+            </a:lvl5pPr>
+            <a:lvl6pPr marL="2286000" algn="l" defTabSz="914400" rtl="0" eaLnBrk="1" latinLnBrk="0" hangingPunct="1">
+              <a:defRPr sz="1800" kern="1200">
+                <a:solidFill>
+                  <a:schemeClr val="tx1"/>
+                </a:solidFill>
+                <a:latin typeface="+mn-lt"/>
+                <a:ea typeface="+mn-ea"/>
+                <a:cs typeface="+mn-cs"/>
+              </a:defRPr>
+            </a:lvl6pPr>
+            <a:lvl7pPr marL="2743200" algn="l" defTabSz="914400" rtl="0" eaLnBrk="1" latinLnBrk="0" hangingPunct="1">
+              <a:defRPr sz="1800" kern="1200">
+                <a:solidFill>
+                  <a:schemeClr val="tx1"/>
+                </a:solidFill>
+                <a:latin typeface="+mn-lt"/>
+                <a:ea typeface="+mn-ea"/>
+                <a:cs typeface="+mn-cs"/>
+              </a:defRPr>
+            </a:lvl7pPr>
+            <a:lvl8pPr marL="3200400" algn="l" defTabSz="914400" rtl="0" eaLnBrk="1" latinLnBrk="0" hangingPunct="1">
+              <a:defRPr sz="1800" kern="1200">
+                <a:solidFill>
+                  <a:schemeClr val="tx1"/>
+                </a:solidFill>
+                <a:latin typeface="+mn-lt"/>
+                <a:ea typeface="+mn-ea"/>
+                <a:cs typeface="+mn-cs"/>
+              </a:defRPr>
+            </a:lvl8pPr>
+            <a:lvl9pPr marL="3657600" algn="l" defTabSz="914400" rtl="0" eaLnBrk="1" latinLnBrk="0" hangingPunct="1">
+              <a:defRPr sz="1800" kern="1200">
+                <a:solidFill>
+                  <a:schemeClr val="tx1"/>
+                </a:solidFill>
+                <a:latin typeface="+mn-lt"/>
+                <a:ea typeface="+mn-ea"/>
+                <a:cs typeface="+mn-cs"/>
+              </a:defRPr>
+            </a:lvl9pPr>
+          </a:lstStyle>
+          <a:p>
+            <a:pPr algn="r"/>
+            <a:r>
+              <a:rPr lang="en-IN" dirty="0"/>
+              <a:t>The </a:t>
+            </a:r>
+            <a:r>
+              <a:rPr lang="en-IN" dirty="0" smtClean="0"/>
+              <a:t>Outliers - Vishal </a:t>
+            </a:r>
+            <a:r>
+              <a:rPr lang="en-IN" dirty="0" err="1" smtClean="0"/>
+              <a:t>Bhalla</a:t>
+            </a:r>
+            <a:r>
+              <a:rPr lang="en-IN" dirty="0" smtClean="0"/>
+              <a:t> &amp; </a:t>
+            </a:r>
+            <a:r>
+              <a:rPr lang="en-IN" dirty="0" err="1" smtClean="0"/>
+              <a:t>Nithish</a:t>
+            </a:r>
+            <a:r>
+              <a:rPr lang="en-IN" dirty="0" smtClean="0"/>
+              <a:t> </a:t>
+            </a:r>
+            <a:r>
+              <a:rPr lang="en-IN" dirty="0" err="1" smtClean="0"/>
+              <a:t>Raghunandanan</a:t>
+            </a:r>
+            <a:endParaRPr lang="en-IN" dirty="0"/>
+          </a:p>
+        </p:txBody>
+      </p:sp>
     </p:spTree>
     <p:extLst>
       <p:ext uri="{BB962C8B-B14F-4D97-AF65-F5344CB8AC3E}">
-        <p14:creationId xmlns:p14="http://schemas.microsoft.com/office/powerpoint/2010/main" val="1706127508"/>
+        <p14:creationId xmlns:p14="http://schemas.microsoft.com/office/powerpoint/2010/main" val="3856581288"/>
       </p:ext>
     </p:extLst>
   </p:cSld>
@@ -25947,10 +28351,14 @@
           <a:lstStyle/>
           <a:p>
             <a:r>
-              <a:rPr lang="en-IN" smtClean="0"/>
-              <a:t>Satellite Image Classification - The Outliers</a:t>
-            </a:r>
-            <a:endParaRPr lang="en-IN"/>
+              <a:rPr lang="en-IN" dirty="0" smtClean="0"/>
+              <a:t>Satellite Image </a:t>
+            </a:r>
+            <a:r>
+              <a:rPr lang="en-IN" dirty="0" smtClean="0"/>
+              <a:t>Classification</a:t>
+            </a:r>
+            <a:endParaRPr lang="en-IN" dirty="0"/>
           </a:p>
         </p:txBody>
       </p:sp>
@@ -25974,6 +28382,154 @@
               <a:t>7</a:t>
             </a:fld>
             <a:endParaRPr lang="en-IN"/>
+          </a:p>
+        </p:txBody>
+      </p:sp>
+      <p:sp>
+        <p:nvSpPr>
+          <p:cNvPr id="7" name="Footer Placeholder 2"/>
+          <p:cNvSpPr txBox="1">
+            <a:spLocks/>
+          </p:cNvSpPr>
+          <p:nvPr/>
+        </p:nvSpPr>
+        <p:spPr>
+          <a:xfrm>
+            <a:off x="5033631" y="6362342"/>
+            <a:ext cx="3859795" cy="228660"/>
+          </a:xfrm>
+          <a:prstGeom prst="rect">
+            <a:avLst/>
+          </a:prstGeom>
+        </p:spPr>
+        <p:txBody>
+          <a:bodyPr vert="horz" lIns="91440" tIns="45720" rIns="91440" bIns="45720" rtlCol="0" anchor="b"/>
+          <a:lstStyle>
+            <a:defPPr>
+              <a:defRPr lang="en-US"/>
+            </a:defPPr>
+            <a:lvl1pPr marL="0" algn="l" defTabSz="914400" rtl="0" eaLnBrk="1" latinLnBrk="0" hangingPunct="1">
+              <a:defRPr sz="900" b="1" i="0" kern="1200">
+                <a:solidFill>
+                  <a:schemeClr val="accent1"/>
+                </a:solidFill>
+                <a:latin typeface="+mn-lt"/>
+                <a:ea typeface="+mn-ea"/>
+                <a:cs typeface="+mn-cs"/>
+              </a:defRPr>
+            </a:lvl1pPr>
+            <a:lvl2pPr marL="457200" algn="l" defTabSz="914400" rtl="0" eaLnBrk="1" latinLnBrk="0" hangingPunct="1">
+              <a:defRPr sz="1800" kern="1200">
+                <a:solidFill>
+                  <a:schemeClr val="tx1"/>
+                </a:solidFill>
+                <a:latin typeface="+mn-lt"/>
+                <a:ea typeface="+mn-ea"/>
+                <a:cs typeface="+mn-cs"/>
+              </a:defRPr>
+            </a:lvl2pPr>
+            <a:lvl3pPr marL="914400" algn="l" defTabSz="914400" rtl="0" eaLnBrk="1" latinLnBrk="0" hangingPunct="1">
+              <a:defRPr sz="1800" kern="1200">
+                <a:solidFill>
+                  <a:schemeClr val="tx1"/>
+                </a:solidFill>
+                <a:latin typeface="+mn-lt"/>
+                <a:ea typeface="+mn-ea"/>
+                <a:cs typeface="+mn-cs"/>
+              </a:defRPr>
+            </a:lvl3pPr>
+            <a:lvl4pPr marL="1371600" algn="l" defTabSz="914400" rtl="0" eaLnBrk="1" latinLnBrk="0" hangingPunct="1">
+              <a:defRPr sz="1800" kern="1200">
+                <a:solidFill>
+                  <a:schemeClr val="tx1"/>
+                </a:solidFill>
+                <a:latin typeface="+mn-lt"/>
+                <a:ea typeface="+mn-ea"/>
+                <a:cs typeface="+mn-cs"/>
+              </a:defRPr>
+            </a:lvl4pPr>
+            <a:lvl5pPr marL="1828800" algn="l" defTabSz="914400" rtl="0" eaLnBrk="1" latinLnBrk="0" hangingPunct="1">
+              <a:defRPr sz="1800" kern="1200">
+                <a:solidFill>
+                  <a:schemeClr val="tx1"/>
+                </a:solidFill>
+                <a:latin typeface="+mn-lt"/>
+                <a:ea typeface="+mn-ea"/>
+                <a:cs typeface="+mn-cs"/>
+              </a:defRPr>
+            </a:lvl5pPr>
+            <a:lvl6pPr marL="2286000" algn="l" defTabSz="914400" rtl="0" eaLnBrk="1" latinLnBrk="0" hangingPunct="1">
+              <a:defRPr sz="1800" kern="1200">
+                <a:solidFill>
+                  <a:schemeClr val="tx1"/>
+                </a:solidFill>
+                <a:latin typeface="+mn-lt"/>
+                <a:ea typeface="+mn-ea"/>
+                <a:cs typeface="+mn-cs"/>
+              </a:defRPr>
+            </a:lvl6pPr>
+            <a:lvl7pPr marL="2743200" algn="l" defTabSz="914400" rtl="0" eaLnBrk="1" latinLnBrk="0" hangingPunct="1">
+              <a:defRPr sz="1800" kern="1200">
+                <a:solidFill>
+                  <a:schemeClr val="tx1"/>
+                </a:solidFill>
+                <a:latin typeface="+mn-lt"/>
+                <a:ea typeface="+mn-ea"/>
+                <a:cs typeface="+mn-cs"/>
+              </a:defRPr>
+            </a:lvl7pPr>
+            <a:lvl8pPr marL="3200400" algn="l" defTabSz="914400" rtl="0" eaLnBrk="1" latinLnBrk="0" hangingPunct="1">
+              <a:defRPr sz="1800" kern="1200">
+                <a:solidFill>
+                  <a:schemeClr val="tx1"/>
+                </a:solidFill>
+                <a:latin typeface="+mn-lt"/>
+                <a:ea typeface="+mn-ea"/>
+                <a:cs typeface="+mn-cs"/>
+              </a:defRPr>
+            </a:lvl8pPr>
+            <a:lvl9pPr marL="3657600" algn="l" defTabSz="914400" rtl="0" eaLnBrk="1" latinLnBrk="0" hangingPunct="1">
+              <a:defRPr sz="1800" kern="1200">
+                <a:solidFill>
+                  <a:schemeClr val="tx1"/>
+                </a:solidFill>
+                <a:latin typeface="+mn-lt"/>
+                <a:ea typeface="+mn-ea"/>
+                <a:cs typeface="+mn-cs"/>
+              </a:defRPr>
+            </a:lvl9pPr>
+          </a:lstStyle>
+          <a:p>
+            <a:pPr algn="r"/>
+            <a:r>
+              <a:rPr lang="en-IN" dirty="0"/>
+              <a:t>The </a:t>
+            </a:r>
+            <a:r>
+              <a:rPr lang="en-IN" dirty="0" smtClean="0"/>
+              <a:t>Outliers - Vishal </a:t>
+            </a:r>
+            <a:r>
+              <a:rPr lang="en-IN" dirty="0" err="1" smtClean="0"/>
+              <a:t>Bhalla</a:t>
+            </a:r>
+            <a:r>
+              <a:rPr lang="en-IN" dirty="0" smtClean="0"/>
+              <a:t> &amp; </a:t>
+            </a:r>
+            <a:r>
+              <a:rPr lang="en-IN" dirty="0" err="1" smtClean="0"/>
+              <a:t>Nithish</a:t>
+            </a:r>
+            <a:r>
+              <a:rPr lang="en-IN" dirty="0" smtClean="0"/>
+              <a:t> </a:t>
+            </a:r>
+            <a:r>
+              <a:rPr lang="en-IN" dirty="0" err="1" smtClean="0"/>
+              <a:t>Raghunandanan</a:t>
+            </a:r>
+            <a:endParaRPr lang="en-IN" dirty="0"/>
           </a:p>
         </p:txBody>
       </p:sp>
@@ -26065,32 +28621,15 @@
           <a:p>
             <a:r>
               <a:rPr lang="en-IN" dirty="0" smtClean="0"/>
-              <a:t>We tried different types of </a:t>
-            </a:r>
+              <a:t>We tried different types of Multi Class Classification Models to fit our data</a:t>
+            </a:r>
+          </a:p>
+          <a:p>
+            <a:pPr lvl="1"/>
             <a:r>
               <a:rPr lang="en-IN" dirty="0" smtClean="0"/>
-              <a:t>Multi Class Classification </a:t>
-            </a:r>
-            <a:r>
-              <a:rPr lang="en-IN" dirty="0" smtClean="0"/>
-              <a:t>Models to fit our data</a:t>
-            </a:r>
-          </a:p>
-          <a:p>
-            <a:pPr lvl="1"/>
-            <a:r>
-              <a:rPr lang="en-IN" dirty="0" smtClean="0"/>
-              <a:t>One Versus One and One Versus </a:t>
-            </a:r>
-            <a:r>
-              <a:rPr lang="en-IN" dirty="0" smtClean="0"/>
-              <a:t>Rest </a:t>
-            </a:r>
-            <a:r>
-              <a:rPr lang="en-IN" dirty="0" smtClean="0"/>
-              <a:t>Multiclass Classification</a:t>
-            </a:r>
-            <a:endParaRPr lang="en-IN" dirty="0" smtClean="0"/>
+              <a:t>One Versus One and One Versus Rest Multiclass Classification</a:t>
+            </a:r>
           </a:p>
           <a:p>
             <a:pPr lvl="1"/>
@@ -26098,23 +28637,13 @@
               <a:rPr lang="en-IN" dirty="0" smtClean="0"/>
               <a:t>Random Forests </a:t>
             </a:r>
-            <a:endParaRPr lang="en-IN" dirty="0" smtClean="0"/>
           </a:p>
           <a:p>
             <a:pPr lvl="1"/>
             <a:r>
               <a:rPr lang="en-IN" dirty="0" smtClean="0"/>
-              <a:t>Gaussian , Bernoulli </a:t>
-            </a:r>
-            <a:r>
-              <a:rPr lang="en-IN" dirty="0" smtClean="0"/>
-              <a:t>and Multinomial </a:t>
-            </a:r>
-            <a:r>
-              <a:rPr lang="en-IN" dirty="0" smtClean="0"/>
-              <a:t>Naïve Bayes Classifier</a:t>
-            </a:r>
-            <a:endParaRPr lang="en-IN" dirty="0" smtClean="0"/>
+              <a:t>Gaussian , Bernoulli and Multinomial Naïve Bayes Classifier</a:t>
+            </a:r>
           </a:p>
           <a:p>
             <a:pPr lvl="1"/>
@@ -26122,7 +28651,6 @@
               <a:rPr lang="en-IN" dirty="0" smtClean="0"/>
               <a:t>Multi Class SVM with Linear Kernel</a:t>
             </a:r>
-            <a:endParaRPr lang="en-IN" dirty="0" smtClean="0"/>
           </a:p>
           <a:p>
             <a:pPr lvl="1"/>
@@ -26130,7 +28658,6 @@
               <a:rPr lang="en-IN" dirty="0" smtClean="0"/>
               <a:t>K Nearest Neighbours</a:t>
             </a:r>
-            <a:endParaRPr lang="en-IN" dirty="0" smtClean="0"/>
           </a:p>
         </p:txBody>
       </p:sp>
@@ -26150,10 +28677,14 @@
           <a:lstStyle/>
           <a:p>
             <a:r>
-              <a:rPr lang="en-IN" smtClean="0"/>
-              <a:t>Satellite Image Classification - The Outliers</a:t>
-            </a:r>
-            <a:endParaRPr lang="en-IN"/>
+              <a:rPr lang="en-IN" dirty="0" smtClean="0"/>
+              <a:t>Satellite Image </a:t>
+            </a:r>
+            <a:r>
+              <a:rPr lang="en-IN" dirty="0" smtClean="0"/>
+              <a:t>Classification</a:t>
+            </a:r>
+            <a:endParaRPr lang="en-IN" dirty="0"/>
           </a:p>
         </p:txBody>
       </p:sp>
@@ -26177,6 +28708,154 @@
               <a:t>8</a:t>
             </a:fld>
             <a:endParaRPr lang="en-IN"/>
+          </a:p>
+        </p:txBody>
+      </p:sp>
+      <p:sp>
+        <p:nvSpPr>
+          <p:cNvPr id="6" name="Footer Placeholder 2"/>
+          <p:cNvSpPr txBox="1">
+            <a:spLocks/>
+          </p:cNvSpPr>
+          <p:nvPr/>
+        </p:nvSpPr>
+        <p:spPr>
+          <a:xfrm>
+            <a:off x="5033631" y="6362342"/>
+            <a:ext cx="3859795" cy="228660"/>
+          </a:xfrm>
+          <a:prstGeom prst="rect">
+            <a:avLst/>
+          </a:prstGeom>
+        </p:spPr>
+        <p:txBody>
+          <a:bodyPr vert="horz" lIns="91440" tIns="45720" rIns="91440" bIns="45720" rtlCol="0" anchor="b"/>
+          <a:lstStyle>
+            <a:defPPr>
+              <a:defRPr lang="en-US"/>
+            </a:defPPr>
+            <a:lvl1pPr marL="0" algn="l" defTabSz="914400" rtl="0" eaLnBrk="1" latinLnBrk="0" hangingPunct="1">
+              <a:defRPr sz="900" b="1" i="0" kern="1200">
+                <a:solidFill>
+                  <a:schemeClr val="accent1"/>
+                </a:solidFill>
+                <a:latin typeface="+mn-lt"/>
+                <a:ea typeface="+mn-ea"/>
+                <a:cs typeface="+mn-cs"/>
+              </a:defRPr>
+            </a:lvl1pPr>
+            <a:lvl2pPr marL="457200" algn="l" defTabSz="914400" rtl="0" eaLnBrk="1" latinLnBrk="0" hangingPunct="1">
+              <a:defRPr sz="1800" kern="1200">
+                <a:solidFill>
+                  <a:schemeClr val="tx1"/>
+                </a:solidFill>
+                <a:latin typeface="+mn-lt"/>
+                <a:ea typeface="+mn-ea"/>
+                <a:cs typeface="+mn-cs"/>
+              </a:defRPr>
+            </a:lvl2pPr>
+            <a:lvl3pPr marL="914400" algn="l" defTabSz="914400" rtl="0" eaLnBrk="1" latinLnBrk="0" hangingPunct="1">
+              <a:defRPr sz="1800" kern="1200">
+                <a:solidFill>
+                  <a:schemeClr val="tx1"/>
+                </a:solidFill>
+                <a:latin typeface="+mn-lt"/>
+                <a:ea typeface="+mn-ea"/>
+                <a:cs typeface="+mn-cs"/>
+              </a:defRPr>
+            </a:lvl3pPr>
+            <a:lvl4pPr marL="1371600" algn="l" defTabSz="914400" rtl="0" eaLnBrk="1" latinLnBrk="0" hangingPunct="1">
+              <a:defRPr sz="1800" kern="1200">
+                <a:solidFill>
+                  <a:schemeClr val="tx1"/>
+                </a:solidFill>
+                <a:latin typeface="+mn-lt"/>
+                <a:ea typeface="+mn-ea"/>
+                <a:cs typeface="+mn-cs"/>
+              </a:defRPr>
+            </a:lvl4pPr>
+            <a:lvl5pPr marL="1828800" algn="l" defTabSz="914400" rtl="0" eaLnBrk="1" latinLnBrk="0" hangingPunct="1">
+              <a:defRPr sz="1800" kern="1200">
+                <a:solidFill>
+                  <a:schemeClr val="tx1"/>
+                </a:solidFill>
+                <a:latin typeface="+mn-lt"/>
+                <a:ea typeface="+mn-ea"/>
+                <a:cs typeface="+mn-cs"/>
+              </a:defRPr>
+            </a:lvl5pPr>
+            <a:lvl6pPr marL="2286000" algn="l" defTabSz="914400" rtl="0" eaLnBrk="1" latinLnBrk="0" hangingPunct="1">
+              <a:defRPr sz="1800" kern="1200">
+                <a:solidFill>
+                  <a:schemeClr val="tx1"/>
+                </a:solidFill>
+                <a:latin typeface="+mn-lt"/>
+                <a:ea typeface="+mn-ea"/>
+                <a:cs typeface="+mn-cs"/>
+              </a:defRPr>
+            </a:lvl6pPr>
+            <a:lvl7pPr marL="2743200" algn="l" defTabSz="914400" rtl="0" eaLnBrk="1" latinLnBrk="0" hangingPunct="1">
+              <a:defRPr sz="1800" kern="1200">
+                <a:solidFill>
+                  <a:schemeClr val="tx1"/>
+                </a:solidFill>
+                <a:latin typeface="+mn-lt"/>
+                <a:ea typeface="+mn-ea"/>
+                <a:cs typeface="+mn-cs"/>
+              </a:defRPr>
+            </a:lvl7pPr>
+            <a:lvl8pPr marL="3200400" algn="l" defTabSz="914400" rtl="0" eaLnBrk="1" latinLnBrk="0" hangingPunct="1">
+              <a:defRPr sz="1800" kern="1200">
+                <a:solidFill>
+                  <a:schemeClr val="tx1"/>
+                </a:solidFill>
+                <a:latin typeface="+mn-lt"/>
+                <a:ea typeface="+mn-ea"/>
+                <a:cs typeface="+mn-cs"/>
+              </a:defRPr>
+            </a:lvl8pPr>
+            <a:lvl9pPr marL="3657600" algn="l" defTabSz="914400" rtl="0" eaLnBrk="1" latinLnBrk="0" hangingPunct="1">
+              <a:defRPr sz="1800" kern="1200">
+                <a:solidFill>
+                  <a:schemeClr val="tx1"/>
+                </a:solidFill>
+                <a:latin typeface="+mn-lt"/>
+                <a:ea typeface="+mn-ea"/>
+                <a:cs typeface="+mn-cs"/>
+              </a:defRPr>
+            </a:lvl9pPr>
+          </a:lstStyle>
+          <a:p>
+            <a:pPr algn="r"/>
+            <a:r>
+              <a:rPr lang="en-IN" dirty="0"/>
+              <a:t>The </a:t>
+            </a:r>
+            <a:r>
+              <a:rPr lang="en-IN" dirty="0" smtClean="0"/>
+              <a:t>Outliers - Vishal </a:t>
+            </a:r>
+            <a:r>
+              <a:rPr lang="en-IN" dirty="0" err="1" smtClean="0"/>
+              <a:t>Bhalla</a:t>
+            </a:r>
+            <a:r>
+              <a:rPr lang="en-IN" dirty="0" smtClean="0"/>
+              <a:t> &amp; </a:t>
+            </a:r>
+            <a:r>
+              <a:rPr lang="en-IN" dirty="0" err="1" smtClean="0"/>
+              <a:t>Nithish</a:t>
+            </a:r>
+            <a:r>
+              <a:rPr lang="en-IN" dirty="0" smtClean="0"/>
+              <a:t> </a:t>
+            </a:r>
+            <a:r>
+              <a:rPr lang="en-IN" dirty="0" err="1" smtClean="0"/>
+              <a:t>Raghunandanan</a:t>
+            </a:r>
+            <a:endParaRPr lang="en-IN" dirty="0"/>
           </a:p>
         </p:txBody>
       </p:sp>
@@ -26312,7 +28991,7 @@
           <a:p>
             <a:r>
               <a:rPr lang="en-IN" smtClean="0"/>
-              <a:t>Satellite Image Classification - The Outliers</a:t>
+              <a:t>Satellite Image Classification</a:t>
             </a:r>
             <a:endParaRPr lang="en-IN"/>
           </a:p>
@@ -26371,6 +29050,154 @@
           </a:prstGeom>
         </p:spPr>
       </p:pic>
+      <p:sp>
+        <p:nvSpPr>
+          <p:cNvPr id="7" name="Footer Placeholder 2"/>
+          <p:cNvSpPr txBox="1">
+            <a:spLocks/>
+          </p:cNvSpPr>
+          <p:nvPr/>
+        </p:nvSpPr>
+        <p:spPr>
+          <a:xfrm>
+            <a:off x="5033631" y="6362342"/>
+            <a:ext cx="3859795" cy="228660"/>
+          </a:xfrm>
+          <a:prstGeom prst="rect">
+            <a:avLst/>
+          </a:prstGeom>
+        </p:spPr>
+        <p:txBody>
+          <a:bodyPr vert="horz" lIns="91440" tIns="45720" rIns="91440" bIns="45720" rtlCol="0" anchor="b"/>
+          <a:lstStyle>
+            <a:defPPr>
+              <a:defRPr lang="en-US"/>
+            </a:defPPr>
+            <a:lvl1pPr marL="0" algn="l" defTabSz="914400" rtl="0" eaLnBrk="1" latinLnBrk="0" hangingPunct="1">
+              <a:defRPr sz="900" b="1" i="0" kern="1200">
+                <a:solidFill>
+                  <a:schemeClr val="accent1"/>
+                </a:solidFill>
+                <a:latin typeface="+mn-lt"/>
+                <a:ea typeface="+mn-ea"/>
+                <a:cs typeface="+mn-cs"/>
+              </a:defRPr>
+            </a:lvl1pPr>
+            <a:lvl2pPr marL="457200" algn="l" defTabSz="914400" rtl="0" eaLnBrk="1" latinLnBrk="0" hangingPunct="1">
+              <a:defRPr sz="1800" kern="1200">
+                <a:solidFill>
+                  <a:schemeClr val="tx1"/>
+                </a:solidFill>
+                <a:latin typeface="+mn-lt"/>
+                <a:ea typeface="+mn-ea"/>
+                <a:cs typeface="+mn-cs"/>
+              </a:defRPr>
+            </a:lvl2pPr>
+            <a:lvl3pPr marL="914400" algn="l" defTabSz="914400" rtl="0" eaLnBrk="1" latinLnBrk="0" hangingPunct="1">
+              <a:defRPr sz="1800" kern="1200">
+                <a:solidFill>
+                  <a:schemeClr val="tx1"/>
+                </a:solidFill>
+                <a:latin typeface="+mn-lt"/>
+                <a:ea typeface="+mn-ea"/>
+                <a:cs typeface="+mn-cs"/>
+              </a:defRPr>
+            </a:lvl3pPr>
+            <a:lvl4pPr marL="1371600" algn="l" defTabSz="914400" rtl="0" eaLnBrk="1" latinLnBrk="0" hangingPunct="1">
+              <a:defRPr sz="1800" kern="1200">
+                <a:solidFill>
+                  <a:schemeClr val="tx1"/>
+                </a:solidFill>
+                <a:latin typeface="+mn-lt"/>
+                <a:ea typeface="+mn-ea"/>
+                <a:cs typeface="+mn-cs"/>
+              </a:defRPr>
+            </a:lvl4pPr>
+            <a:lvl5pPr marL="1828800" algn="l" defTabSz="914400" rtl="0" eaLnBrk="1" latinLnBrk="0" hangingPunct="1">
+              <a:defRPr sz="1800" kern="1200">
+                <a:solidFill>
+                  <a:schemeClr val="tx1"/>
+                </a:solidFill>
+                <a:latin typeface="+mn-lt"/>
+                <a:ea typeface="+mn-ea"/>
+                <a:cs typeface="+mn-cs"/>
+              </a:defRPr>
+            </a:lvl5pPr>
+            <a:lvl6pPr marL="2286000" algn="l" defTabSz="914400" rtl="0" eaLnBrk="1" latinLnBrk="0" hangingPunct="1">
+              <a:defRPr sz="1800" kern="1200">
+                <a:solidFill>
+                  <a:schemeClr val="tx1"/>
+                </a:solidFill>
+                <a:latin typeface="+mn-lt"/>
+                <a:ea typeface="+mn-ea"/>
+                <a:cs typeface="+mn-cs"/>
+              </a:defRPr>
+            </a:lvl6pPr>
+            <a:lvl7pPr marL="2743200" algn="l" defTabSz="914400" rtl="0" eaLnBrk="1" latinLnBrk="0" hangingPunct="1">
+              <a:defRPr sz="1800" kern="1200">
+                <a:solidFill>
+                  <a:schemeClr val="tx1"/>
+                </a:solidFill>
+                <a:latin typeface="+mn-lt"/>
+                <a:ea typeface="+mn-ea"/>
+                <a:cs typeface="+mn-cs"/>
+              </a:defRPr>
+            </a:lvl7pPr>
+            <a:lvl8pPr marL="3200400" algn="l" defTabSz="914400" rtl="0" eaLnBrk="1" latinLnBrk="0" hangingPunct="1">
+              <a:defRPr sz="1800" kern="1200">
+                <a:solidFill>
+                  <a:schemeClr val="tx1"/>
+                </a:solidFill>
+                <a:latin typeface="+mn-lt"/>
+                <a:ea typeface="+mn-ea"/>
+                <a:cs typeface="+mn-cs"/>
+              </a:defRPr>
+            </a:lvl8pPr>
+            <a:lvl9pPr marL="3657600" algn="l" defTabSz="914400" rtl="0" eaLnBrk="1" latinLnBrk="0" hangingPunct="1">
+              <a:defRPr sz="1800" kern="1200">
+                <a:solidFill>
+                  <a:schemeClr val="tx1"/>
+                </a:solidFill>
+                <a:latin typeface="+mn-lt"/>
+                <a:ea typeface="+mn-ea"/>
+                <a:cs typeface="+mn-cs"/>
+              </a:defRPr>
+            </a:lvl9pPr>
+          </a:lstStyle>
+          <a:p>
+            <a:pPr algn="r"/>
+            <a:r>
+              <a:rPr lang="en-IN" dirty="0"/>
+              <a:t>The </a:t>
+            </a:r>
+            <a:r>
+              <a:rPr lang="en-IN" dirty="0" smtClean="0"/>
+              <a:t>Outliers - Vishal </a:t>
+            </a:r>
+            <a:r>
+              <a:rPr lang="en-IN" dirty="0" err="1" smtClean="0"/>
+              <a:t>Bhalla</a:t>
+            </a:r>
+            <a:r>
+              <a:rPr lang="en-IN" dirty="0" smtClean="0"/>
+              <a:t> &amp; </a:t>
+            </a:r>
+            <a:r>
+              <a:rPr lang="en-IN" dirty="0" err="1" smtClean="0"/>
+              <a:t>Nithish</a:t>
+            </a:r>
+            <a:r>
+              <a:rPr lang="en-IN" dirty="0" smtClean="0"/>
+              <a:t> </a:t>
+            </a:r>
+            <a:r>
+              <a:rPr lang="en-IN" dirty="0" err="1" smtClean="0"/>
+              <a:t>Raghunandanan</a:t>
+            </a:r>
+            <a:endParaRPr lang="en-IN" dirty="0"/>
+          </a:p>
+        </p:txBody>
+      </p:sp>
     </p:spTree>
     <p:extLst>
       <p:ext uri="{BB962C8B-B14F-4D97-AF65-F5344CB8AC3E}">
@@ -27155,7 +29982,7 @@
   <a:extraClrSchemeLst/>
   <a:extLst>
     <a:ext uri="{05A4C25C-085E-4340-85A3-A5531E510DB2}">
-      <thm15:themeFamily xmlns:thm15="http://schemas.microsoft.com/office/thememl/2012/main" xmlns="" name="Ion Boardroom" id="{FC33163D-4339-46B1-8EED-24C834239D99}" vid="{B8502691-933B-45FE-8764-BA278511EF27}"/>
+      <thm15:themeFamily xmlns="" xmlns:thm15="http://schemas.microsoft.com/office/thememl/2012/main" name="Ion Boardroom" id="{FC33163D-4339-46B1-8EED-24C834239D99}" vid="{B8502691-933B-45FE-8764-BA278511EF27}"/>
     </a:ext>
   </a:extLst>
 </a:theme>

--- a/Challenges/Satellite Image Data Set - Challenge 2/Ppt - Satellite Image Dataset Classification Challenge-2.pptx
+++ b/Challenges/Satellite Image Data Set - Challenge 2/Ppt - Satellite Image Dataset Classification Challenge-2.pptx
@@ -126,7 +126,7 @@
   </p:defaultTextStyle>
   <p:extLst>
     <p:ext uri="{EFAFB233-063F-42B5-8137-9DF3F51BA10A}">
-      <p15:sldGuideLst xmlns="" xmlns:p15="http://schemas.microsoft.com/office/powerpoint/2012/main">
+      <p15:sldGuideLst xmlns:p15="http://schemas.microsoft.com/office/powerpoint/2012/main" xmlns="">
         <p15:guide id="1" orient="horz" pos="2160">
           <p15:clr>
             <a:srgbClr val="A4A3A4"/>
@@ -1288,9 +1288,9 @@
     <dgm:cxn modelId="{5DAC065C-C3AF-49D4-8CFF-E205C750A92A}" type="presOf" srcId="{B3136396-617E-40DE-94E5-4419C0F89848}" destId="{E0F51D26-9C4E-46D9-B670-221DB66B1B1D}" srcOrd="0" destOrd="0" presId="urn:microsoft.com/office/officeart/2005/8/layout/process1"/>
     <dgm:cxn modelId="{B710CF99-B0AF-41C5-93AA-ABAA14EF22C7}" type="presOf" srcId="{63FA2AF9-2D10-497E-9157-EC44F4D7320C}" destId="{0C8C155F-305A-486E-B7B8-7C2CEF130136}" srcOrd="0" destOrd="0" presId="urn:microsoft.com/office/officeart/2005/8/layout/process1"/>
     <dgm:cxn modelId="{38CF61A1-B618-43E1-AFEE-7261E85E92B6}" type="presOf" srcId="{F79A40E6-9D47-4B3F-AAC2-1C27D05703B9}" destId="{FC52A0A9-3A7F-4474-A219-B62CDA5D0786}" srcOrd="0" destOrd="0" presId="urn:microsoft.com/office/officeart/2005/8/layout/process1"/>
-    <dgm:cxn modelId="{32C89380-DE10-4538-8904-3076ADF29E4A}" type="presOf" srcId="{29959815-D886-4B58-9DCB-51D7F54461E3}" destId="{5F423820-0B91-439E-A2AC-B466ADF028C1}" srcOrd="0" destOrd="0" presId="urn:microsoft.com/office/officeart/2005/8/layout/process1"/>
     <dgm:cxn modelId="{EAF7F4FD-8A96-499C-9F04-6B88ADE77E43}" type="presOf" srcId="{B3136396-617E-40DE-94E5-4419C0F89848}" destId="{C8B53646-9373-46A0-9B26-DC49EF75D4F3}" srcOrd="1" destOrd="0" presId="urn:microsoft.com/office/officeart/2005/8/layout/process1"/>
     <dgm:cxn modelId="{DB11EE60-E500-46C9-A55E-B2BEEFBA503B}" type="presOf" srcId="{63FA2AF9-2D10-497E-9157-EC44F4D7320C}" destId="{14F3C660-67D7-400F-8E84-3223E5633361}" srcOrd="1" destOrd="0" presId="urn:microsoft.com/office/officeart/2005/8/layout/process1"/>
+    <dgm:cxn modelId="{32C89380-DE10-4538-8904-3076ADF29E4A}" type="presOf" srcId="{29959815-D886-4B58-9DCB-51D7F54461E3}" destId="{5F423820-0B91-439E-A2AC-B466ADF028C1}" srcOrd="0" destOrd="0" presId="urn:microsoft.com/office/officeart/2005/8/layout/process1"/>
     <dgm:cxn modelId="{72C57326-4377-4842-91B2-38017920D375}" type="presParOf" srcId="{6281DDB5-E61D-4DA4-9045-051E963ECEA9}" destId="{5F423820-0B91-439E-A2AC-B466ADF028C1}" srcOrd="0" destOrd="0" presId="urn:microsoft.com/office/officeart/2005/8/layout/process1"/>
     <dgm:cxn modelId="{D3F0008F-3881-4A2E-BBC8-3E0C48C362DE}" type="presParOf" srcId="{6281DDB5-E61D-4DA4-9045-051E963ECEA9}" destId="{0C8C155F-305A-486E-B7B8-7C2CEF130136}" srcOrd="1" destOrd="0" presId="urn:microsoft.com/office/officeart/2005/8/layout/process1"/>
     <dgm:cxn modelId="{77066002-99FE-4580-B609-E0F12F701300}" type="presParOf" srcId="{0C8C155F-305A-486E-B7B8-7C2CEF130136}" destId="{14F3C660-67D7-400F-8E84-3223E5633361}" srcOrd="0" destOrd="0" presId="urn:microsoft.com/office/officeart/2005/8/layout/process1"/>
@@ -2960,7 +2960,7 @@
           <a:p>
             <a:fld id="{E4A335C6-5413-4BFE-A0EC-ECCE8B4A9B1D}" type="datetimeFigureOut">
               <a:rPr lang="en-IN" smtClean="0"/>
-              <a:t>29-11-2015</a:t>
+              <a:t>30-11-2015</a:t>
             </a:fld>
             <a:endParaRPr lang="en-IN"/>
           </a:p>
@@ -3134,7 +3134,7 @@
           <a:p>
             <a:fld id="{119CFE3F-2E79-4A1F-823C-3153EDB78A8C}" type="datetimeFigureOut">
               <a:rPr lang="en-IN" smtClean="0"/>
-              <a:t>29-11-2015</a:t>
+              <a:t>30-11-2015</a:t>
             </a:fld>
             <a:endParaRPr lang="en-IN"/>
           </a:p>
@@ -3939,7 +3939,7 @@
           <a:p>
             <a:fld id="{12C66A5D-3DFF-4AFE-9026-8E1225C6223B}" type="datetime1">
               <a:rPr lang="en-IN" smtClean="0"/>
-              <a:t>29-11-2015</a:t>
+              <a:t>30-11-2015</a:t>
             </a:fld>
             <a:endParaRPr lang="en-IN"/>
           </a:p>
@@ -4003,7 +4003,7 @@
   </p:clrMapOvr>
   <p:extLst mod="1">
     <p:ext uri="{DCECCB84-F9BA-43D5-87BE-67443E8EF086}">
-      <p15:sldGuideLst xmlns="" xmlns:p15="http://schemas.microsoft.com/office/powerpoint/2012/main"/>
+      <p15:sldGuideLst xmlns:p15="http://schemas.microsoft.com/office/powerpoint/2012/main" xmlns=""/>
     </p:ext>
   </p:extLst>
 </p:sldLayout>
@@ -4118,7 +4118,7 @@
           <a:p>
             <a:fld id="{E0AC8EB1-FA30-4F77-9D37-E599F78FD528}" type="datetime1">
               <a:rPr lang="en-IN" smtClean="0"/>
-              <a:t>29-11-2015</a:t>
+              <a:t>30-11-2015</a:t>
             </a:fld>
             <a:endParaRPr lang="en-IN"/>
           </a:p>
@@ -4302,7 +4302,7 @@
           <a:p>
             <a:fld id="{16720B39-5616-4A4F-9CDA-9C81C46A2459}" type="datetime1">
               <a:rPr lang="en-IN" smtClean="0"/>
-              <a:t>29-11-2015</a:t>
+              <a:t>30-11-2015</a:t>
             </a:fld>
             <a:endParaRPr lang="en-IN"/>
           </a:p>
@@ -4366,7 +4366,7 @@
   </p:clrMapOvr>
   <p:extLst mod="1">
     <p:ext uri="{DCECCB84-F9BA-43D5-87BE-67443E8EF086}">
-      <p15:sldGuideLst xmlns="" xmlns:p15="http://schemas.microsoft.com/office/powerpoint/2012/main"/>
+      <p15:sldGuideLst xmlns:p15="http://schemas.microsoft.com/office/powerpoint/2012/main" xmlns=""/>
     </p:ext>
   </p:extLst>
 </p:sldLayout>
@@ -4514,7 +4514,7 @@
           <a:p>
             <a:fld id="{26A808B9-1D6E-4B4C-879B-01BE794C9262}" type="datetime1">
               <a:rPr lang="en-IN" smtClean="0"/>
-              <a:t>29-11-2015</a:t>
+              <a:t>30-11-2015</a:t>
             </a:fld>
             <a:endParaRPr lang="en-IN"/>
           </a:p>
@@ -4578,7 +4578,7 @@
   </p:clrMapOvr>
   <p:extLst mod="1">
     <p:ext uri="{DCECCB84-F9BA-43D5-87BE-67443E8EF086}">
-      <p15:sldGuideLst xmlns="" xmlns:p15="http://schemas.microsoft.com/office/powerpoint/2012/main"/>
+      <p15:sldGuideLst xmlns:p15="http://schemas.microsoft.com/office/powerpoint/2012/main" xmlns=""/>
     </p:ext>
   </p:extLst>
 </p:sldLayout>
@@ -4693,7 +4693,7 @@
           <a:p>
             <a:fld id="{06C36FEA-6D7D-40C6-9DE4-228CC1D8D95E}" type="datetime1">
               <a:rPr lang="en-IN" smtClean="0"/>
-              <a:t>29-11-2015</a:t>
+              <a:t>30-11-2015</a:t>
             </a:fld>
             <a:endParaRPr lang="en-IN"/>
           </a:p>
@@ -4948,7 +4948,7 @@
           <a:p>
             <a:fld id="{091971B1-0A71-4B10-B8A9-A42D28497347}" type="datetime1">
               <a:rPr lang="en-IN" smtClean="0"/>
-              <a:t>29-11-2015</a:t>
+              <a:t>30-11-2015</a:t>
             </a:fld>
             <a:endParaRPr lang="en-IN"/>
           </a:p>
@@ -5012,7 +5012,7 @@
   </p:clrMapOvr>
   <p:extLst mod="1">
     <p:ext uri="{DCECCB84-F9BA-43D5-87BE-67443E8EF086}">
-      <p15:sldGuideLst xmlns="" xmlns:p15="http://schemas.microsoft.com/office/powerpoint/2012/main"/>
+      <p15:sldGuideLst xmlns:p15="http://schemas.microsoft.com/office/powerpoint/2012/main" xmlns=""/>
     </p:ext>
   </p:extLst>
 </p:sldLayout>
@@ -5189,7 +5189,7 @@
           <a:p>
             <a:fld id="{DBE49506-2FC6-462E-B394-0FA1DFF3C63D}" type="datetime1">
               <a:rPr lang="en-IN" smtClean="0"/>
-              <a:t>29-11-2015</a:t>
+              <a:t>30-11-2015</a:t>
             </a:fld>
             <a:endParaRPr lang="en-IN"/>
           </a:p>
@@ -5253,7 +5253,7 @@
   </p:clrMapOvr>
   <p:extLst mod="1">
     <p:ext uri="{DCECCB84-F9BA-43D5-87BE-67443E8EF086}">
-      <p15:sldGuideLst xmlns="" xmlns:p15="http://schemas.microsoft.com/office/powerpoint/2012/main"/>
+      <p15:sldGuideLst xmlns:p15="http://schemas.microsoft.com/office/powerpoint/2012/main" xmlns=""/>
     </p:ext>
   </p:extLst>
 </p:sldLayout>
@@ -5545,7 +5545,7 @@
           <a:p>
             <a:fld id="{1C00E727-BB43-4B7F-945C-570AEA4ED059}" type="datetime1">
               <a:rPr lang="en-IN" smtClean="0"/>
-              <a:t>29-11-2015</a:t>
+              <a:t>30-11-2015</a:t>
             </a:fld>
             <a:endParaRPr lang="en-IN"/>
           </a:p>
@@ -5632,7 +5632,7 @@
   </p:clrMapOvr>
   <p:extLst mod="1">
     <p:ext uri="{DCECCB84-F9BA-43D5-87BE-67443E8EF086}">
-      <p15:sldGuideLst xmlns="" xmlns:p15="http://schemas.microsoft.com/office/powerpoint/2012/main"/>
+      <p15:sldGuideLst xmlns:p15="http://schemas.microsoft.com/office/powerpoint/2012/main" xmlns=""/>
     </p:ext>
   </p:extLst>
 </p:sldLayout>
@@ -5672,7 +5672,7 @@
           <a:p>
             <a:fld id="{CB7318A5-BDA4-436C-B7B5-5AC39E867B8E}" type="datetime1">
               <a:rPr lang="en-IN" smtClean="0"/>
-              <a:t>29-11-2015</a:t>
+              <a:t>30-11-2015</a:t>
             </a:fld>
             <a:endParaRPr lang="en-IN"/>
           </a:p>
@@ -5794,7 +5794,7 @@
           <a:p>
             <a:fld id="{E82BB7D3-3793-466E-96A5-9C947B5DD731}" type="datetime1">
               <a:rPr lang="en-IN" smtClean="0"/>
-              <a:t>29-11-2015</a:t>
+              <a:t>30-11-2015</a:t>
             </a:fld>
             <a:endParaRPr lang="en-IN"/>
           </a:p>
@@ -5858,7 +5858,7 @@
   </p:clrMapOvr>
   <p:extLst mod="1">
     <p:ext uri="{DCECCB84-F9BA-43D5-87BE-67443E8EF086}">
-      <p15:sldGuideLst xmlns="" xmlns:p15="http://schemas.microsoft.com/office/powerpoint/2012/main"/>
+      <p15:sldGuideLst xmlns:p15="http://schemas.microsoft.com/office/powerpoint/2012/main" xmlns=""/>
     </p:ext>
   </p:extLst>
 </p:sldLayout>
@@ -6087,7 +6087,7 @@
           <a:p>
             <a:fld id="{2CF69443-A9A2-4351-BCB3-3C0B130AB69F}" type="datetime1">
               <a:rPr lang="en-IN" smtClean="0"/>
-              <a:t>29-11-2015</a:t>
+              <a:t>30-11-2015</a:t>
             </a:fld>
             <a:endParaRPr lang="en-IN"/>
           </a:p>
@@ -6151,7 +6151,7 @@
   </p:clrMapOvr>
   <p:extLst mod="1">
     <p:ext uri="{DCECCB84-F9BA-43D5-87BE-67443E8EF086}">
-      <p15:sldGuideLst xmlns="" xmlns:p15="http://schemas.microsoft.com/office/powerpoint/2012/main"/>
+      <p15:sldGuideLst xmlns:p15="http://schemas.microsoft.com/office/powerpoint/2012/main" xmlns=""/>
     </p:ext>
   </p:extLst>
 </p:sldLayout>
@@ -6266,7 +6266,7 @@
           <a:p>
             <a:fld id="{19DAF990-41B6-4F96-A6AE-AECC2BE3D03E}" type="datetime1">
               <a:rPr lang="en-IN" smtClean="0"/>
-              <a:t>29-11-2015</a:t>
+              <a:t>30-11-2015</a:t>
             </a:fld>
             <a:endParaRPr lang="en-IN"/>
           </a:p>
@@ -6534,7 +6534,7 @@
           <a:p>
             <a:fld id="{9F65E42A-F84B-470A-AD70-61D3FC862409}" type="datetime1">
               <a:rPr lang="en-IN" smtClean="0"/>
-              <a:t>29-11-2015</a:t>
+              <a:t>30-11-2015</a:t>
             </a:fld>
             <a:endParaRPr lang="en-IN"/>
           </a:p>
@@ -6708,7 +6708,7 @@
           <a:p>
             <a:fld id="{EC87DC0B-6C8B-4640-B719-A50A4316887D}" type="datetime1">
               <a:rPr lang="en-IN" smtClean="0"/>
-              <a:t>29-11-2015</a:t>
+              <a:t>30-11-2015</a:t>
             </a:fld>
             <a:endParaRPr lang="en-IN"/>
           </a:p>
@@ -6892,7 +6892,7 @@
           <a:p>
             <a:fld id="{347D4913-C17D-4966-B44E-2A5A2C18460D}" type="datetime1">
               <a:rPr lang="en-IN" smtClean="0"/>
-              <a:t>29-11-2015</a:t>
+              <a:t>30-11-2015</a:t>
             </a:fld>
             <a:endParaRPr lang="en-IN"/>
           </a:p>
@@ -6956,7 +6956,7 @@
   </p:clrMapOvr>
   <p:extLst mod="1">
     <p:ext uri="{DCECCB84-F9BA-43D5-87BE-67443E8EF086}">
-      <p15:sldGuideLst xmlns="" xmlns:p15="http://schemas.microsoft.com/office/powerpoint/2012/main"/>
+      <p15:sldGuideLst xmlns:p15="http://schemas.microsoft.com/office/powerpoint/2012/main" xmlns=""/>
     </p:ext>
   </p:extLst>
 </p:sldLayout>
@@ -7595,7 +7595,7 @@
           <a:p>
             <a:fld id="{930DC8BE-FE27-4663-8911-B24A320A1000}" type="datetime1">
               <a:rPr lang="en-IN" smtClean="0"/>
-              <a:t>29-11-2015</a:t>
+              <a:t>30-11-2015</a:t>
             </a:fld>
             <a:endParaRPr lang="en-IN"/>
           </a:p>
@@ -7722,7 +7722,7 @@
   </p:clrMapOvr>
   <p:extLst mod="1">
     <p:ext uri="{DCECCB84-F9BA-43D5-87BE-67443E8EF086}">
-      <p15:sldGuideLst xmlns="" xmlns:p15="http://schemas.microsoft.com/office/powerpoint/2012/main"/>
+      <p15:sldGuideLst xmlns:p15="http://schemas.microsoft.com/office/powerpoint/2012/main" xmlns=""/>
     </p:ext>
   </p:extLst>
 </p:sldLayout>
@@ -7846,7 +7846,7 @@
           <a:p>
             <a:fld id="{6FAA12D3-ABBD-4F30-9BF4-3C1057EA890E}" type="datetime1">
               <a:rPr lang="en-IN" smtClean="0"/>
-              <a:t>29-11-2015</a:t>
+              <a:t>30-11-2015</a:t>
             </a:fld>
             <a:endParaRPr lang="en-IN"/>
           </a:p>
@@ -8861,7 +8861,7 @@
           <a:p>
             <a:fld id="{40322064-5E7B-4210-A836-25D1EC3EB4D5}" type="datetime1">
               <a:rPr lang="en-IN" smtClean="0"/>
-              <a:t>29-11-2015</a:t>
+              <a:t>30-11-2015</a:t>
             </a:fld>
             <a:endParaRPr lang="en-IN"/>
           </a:p>
@@ -8973,7 +8973,7 @@
   </p:clrMapOvr>
   <p:extLst mod="1">
     <p:ext uri="{DCECCB84-F9BA-43D5-87BE-67443E8EF086}">
-      <p15:sldGuideLst xmlns="" xmlns:p15="http://schemas.microsoft.com/office/powerpoint/2012/main"/>
+      <p15:sldGuideLst xmlns:p15="http://schemas.microsoft.com/office/powerpoint/2012/main" xmlns=""/>
     </p:ext>
   </p:extLst>
 </p:sldLayout>
@@ -9154,7 +9154,7 @@
           <a:p>
             <a:fld id="{9DFEE1F0-25A5-454A-99A1-7917620F9E92}" type="datetime1">
               <a:rPr lang="en-IN" smtClean="0"/>
-              <a:t>29-11-2015</a:t>
+              <a:t>30-11-2015</a:t>
             </a:fld>
             <a:endParaRPr lang="en-IN"/>
           </a:p>
@@ -9230,7 +9230,7 @@
   </p:clrMapOvr>
   <p:extLst mod="1">
     <p:ext uri="{DCECCB84-F9BA-43D5-87BE-67443E8EF086}">
-      <p15:sldGuideLst xmlns="" xmlns:p15="http://schemas.microsoft.com/office/powerpoint/2012/main"/>
+      <p15:sldGuideLst xmlns:p15="http://schemas.microsoft.com/office/powerpoint/2012/main" xmlns=""/>
     </p:ext>
   </p:extLst>
 </p:sldLayout>
@@ -9563,7 +9563,7 @@
           <a:p>
             <a:fld id="{EA59078A-671C-4D82-B53C-03E4A8EE5819}" type="datetime1">
               <a:rPr lang="en-IN" smtClean="0"/>
-              <a:t>29-11-2015</a:t>
+              <a:t>30-11-2015</a:t>
             </a:fld>
             <a:endParaRPr lang="en-IN"/>
           </a:p>
@@ -9639,7 +9639,7 @@
   </p:clrMapOvr>
   <p:extLst mod="1">
     <p:ext uri="{DCECCB84-F9BA-43D5-87BE-67443E8EF086}">
-      <p15:sldGuideLst xmlns="" xmlns:p15="http://schemas.microsoft.com/office/powerpoint/2012/main"/>
+      <p15:sldGuideLst xmlns:p15="http://schemas.microsoft.com/office/powerpoint/2012/main" xmlns=""/>
     </p:ext>
   </p:extLst>
 </p:sldLayout>
@@ -9702,7 +9702,7 @@
           <a:p>
             <a:fld id="{E898D8EE-9D0B-43CD-8E01-EC4F827AF67C}" type="datetime1">
               <a:rPr lang="en-IN" smtClean="0"/>
-              <a:t>29-11-2015</a:t>
+              <a:t>30-11-2015</a:t>
             </a:fld>
             <a:endParaRPr lang="en-IN"/>
           </a:p>
@@ -9849,7 +9849,7 @@
           <a:p>
             <a:fld id="{E4E1097E-BF89-4B96-AF4C-89AD481FB530}" type="datetime1">
               <a:rPr lang="en-IN" smtClean="0"/>
-              <a:t>29-11-2015</a:t>
+              <a:t>30-11-2015</a:t>
             </a:fld>
             <a:endParaRPr lang="en-IN"/>
           </a:p>
@@ -10116,7 +10116,7 @@
           <a:p>
             <a:fld id="{15646D05-00DE-4542-8E89-6953C5EA2BD9}" type="datetime1">
               <a:rPr lang="en-IN" smtClean="0"/>
-              <a:t>29-11-2015</a:t>
+              <a:t>30-11-2015</a:t>
             </a:fld>
             <a:endParaRPr lang="en-IN"/>
           </a:p>
@@ -10180,7 +10180,7 @@
   </p:clrMapOvr>
   <p:extLst mod="1">
     <p:ext uri="{DCECCB84-F9BA-43D5-87BE-67443E8EF086}">
-      <p15:sldGuideLst xmlns="" xmlns:p15="http://schemas.microsoft.com/office/powerpoint/2012/main"/>
+      <p15:sldGuideLst xmlns:p15="http://schemas.microsoft.com/office/powerpoint/2012/main" xmlns=""/>
     </p:ext>
   </p:extLst>
 </p:sldLayout>
@@ -11135,7 +11135,7 @@
           <a:p>
             <a:fld id="{20367747-FE0C-4DE9-8255-9FE0C5319A8C}" type="datetime1">
               <a:rPr lang="en-IN" smtClean="0"/>
-              <a:t>29-11-2015</a:t>
+              <a:t>30-11-2015</a:t>
             </a:fld>
             <a:endParaRPr lang="en-IN"/>
           </a:p>
@@ -11247,7 +11247,7 @@
   </p:clrMapOvr>
   <p:extLst mod="1">
     <p:ext uri="{DCECCB84-F9BA-43D5-87BE-67443E8EF086}">
-      <p15:sldGuideLst xmlns="" xmlns:p15="http://schemas.microsoft.com/office/powerpoint/2012/main"/>
+      <p15:sldGuideLst xmlns:p15="http://schemas.microsoft.com/office/powerpoint/2012/main" xmlns=""/>
     </p:ext>
   </p:extLst>
 </p:sldLayout>
@@ -12226,7 +12226,7 @@
           <a:p>
             <a:fld id="{971A836C-7772-46A4-8EB8-E2BC74AD39B2}" type="datetime1">
               <a:rPr lang="en-IN" smtClean="0"/>
-              <a:t>29-11-2015</a:t>
+              <a:t>30-11-2015</a:t>
             </a:fld>
             <a:endParaRPr lang="en-IN"/>
           </a:p>
@@ -13316,7 +13316,7 @@
           <a:p>
             <a:fld id="{F9656052-CB00-4357-A3A5-A5DD5207805B}" type="datetime1">
               <a:rPr lang="en-IN" smtClean="0"/>
-              <a:t>29-11-2015</a:t>
+              <a:t>30-11-2015</a:t>
             </a:fld>
             <a:endParaRPr lang="en-IN"/>
           </a:p>
@@ -14318,7 +14318,7 @@
           <a:p>
             <a:fld id="{DF4815E6-7FAA-4711-B4C0-121730BE24BF}" type="datetime1">
               <a:rPr lang="en-IN" smtClean="0"/>
-              <a:t>29-11-2015</a:t>
+              <a:t>30-11-2015</a:t>
             </a:fld>
             <a:endParaRPr lang="en-IN"/>
           </a:p>
@@ -15437,7 +15437,7 @@
           <a:p>
             <a:fld id="{F3214B7E-85CA-4196-8BE6-C49713C166C9}" type="datetime1">
               <a:rPr lang="en-IN" smtClean="0"/>
-              <a:t>29-11-2015</a:t>
+              <a:t>30-11-2015</a:t>
             </a:fld>
             <a:endParaRPr lang="en-IN"/>
           </a:p>
@@ -16455,7 +16455,7 @@
           <a:p>
             <a:fld id="{727B6EAF-1404-4E47-8EED-DAF9CF44B791}" type="datetime1">
               <a:rPr lang="en-IN" smtClean="0"/>
-              <a:t>29-11-2015</a:t>
+              <a:t>30-11-2015</a:t>
             </a:fld>
             <a:endParaRPr lang="en-IN"/>
           </a:p>
@@ -17131,7 +17131,7 @@
           <a:p>
             <a:fld id="{AA5A2D75-ADF5-4AB7-8803-EC2ABB260EA0}" type="datetime1">
               <a:rPr lang="en-IN" smtClean="0"/>
-              <a:t>29-11-2015</a:t>
+              <a:t>30-11-2015</a:t>
             </a:fld>
             <a:endParaRPr lang="en-IN"/>
           </a:p>
@@ -18008,7 +18008,7 @@
           <a:p>
             <a:fld id="{193DF214-1D4A-4B8B-A8E9-7779296A21F2}" type="datetime1">
               <a:rPr lang="en-IN" smtClean="0"/>
-              <a:t>29-11-2015</a:t>
+              <a:t>30-11-2015</a:t>
             </a:fld>
             <a:endParaRPr lang="en-IN"/>
           </a:p>
@@ -18199,7 +18199,7 @@
           <a:p>
             <a:fld id="{D8C6FFCB-1085-48B0-82C4-F8C4320F36CA}" type="datetime1">
               <a:rPr lang="en-IN" smtClean="0"/>
-              <a:t>29-11-2015</a:t>
+              <a:t>30-11-2015</a:t>
             </a:fld>
             <a:endParaRPr lang="en-IN"/>
           </a:p>
@@ -19152,7 +19152,7 @@
           <a:p>
             <a:fld id="{CD25C87E-21F4-4AF7-962C-2068630AC125}" type="datetime1">
               <a:rPr lang="en-IN" smtClean="0"/>
-              <a:t>29-11-2015</a:t>
+              <a:t>30-11-2015</a:t>
             </a:fld>
             <a:endParaRPr lang="en-IN"/>
           </a:p>
@@ -19269,7 +19269,7 @@
   </p:clrMapOvr>
   <p:extLst mod="1">
     <p:ext uri="{DCECCB84-F9BA-43D5-87BE-67443E8EF086}">
-      <p15:sldGuideLst xmlns="" xmlns:p15="http://schemas.microsoft.com/office/powerpoint/2012/main"/>
+      <p15:sldGuideLst xmlns:p15="http://schemas.microsoft.com/office/powerpoint/2012/main" xmlns=""/>
     </p:ext>
   </p:extLst>
 </p:sldLayout>
@@ -19446,7 +19446,7 @@
           <a:p>
             <a:fld id="{6741FE57-8089-434E-8EA9-F9925D1B552A}" type="datetime1">
               <a:rPr lang="en-IN" smtClean="0"/>
-              <a:t>29-11-2015</a:t>
+              <a:t>30-11-2015</a:t>
             </a:fld>
             <a:endParaRPr lang="en-IN"/>
           </a:p>
@@ -19510,7 +19510,7 @@
   </p:clrMapOvr>
   <p:extLst mod="1">
     <p:ext uri="{DCECCB84-F9BA-43D5-87BE-67443E8EF086}">
-      <p15:sldGuideLst xmlns="" xmlns:p15="http://schemas.microsoft.com/office/powerpoint/2012/main"/>
+      <p15:sldGuideLst xmlns:p15="http://schemas.microsoft.com/office/powerpoint/2012/main" xmlns=""/>
     </p:ext>
   </p:extLst>
 </p:sldLayout>
@@ -19802,7 +19802,7 @@
           <a:p>
             <a:fld id="{57544814-1A3F-45F9-8688-36234A300D32}" type="datetime1">
               <a:rPr lang="en-IN" smtClean="0"/>
-              <a:t>29-11-2015</a:t>
+              <a:t>30-11-2015</a:t>
             </a:fld>
             <a:endParaRPr lang="en-IN"/>
           </a:p>
@@ -19889,7 +19889,7 @@
   </p:clrMapOvr>
   <p:extLst mod="1">
     <p:ext uri="{DCECCB84-F9BA-43D5-87BE-67443E8EF086}">
-      <p15:sldGuideLst xmlns="" xmlns:p15="http://schemas.microsoft.com/office/powerpoint/2012/main"/>
+      <p15:sldGuideLst xmlns:p15="http://schemas.microsoft.com/office/powerpoint/2012/main" xmlns=""/>
     </p:ext>
   </p:extLst>
 </p:sldLayout>
@@ -19929,7 +19929,7 @@
           <a:p>
             <a:fld id="{7DBA756D-FEBE-4F7B-ADFE-68BC598B5FB8}" type="datetime1">
               <a:rPr lang="en-IN" smtClean="0"/>
-              <a:t>29-11-2015</a:t>
+              <a:t>30-11-2015</a:t>
             </a:fld>
             <a:endParaRPr lang="en-IN"/>
           </a:p>
@@ -20051,7 +20051,7 @@
           <a:p>
             <a:fld id="{B852E9F3-4C91-45BD-9CDC-96B8889EDB03}" type="datetime1">
               <a:rPr lang="en-IN" smtClean="0"/>
-              <a:t>29-11-2015</a:t>
+              <a:t>30-11-2015</a:t>
             </a:fld>
             <a:endParaRPr lang="en-IN"/>
           </a:p>
@@ -20339,7 +20339,7 @@
           <a:p>
             <a:fld id="{E13FFA93-96B3-4FD0-A7EC-300BEF5F9A99}" type="datetime1">
               <a:rPr lang="en-IN" smtClean="0"/>
-              <a:t>29-11-2015</a:t>
+              <a:t>30-11-2015</a:t>
             </a:fld>
             <a:endParaRPr lang="en-IN"/>
           </a:p>
@@ -20403,7 +20403,7 @@
   </p:clrMapOvr>
   <p:extLst mod="1">
     <p:ext uri="{DCECCB84-F9BA-43D5-87BE-67443E8EF086}">
-      <p15:sldGuideLst xmlns="" xmlns:p15="http://schemas.microsoft.com/office/powerpoint/2012/main"/>
+      <p15:sldGuideLst xmlns:p15="http://schemas.microsoft.com/office/powerpoint/2012/main" xmlns=""/>
     </p:ext>
   </p:extLst>
 </p:sldLayout>
@@ -20612,7 +20612,7 @@
           <a:p>
             <a:fld id="{8B8DF21F-F9F9-43D0-B7B7-A7B045AD4A05}" type="datetime1">
               <a:rPr lang="en-IN" smtClean="0"/>
-              <a:t>29-11-2015</a:t>
+              <a:t>30-11-2015</a:t>
             </a:fld>
             <a:endParaRPr lang="en-IN"/>
           </a:p>
@@ -20830,7 +20830,7 @@
           <a:p>
             <a:fld id="{EDAA4FD8-5B3B-4661-8AD7-3EBBBC3E8CC1}" type="datetime1">
               <a:rPr lang="en-IN" smtClean="0"/>
-              <a:t>29-11-2015</a:t>
+              <a:t>30-11-2015</a:t>
             </a:fld>
             <a:endParaRPr lang="en-IN"/>
           </a:p>
@@ -21211,7 +21211,7 @@
   </p:txStyles>
   <p:extLst mod="1">
     <p:ext uri="{27BBF7A9-308A-43DC-89C8-2F10F3537804}">
-      <p15:sldGuideLst xmlns="" xmlns:p15="http://schemas.microsoft.com/office/powerpoint/2012/main"/>
+      <p15:sldGuideLst xmlns:p15="http://schemas.microsoft.com/office/powerpoint/2012/main" xmlns=""/>
     </p:ext>
   </p:extLst>
 </p:sldMaster>
@@ -21370,7 +21370,7 @@
           <a:p>
             <a:fld id="{57531EEE-C07F-4A8D-9D1D-E47AC10E1DA1}" type="datetime1">
               <a:rPr lang="en-IN" smtClean="0"/>
-              <a:t>29-11-2015</a:t>
+              <a:t>30-11-2015</a:t>
             </a:fld>
             <a:endParaRPr lang="en-IN"/>
           </a:p>
@@ -21751,7 +21751,7 @@
   </p:txStyles>
   <p:extLst mod="1">
     <p:ext uri="{27BBF7A9-308A-43DC-89C8-2F10F3537804}">
-      <p15:sldGuideLst xmlns="" xmlns:p15="http://schemas.microsoft.com/office/powerpoint/2012/main"/>
+      <p15:sldGuideLst xmlns:p15="http://schemas.microsoft.com/office/powerpoint/2012/main" xmlns=""/>
     </p:ext>
   </p:extLst>
 </p:sldMaster>
@@ -22622,7 +22622,7 @@
           <a:p>
             <a:fld id="{52C8D5B6-01B0-4080-B087-EE664ADE7A28}" type="datetime1">
               <a:rPr lang="en-IN" smtClean="0"/>
-              <a:t>29-11-2015</a:t>
+              <a:t>30-11-2015</a:t>
             </a:fld>
             <a:endParaRPr lang="en-IN"/>
           </a:p>
@@ -23168,7 +23168,7 @@
   </p:txStyles>
   <p:extLst mod="1">
     <p:ext uri="{27BBF7A9-308A-43DC-89C8-2F10F3537804}">
-      <p15:sldGuideLst xmlns="" xmlns:p15="http://schemas.microsoft.com/office/powerpoint/2012/main"/>
+      <p15:sldGuideLst xmlns:p15="http://schemas.microsoft.com/office/powerpoint/2012/main" xmlns=""/>
     </p:ext>
   </p:extLst>
 </p:sldMaster>
@@ -23676,7 +23676,7 @@
             <p:ph idx="1"/>
             <p:extLst>
               <p:ext uri="{D42A27DB-BD31-4B8C-83A1-F6EECF244321}">
-                <p14:modId xmlns:p14="http://schemas.microsoft.com/office/powerpoint/2010/main" val="390819237"/>
+                <p14:modId xmlns:p14="http://schemas.microsoft.com/office/powerpoint/2010/main" val="4022525746"/>
               </p:ext>
             </p:extLst>
           </p:nvPr>
@@ -23828,7 +23828,19 @@
                     <a:lstStyle/>
                     <a:p>
                       <a:pPr algn="r"/>
-                      <a:endParaRPr lang="en-IN" sz="1400" dirty="0"/>
+                      <a:r>
+                        <a:rPr lang="en-IN" sz="1400" b="1" i="0" kern="1200" dirty="0" smtClean="0">
+                          <a:solidFill>
+                            <a:schemeClr val="dk1"/>
+                          </a:solidFill>
+                          <a:effectLst/>
+                          <a:latin typeface="+mn-lt"/>
+                          <a:ea typeface="+mn-ea"/>
+                          <a:cs typeface="+mn-cs"/>
+                        </a:rPr>
+                        <a:t>0.92100</a:t>
+                      </a:r>
+                      <a:endParaRPr lang="en-IN" sz="1400" b="1" dirty="0"/>
                     </a:p>
                   </a:txBody>
                   <a:tcPr/>
@@ -23908,7 +23920,19 @@
                     <a:lstStyle/>
                     <a:p>
                       <a:pPr algn="r"/>
-                      <a:endParaRPr lang="en-IN" sz="1400" dirty="0"/>
+                      <a:r>
+                        <a:rPr lang="en-IN" sz="1400" b="1" i="0" kern="1200" dirty="0" smtClean="0">
+                          <a:solidFill>
+                            <a:schemeClr val="dk1"/>
+                          </a:solidFill>
+                          <a:effectLst/>
+                          <a:latin typeface="+mn-lt"/>
+                          <a:ea typeface="+mn-ea"/>
+                          <a:cs typeface="+mn-cs"/>
+                        </a:rPr>
+                        <a:t>0.92400</a:t>
+                      </a:r>
+                      <a:endParaRPr lang="en-IN" sz="1400" b="1" dirty="0"/>
                     </a:p>
                   </a:txBody>
                   <a:tcPr/>
@@ -24000,6 +24024,18 @@
                     <a:lstStyle/>
                     <a:p>
                       <a:pPr algn="r"/>
+                      <a:r>
+                        <a:rPr lang="en-IN" sz="1400" b="0" i="0" kern="1200" dirty="0" smtClean="0">
+                          <a:solidFill>
+                            <a:schemeClr val="dk1"/>
+                          </a:solidFill>
+                          <a:effectLst/>
+                          <a:latin typeface="+mn-lt"/>
+                          <a:ea typeface="+mn-ea"/>
+                          <a:cs typeface="+mn-cs"/>
+                        </a:rPr>
+                        <a:t>0.90500</a:t>
+                      </a:r>
                       <a:endParaRPr lang="en-IN" sz="1400" dirty="0">
                         <a:solidFill>
                           <a:srgbClr val="FF0000"/>
@@ -24060,6 +24096,18 @@
                     <a:lstStyle/>
                     <a:p>
                       <a:pPr algn="r"/>
+                      <a:r>
+                        <a:rPr lang="en-IN" sz="1400" b="0" i="0" kern="1200" dirty="0" smtClean="0">
+                          <a:solidFill>
+                            <a:schemeClr val="dk1"/>
+                          </a:solidFill>
+                          <a:effectLst/>
+                          <a:latin typeface="+mn-lt"/>
+                          <a:ea typeface="+mn-ea"/>
+                          <a:cs typeface="+mn-cs"/>
+                        </a:rPr>
+                        <a:t>0.91800</a:t>
+                      </a:r>
                       <a:endParaRPr lang="en-IN" sz="1400" dirty="0"/>
                     </a:p>
                   </a:txBody>
@@ -24125,7 +24173,11 @@
                       </a:r>
                       <a:r>
                         <a:rPr lang="en-IN" sz="1400" baseline="0" dirty="0" smtClean="0"/>
-                        <a:t> Median</a:t>
+                        <a:t> </a:t>
+                      </a:r>
+                      <a:r>
+                        <a:rPr lang="en-IN" sz="1400" baseline="0" dirty="0" smtClean="0"/>
+                        <a:t>Mean</a:t>
                       </a:r>
                       <a:endParaRPr lang="en-IN" sz="1400" dirty="0" smtClean="0"/>
                     </a:p>
@@ -24188,6 +24240,18 @@
                     <a:lstStyle/>
                     <a:p>
                       <a:pPr algn="r"/>
+                      <a:r>
+                        <a:rPr lang="en-IN" sz="1400" b="0" i="0" kern="1200" dirty="0" smtClean="0">
+                          <a:solidFill>
+                            <a:schemeClr val="dk1"/>
+                          </a:solidFill>
+                          <a:effectLst/>
+                          <a:latin typeface="+mn-lt"/>
+                          <a:ea typeface="+mn-ea"/>
+                          <a:cs typeface="+mn-cs"/>
+                        </a:rPr>
+                        <a:t>0.89700</a:t>
+                      </a:r>
                       <a:endParaRPr lang="en-IN" sz="1400" dirty="0"/>
                     </a:p>
                   </a:txBody>
@@ -24291,6 +24355,18 @@
                     <a:lstStyle/>
                     <a:p>
                       <a:pPr algn="r"/>
+                      <a:r>
+                        <a:rPr lang="en-IN" sz="1400" b="0" i="0" kern="1200" dirty="0" smtClean="0">
+                          <a:solidFill>
+                            <a:schemeClr val="dk1"/>
+                          </a:solidFill>
+                          <a:effectLst/>
+                          <a:latin typeface="+mn-lt"/>
+                          <a:ea typeface="+mn-ea"/>
+                          <a:cs typeface="+mn-cs"/>
+                        </a:rPr>
+                        <a:t>0.89900</a:t>
+                      </a:r>
                       <a:endParaRPr lang="en-IN" sz="1400" dirty="0"/>
                     </a:p>
                   </a:txBody>
@@ -24371,6 +24447,18 @@
                     <a:lstStyle/>
                     <a:p>
                       <a:pPr algn="r"/>
+                      <a:r>
+                        <a:rPr lang="en-IN" sz="1400" b="0" i="0" kern="1200" dirty="0" smtClean="0">
+                          <a:solidFill>
+                            <a:schemeClr val="dk1"/>
+                          </a:solidFill>
+                          <a:effectLst/>
+                          <a:latin typeface="+mn-lt"/>
+                          <a:ea typeface="+mn-ea"/>
+                          <a:cs typeface="+mn-cs"/>
+                        </a:rPr>
+                        <a:t>0.85900</a:t>
+                      </a:r>
                       <a:endParaRPr lang="en-IN" sz="1400" dirty="0"/>
                     </a:p>
                   </a:txBody>
@@ -24684,11 +24772,7 @@
           <a:p>
             <a:r>
               <a:rPr lang="en-IN" dirty="0" smtClean="0"/>
-              <a:t>Replacement of missing values by Row Spectral Median values gave consistently better results across all </a:t>
-            </a:r>
-            <a:r>
-              <a:rPr lang="en-IN" dirty="0" smtClean="0"/>
-              <a:t>of our models.</a:t>
+              <a:t>Replacement of missing values by Row Spectral Median values gave consistently better results across all of our models.</a:t>
             </a:r>
           </a:p>
         </p:txBody>
@@ -25859,11 +25943,7 @@
           <a:p>
             <a:r>
               <a:rPr lang="en-IN" sz="1600" dirty="0" smtClean="0"/>
-              <a:t>Aim</a:t>
-            </a:r>
-            <a:r>
-              <a:rPr lang="en-IN" sz="1600" dirty="0" smtClean="0"/>
-              <a:t>: </a:t>
+              <a:t>Aim: </a:t>
             </a:r>
             <a:r>
               <a:rPr lang="en-IN" sz="1600" dirty="0"/>
@@ -25871,11 +25951,7 @@
             </a:r>
             <a:r>
               <a:rPr lang="en-IN" sz="1600" dirty="0" smtClean="0"/>
-              <a:t>Classify </a:t>
-            </a:r>
-            <a:r>
-              <a:rPr lang="en-IN" sz="1600" dirty="0" smtClean="0"/>
-              <a:t>the central </a:t>
+              <a:t>Classify the central </a:t>
             </a:r>
             <a:r>
               <a:rPr lang="en-IN" sz="1600" dirty="0"/>
@@ -25887,11 +25963,7 @@
             </a:r>
             <a:r>
               <a:rPr lang="en-IN" sz="1600" dirty="0"/>
-              <a:t>a multi-spectral satellite </a:t>
-            </a:r>
-            <a:r>
-              <a:rPr lang="en-IN" sz="1600" dirty="0"/>
-              <a:t>image</a:t>
+              <a:t>a multi-spectral satellite image</a:t>
             </a:r>
             <a:r>
               <a:rPr lang="en-IN" sz="1600" dirty="0" smtClean="0"/>
@@ -27311,11 +27383,7 @@
           <a:p>
             <a:r>
               <a:rPr lang="en-IN" dirty="0" smtClean="0"/>
-              <a:t>Data </a:t>
-            </a:r>
-            <a:r>
-              <a:rPr lang="en-IN" dirty="0" smtClean="0"/>
-              <a:t>Pre-processing(2)</a:t>
+              <a:t>Data Pre-processing(2)</a:t>
             </a:r>
             <a:endParaRPr lang="en-IN" dirty="0"/>
           </a:p>
@@ -27716,7 +27784,6 @@
               <a:rPr lang="en-IN" sz="2000" dirty="0" smtClean="0"/>
               <a:t>Replacement Techniques</a:t>
             </a:r>
-            <a:endParaRPr lang="en-IN" sz="2000" dirty="0" smtClean="0"/>
           </a:p>
           <a:p>
             <a:pPr lvl="1">
@@ -27725,11 +27792,7 @@
             </a:pPr>
             <a:r>
               <a:rPr lang="en-IN" sz="2000" dirty="0"/>
-              <a:t>Zeros &amp; Mid </a:t>
-            </a:r>
-            <a:r>
-              <a:rPr lang="en-IN" sz="2000" dirty="0"/>
-              <a:t> Values</a:t>
+              <a:t>Zeros &amp; Mid  Values</a:t>
             </a:r>
           </a:p>
           <a:p>
@@ -28352,11 +28415,7 @@
           <a:p>
             <a:r>
               <a:rPr lang="en-IN" dirty="0" smtClean="0"/>
-              <a:t>Satellite Image </a:t>
-            </a:r>
-            <a:r>
-              <a:rPr lang="en-IN" dirty="0" smtClean="0"/>
-              <a:t>Classification</a:t>
+              <a:t>Satellite Image Classification</a:t>
             </a:r>
             <a:endParaRPr lang="en-IN" dirty="0"/>
           </a:p>
@@ -28678,11 +28737,7 @@
           <a:p>
             <a:r>
               <a:rPr lang="en-IN" dirty="0" smtClean="0"/>
-              <a:t>Satellite Image </a:t>
-            </a:r>
-            <a:r>
-              <a:rPr lang="en-IN" dirty="0" smtClean="0"/>
-              <a:t>Classification</a:t>
+              <a:t>Satellite Image Classification</a:t>
             </a:r>
             <a:endParaRPr lang="en-IN" dirty="0"/>
           </a:p>
@@ -29982,7 +30037,7 @@
   <a:extraClrSchemeLst/>
   <a:extLst>
     <a:ext uri="{05A4C25C-085E-4340-85A3-A5531E510DB2}">
-      <thm15:themeFamily xmlns="" xmlns:thm15="http://schemas.microsoft.com/office/thememl/2012/main" name="Ion Boardroom" id="{FC33163D-4339-46B1-8EED-24C834239D99}" vid="{B8502691-933B-45FE-8764-BA278511EF27}"/>
+      <thm15:themeFamily xmlns:thm15="http://schemas.microsoft.com/office/thememl/2012/main" xmlns="" name="Ion Boardroom" id="{FC33163D-4339-46B1-8EED-24C834239D99}" vid="{B8502691-933B-45FE-8764-BA278511EF27}"/>
     </a:ext>
   </a:extLst>
 </a:theme>
